--- a/docs/diagrams/UiComponentClassDiagram.pptx
+++ b/docs/diagrams/UiComponentClassDiagram.pptx
@@ -1,6 +1,6 @@
 
 <file path=ppt/presentation.xml><?xml version="1.0" encoding="utf-8"?>
-<p:presentation xmlns:a="http://schemas.openxmlformats.org/drawingml/2006/main" xmlns:r="http://schemas.openxmlformats.org/officeDocument/2006/relationships" xmlns:p="http://schemas.openxmlformats.org/presentationml/2006/main" saveSubsetFonts="1">
+<p:presentation xmlns:a="http://schemas.openxmlformats.org/drawingml/2006/main" xmlns:r="http://schemas.openxmlformats.org/officeDocument/2006/relationships" xmlns:p="http://schemas.openxmlformats.org/presentationml/2006/main" removePersonalInfoOnSave="1" saveSubsetFonts="1">
   <p:sldMasterIdLst>
     <p:sldMasterId id="2147483648" r:id="rId1"/>
   </p:sldMasterIdLst>
@@ -107,6 +107,22 @@
       </a:defRPr>
     </a:lvl9pPr>
   </p:defaultTextStyle>
+  <p:extLst>
+    <p:ext uri="{EFAFB233-063F-42B5-8137-9DF3F51BA10A}">
+      <p15:sldGuideLst xmlns:p15="http://schemas.microsoft.com/office/powerpoint/2012/main">
+        <p15:guide id="1" orient="horz" pos="1488">
+          <p15:clr>
+            <a:srgbClr val="A4A3A4"/>
+          </p15:clr>
+        </p15:guide>
+        <p15:guide id="2" pos="2880">
+          <p15:clr>
+            <a:srgbClr val="A4A3A4"/>
+          </p15:clr>
+        </p15:guide>
+      </p15:sldGuideLst>
+    </p:ext>
+  </p:extLst>
 </p:presentation>
 </file>
 
@@ -192,7 +208,7 @@
           <a:p>
             <a:fld id="{F5CC4B3F-88C1-4FFA-B1B6-F41C21DC6924}" type="datetimeFigureOut">
               <a:rPr lang="en-US" smtClean="0"/>
-              <a:t>10/15/2016</a:t>
+              <a:t>1/7/2017</a:t>
             </a:fld>
             <a:endParaRPr lang="en-US"/>
           </a:p>
@@ -256,38 +272,37 @@
           <a:p>
             <a:pPr lvl="0"/>
             <a:r>
-              <a:rPr lang="en-US" smtClean="0"/>
+              <a:rPr lang="en-US"/>
               <a:t>Click to edit Master text styles</a:t>
             </a:r>
           </a:p>
           <a:p>
             <a:pPr lvl="1"/>
             <a:r>
-              <a:rPr lang="en-US" smtClean="0"/>
+              <a:rPr lang="en-US"/>
               <a:t>Second level</a:t>
             </a:r>
           </a:p>
           <a:p>
             <a:pPr lvl="2"/>
             <a:r>
-              <a:rPr lang="en-US" smtClean="0"/>
+              <a:rPr lang="en-US"/>
               <a:t>Third level</a:t>
             </a:r>
           </a:p>
           <a:p>
             <a:pPr lvl="3"/>
             <a:r>
-              <a:rPr lang="en-US" smtClean="0"/>
+              <a:rPr lang="en-US"/>
               <a:t>Fourth level</a:t>
             </a:r>
           </a:p>
           <a:p>
             <a:pPr lvl="4"/>
             <a:r>
-              <a:rPr lang="en-US" smtClean="0"/>
+              <a:rPr lang="en-US"/>
               <a:t>Fifth level</a:t>
             </a:r>
-            <a:endParaRPr lang="en-US"/>
           </a:p>
         </p:txBody>
       </p:sp>
@@ -498,10 +513,9 @@
           <a:lstStyle/>
           <a:p>
             <a:r>
-              <a:rPr lang="en-US" smtClean="0"/>
+              <a:rPr lang="en-US"/>
               <a:t>Click to edit Master title style</a:t>
             </a:r>
-            <a:endParaRPr lang="en-US"/>
           </a:p>
         </p:txBody>
       </p:sp>
@@ -617,10 +631,9 @@
           </a:lstStyle>
           <a:p>
             <a:r>
-              <a:rPr lang="en-US" smtClean="0"/>
+              <a:rPr lang="en-US"/>
               <a:t>Click to edit Master subtitle style</a:t>
             </a:r>
-            <a:endParaRPr lang="en-US"/>
           </a:p>
         </p:txBody>
       </p:sp>
@@ -641,7 +654,7 @@
           <a:p>
             <a:fld id="{78C97017-6FC3-485B-9764-EAC9E56C1D49}" type="datetimeFigureOut">
               <a:rPr lang="en-US" smtClean="0"/>
-              <a:t>10/15/2016</a:t>
+              <a:t>1/7/2017</a:t>
             </a:fld>
             <a:endParaRPr lang="en-US"/>
           </a:p>
@@ -735,10 +748,9 @@
           <a:lstStyle/>
           <a:p>
             <a:r>
-              <a:rPr lang="en-US" smtClean="0"/>
+              <a:rPr lang="en-US"/>
               <a:t>Click to edit Master title style</a:t>
             </a:r>
-            <a:endParaRPr lang="en-US"/>
           </a:p>
         </p:txBody>
       </p:sp>
@@ -759,38 +771,37 @@
           <a:p>
             <a:pPr lvl="0"/>
             <a:r>
-              <a:rPr lang="en-US" smtClean="0"/>
+              <a:rPr lang="en-US"/>
               <a:t>Click to edit Master text styles</a:t>
             </a:r>
           </a:p>
           <a:p>
             <a:pPr lvl="1"/>
             <a:r>
-              <a:rPr lang="en-US" smtClean="0"/>
+              <a:rPr lang="en-US"/>
               <a:t>Second level</a:t>
             </a:r>
           </a:p>
           <a:p>
             <a:pPr lvl="2"/>
             <a:r>
-              <a:rPr lang="en-US" smtClean="0"/>
+              <a:rPr lang="en-US"/>
               <a:t>Third level</a:t>
             </a:r>
           </a:p>
           <a:p>
             <a:pPr lvl="3"/>
             <a:r>
-              <a:rPr lang="en-US" smtClean="0"/>
+              <a:rPr lang="en-US"/>
               <a:t>Fourth level</a:t>
             </a:r>
           </a:p>
           <a:p>
             <a:pPr lvl="4"/>
             <a:r>
-              <a:rPr lang="en-US" smtClean="0"/>
+              <a:rPr lang="en-US"/>
               <a:t>Fifth level</a:t>
             </a:r>
-            <a:endParaRPr lang="en-US"/>
           </a:p>
         </p:txBody>
       </p:sp>
@@ -811,7 +822,7 @@
           <a:p>
             <a:fld id="{78C97017-6FC3-485B-9764-EAC9E56C1D49}" type="datetimeFigureOut">
               <a:rPr lang="en-US" smtClean="0"/>
-              <a:t>10/15/2016</a:t>
+              <a:t>1/7/2017</a:t>
             </a:fld>
             <a:endParaRPr lang="en-US"/>
           </a:p>
@@ -910,10 +921,9 @@
           <a:lstStyle/>
           <a:p>
             <a:r>
-              <a:rPr lang="en-US" smtClean="0"/>
+              <a:rPr lang="en-US"/>
               <a:t>Click to edit Master title style</a:t>
             </a:r>
-            <a:endParaRPr lang="en-US"/>
           </a:p>
         </p:txBody>
       </p:sp>
@@ -939,38 +949,37 @@
           <a:p>
             <a:pPr lvl="0"/>
             <a:r>
-              <a:rPr lang="en-US" smtClean="0"/>
+              <a:rPr lang="en-US"/>
               <a:t>Click to edit Master text styles</a:t>
             </a:r>
           </a:p>
           <a:p>
             <a:pPr lvl="1"/>
             <a:r>
-              <a:rPr lang="en-US" smtClean="0"/>
+              <a:rPr lang="en-US"/>
               <a:t>Second level</a:t>
             </a:r>
           </a:p>
           <a:p>
             <a:pPr lvl="2"/>
             <a:r>
-              <a:rPr lang="en-US" smtClean="0"/>
+              <a:rPr lang="en-US"/>
               <a:t>Third level</a:t>
             </a:r>
           </a:p>
           <a:p>
             <a:pPr lvl="3"/>
             <a:r>
-              <a:rPr lang="en-US" smtClean="0"/>
+              <a:rPr lang="en-US"/>
               <a:t>Fourth level</a:t>
             </a:r>
           </a:p>
           <a:p>
             <a:pPr lvl="4"/>
             <a:r>
-              <a:rPr lang="en-US" smtClean="0"/>
+              <a:rPr lang="en-US"/>
               <a:t>Fifth level</a:t>
             </a:r>
-            <a:endParaRPr lang="en-US"/>
           </a:p>
         </p:txBody>
       </p:sp>
@@ -991,7 +1000,7 @@
           <a:p>
             <a:fld id="{78C97017-6FC3-485B-9764-EAC9E56C1D49}" type="datetimeFigureOut">
               <a:rPr lang="en-US" smtClean="0"/>
-              <a:t>10/15/2016</a:t>
+              <a:t>1/7/2017</a:t>
             </a:fld>
             <a:endParaRPr lang="en-US"/>
           </a:p>
@@ -1085,10 +1094,9 @@
           <a:lstStyle/>
           <a:p>
             <a:r>
-              <a:rPr lang="en-US" smtClean="0"/>
+              <a:rPr lang="en-US"/>
               <a:t>Click to edit Master title style</a:t>
             </a:r>
-            <a:endParaRPr lang="en-US"/>
           </a:p>
         </p:txBody>
       </p:sp>
@@ -1109,38 +1117,37 @@
           <a:p>
             <a:pPr lvl="0"/>
             <a:r>
-              <a:rPr lang="en-US" smtClean="0"/>
+              <a:rPr lang="en-US"/>
               <a:t>Click to edit Master text styles</a:t>
             </a:r>
           </a:p>
           <a:p>
             <a:pPr lvl="1"/>
             <a:r>
-              <a:rPr lang="en-US" smtClean="0"/>
+              <a:rPr lang="en-US"/>
               <a:t>Second level</a:t>
             </a:r>
           </a:p>
           <a:p>
             <a:pPr lvl="2"/>
             <a:r>
-              <a:rPr lang="en-US" smtClean="0"/>
+              <a:rPr lang="en-US"/>
               <a:t>Third level</a:t>
             </a:r>
           </a:p>
           <a:p>
             <a:pPr lvl="3"/>
             <a:r>
-              <a:rPr lang="en-US" smtClean="0"/>
+              <a:rPr lang="en-US"/>
               <a:t>Fourth level</a:t>
             </a:r>
           </a:p>
           <a:p>
             <a:pPr lvl="4"/>
             <a:r>
-              <a:rPr lang="en-US" smtClean="0"/>
+              <a:rPr lang="en-US"/>
               <a:t>Fifth level</a:t>
             </a:r>
-            <a:endParaRPr lang="en-US"/>
           </a:p>
         </p:txBody>
       </p:sp>
@@ -1161,7 +1168,7 @@
           <a:p>
             <a:fld id="{78C97017-6FC3-485B-9764-EAC9E56C1D49}" type="datetimeFigureOut">
               <a:rPr lang="en-US" smtClean="0"/>
-              <a:t>10/15/2016</a:t>
+              <a:t>1/7/2017</a:t>
             </a:fld>
             <a:endParaRPr lang="en-US"/>
           </a:p>
@@ -1264,10 +1271,9 @@
           </a:lstStyle>
           <a:p>
             <a:r>
-              <a:rPr lang="en-US" smtClean="0"/>
+              <a:rPr lang="en-US"/>
               <a:t>Click to edit Master title style</a:t>
             </a:r>
-            <a:endParaRPr lang="en-US"/>
           </a:p>
         </p:txBody>
       </p:sp>
@@ -1384,7 +1390,7 @@
           <a:p>
             <a:pPr lvl="0"/>
             <a:r>
-              <a:rPr lang="en-US" smtClean="0"/>
+              <a:rPr lang="en-US"/>
               <a:t>Click to edit Master text styles</a:t>
             </a:r>
           </a:p>
@@ -1407,7 +1413,7 @@
           <a:p>
             <a:fld id="{78C97017-6FC3-485B-9764-EAC9E56C1D49}" type="datetimeFigureOut">
               <a:rPr lang="en-US" smtClean="0"/>
-              <a:t>10/15/2016</a:t>
+              <a:t>1/7/2017</a:t>
             </a:fld>
             <a:endParaRPr lang="en-US"/>
           </a:p>
@@ -1501,10 +1507,9 @@
           <a:lstStyle/>
           <a:p>
             <a:r>
-              <a:rPr lang="en-US" smtClean="0"/>
+              <a:rPr lang="en-US"/>
               <a:t>Click to edit Master title style</a:t>
             </a:r>
-            <a:endParaRPr lang="en-US"/>
           </a:p>
         </p:txBody>
       </p:sp>
@@ -1558,38 +1563,37 @@
           <a:p>
             <a:pPr lvl="0"/>
             <a:r>
-              <a:rPr lang="en-US" smtClean="0"/>
+              <a:rPr lang="en-US"/>
               <a:t>Click to edit Master text styles</a:t>
             </a:r>
           </a:p>
           <a:p>
             <a:pPr lvl="1"/>
             <a:r>
-              <a:rPr lang="en-US" smtClean="0"/>
+              <a:rPr lang="en-US"/>
               <a:t>Second level</a:t>
             </a:r>
           </a:p>
           <a:p>
             <a:pPr lvl="2"/>
             <a:r>
-              <a:rPr lang="en-US" smtClean="0"/>
+              <a:rPr lang="en-US"/>
               <a:t>Third level</a:t>
             </a:r>
           </a:p>
           <a:p>
             <a:pPr lvl="3"/>
             <a:r>
-              <a:rPr lang="en-US" smtClean="0"/>
+              <a:rPr lang="en-US"/>
               <a:t>Fourth level</a:t>
             </a:r>
           </a:p>
           <a:p>
             <a:pPr lvl="4"/>
             <a:r>
-              <a:rPr lang="en-US" smtClean="0"/>
+              <a:rPr lang="en-US"/>
               <a:t>Fifth level</a:t>
             </a:r>
-            <a:endParaRPr lang="en-US"/>
           </a:p>
         </p:txBody>
       </p:sp>
@@ -1643,38 +1647,37 @@
           <a:p>
             <a:pPr lvl="0"/>
             <a:r>
-              <a:rPr lang="en-US" smtClean="0"/>
+              <a:rPr lang="en-US"/>
               <a:t>Click to edit Master text styles</a:t>
             </a:r>
           </a:p>
           <a:p>
             <a:pPr lvl="1"/>
             <a:r>
-              <a:rPr lang="en-US" smtClean="0"/>
+              <a:rPr lang="en-US"/>
               <a:t>Second level</a:t>
             </a:r>
           </a:p>
           <a:p>
             <a:pPr lvl="2"/>
             <a:r>
-              <a:rPr lang="en-US" smtClean="0"/>
+              <a:rPr lang="en-US"/>
               <a:t>Third level</a:t>
             </a:r>
           </a:p>
           <a:p>
             <a:pPr lvl="3"/>
             <a:r>
-              <a:rPr lang="en-US" smtClean="0"/>
+              <a:rPr lang="en-US"/>
               <a:t>Fourth level</a:t>
             </a:r>
           </a:p>
           <a:p>
             <a:pPr lvl="4"/>
             <a:r>
-              <a:rPr lang="en-US" smtClean="0"/>
+              <a:rPr lang="en-US"/>
               <a:t>Fifth level</a:t>
             </a:r>
-            <a:endParaRPr lang="en-US"/>
           </a:p>
         </p:txBody>
       </p:sp>
@@ -1695,7 +1698,7 @@
           <a:p>
             <a:fld id="{78C97017-6FC3-485B-9764-EAC9E56C1D49}" type="datetimeFigureOut">
               <a:rPr lang="en-US" smtClean="0"/>
-              <a:t>10/15/2016</a:t>
+              <a:t>1/7/2017</a:t>
             </a:fld>
             <a:endParaRPr lang="en-US"/>
           </a:p>
@@ -1793,10 +1796,9 @@
           </a:lstStyle>
           <a:p>
             <a:r>
-              <a:rPr lang="en-US" smtClean="0"/>
+              <a:rPr lang="en-US"/>
               <a:t>Click to edit Master title style</a:t>
             </a:r>
-            <a:endParaRPr lang="en-US"/>
           </a:p>
         </p:txBody>
       </p:sp>
@@ -1859,7 +1861,7 @@
           <a:p>
             <a:pPr lvl="0"/>
             <a:r>
-              <a:rPr lang="en-US" smtClean="0"/>
+              <a:rPr lang="en-US"/>
               <a:t>Click to edit Master text styles</a:t>
             </a:r>
           </a:p>
@@ -1915,38 +1917,37 @@
           <a:p>
             <a:pPr lvl="0"/>
             <a:r>
-              <a:rPr lang="en-US" smtClean="0"/>
+              <a:rPr lang="en-US"/>
               <a:t>Click to edit Master text styles</a:t>
             </a:r>
           </a:p>
           <a:p>
             <a:pPr lvl="1"/>
             <a:r>
-              <a:rPr lang="en-US" smtClean="0"/>
+              <a:rPr lang="en-US"/>
               <a:t>Second level</a:t>
             </a:r>
           </a:p>
           <a:p>
             <a:pPr lvl="2"/>
             <a:r>
-              <a:rPr lang="en-US" smtClean="0"/>
+              <a:rPr lang="en-US"/>
               <a:t>Third level</a:t>
             </a:r>
           </a:p>
           <a:p>
             <a:pPr lvl="3"/>
             <a:r>
-              <a:rPr lang="en-US" smtClean="0"/>
+              <a:rPr lang="en-US"/>
               <a:t>Fourth level</a:t>
             </a:r>
           </a:p>
           <a:p>
             <a:pPr lvl="4"/>
             <a:r>
-              <a:rPr lang="en-US" smtClean="0"/>
+              <a:rPr lang="en-US"/>
               <a:t>Fifth level</a:t>
             </a:r>
-            <a:endParaRPr lang="en-US"/>
           </a:p>
         </p:txBody>
       </p:sp>
@@ -2009,7 +2010,7 @@
           <a:p>
             <a:pPr lvl="0"/>
             <a:r>
-              <a:rPr lang="en-US" smtClean="0"/>
+              <a:rPr lang="en-US"/>
               <a:t>Click to edit Master text styles</a:t>
             </a:r>
           </a:p>
@@ -2065,38 +2066,37 @@
           <a:p>
             <a:pPr lvl="0"/>
             <a:r>
-              <a:rPr lang="en-US" smtClean="0"/>
+              <a:rPr lang="en-US"/>
               <a:t>Click to edit Master text styles</a:t>
             </a:r>
           </a:p>
           <a:p>
             <a:pPr lvl="1"/>
             <a:r>
-              <a:rPr lang="en-US" smtClean="0"/>
+              <a:rPr lang="en-US"/>
               <a:t>Second level</a:t>
             </a:r>
           </a:p>
           <a:p>
             <a:pPr lvl="2"/>
             <a:r>
-              <a:rPr lang="en-US" smtClean="0"/>
+              <a:rPr lang="en-US"/>
               <a:t>Third level</a:t>
             </a:r>
           </a:p>
           <a:p>
             <a:pPr lvl="3"/>
             <a:r>
-              <a:rPr lang="en-US" smtClean="0"/>
+              <a:rPr lang="en-US"/>
               <a:t>Fourth level</a:t>
             </a:r>
           </a:p>
           <a:p>
             <a:pPr lvl="4"/>
             <a:r>
-              <a:rPr lang="en-US" smtClean="0"/>
+              <a:rPr lang="en-US"/>
               <a:t>Fifth level</a:t>
             </a:r>
-            <a:endParaRPr lang="en-US"/>
           </a:p>
         </p:txBody>
       </p:sp>
@@ -2117,7 +2117,7 @@
           <a:p>
             <a:fld id="{78C97017-6FC3-485B-9764-EAC9E56C1D49}" type="datetimeFigureOut">
               <a:rPr lang="en-US" smtClean="0"/>
-              <a:t>10/15/2016</a:t>
+              <a:t>1/7/2017</a:t>
             </a:fld>
             <a:endParaRPr lang="en-US"/>
           </a:p>
@@ -2211,10 +2211,9 @@
           <a:lstStyle/>
           <a:p>
             <a:r>
-              <a:rPr lang="en-US" smtClean="0"/>
+              <a:rPr lang="en-US"/>
               <a:t>Click to edit Master title style</a:t>
             </a:r>
-            <a:endParaRPr lang="en-US"/>
           </a:p>
         </p:txBody>
       </p:sp>
@@ -2235,7 +2234,7 @@
           <a:p>
             <a:fld id="{78C97017-6FC3-485B-9764-EAC9E56C1D49}" type="datetimeFigureOut">
               <a:rPr lang="en-US" smtClean="0"/>
-              <a:t>10/15/2016</a:t>
+              <a:t>1/7/2017</a:t>
             </a:fld>
             <a:endParaRPr lang="en-US"/>
           </a:p>
@@ -2330,7 +2329,7 @@
           <a:p>
             <a:fld id="{78C97017-6FC3-485B-9764-EAC9E56C1D49}" type="datetimeFigureOut">
               <a:rPr lang="en-US" smtClean="0"/>
-              <a:t>10/15/2016</a:t>
+              <a:t>1/7/2017</a:t>
             </a:fld>
             <a:endParaRPr lang="en-US"/>
           </a:p>
@@ -2433,10 +2432,9 @@
           </a:lstStyle>
           <a:p>
             <a:r>
-              <a:rPr lang="en-US" smtClean="0"/>
+              <a:rPr lang="en-US"/>
               <a:t>Click to edit Master title style</a:t>
             </a:r>
-            <a:endParaRPr lang="en-US"/>
           </a:p>
         </p:txBody>
       </p:sp>
@@ -2490,38 +2488,37 @@
           <a:p>
             <a:pPr lvl="0"/>
             <a:r>
-              <a:rPr lang="en-US" smtClean="0"/>
+              <a:rPr lang="en-US"/>
               <a:t>Click to edit Master text styles</a:t>
             </a:r>
           </a:p>
           <a:p>
             <a:pPr lvl="1"/>
             <a:r>
-              <a:rPr lang="en-US" smtClean="0"/>
+              <a:rPr lang="en-US"/>
               <a:t>Second level</a:t>
             </a:r>
           </a:p>
           <a:p>
             <a:pPr lvl="2"/>
             <a:r>
-              <a:rPr lang="en-US" smtClean="0"/>
+              <a:rPr lang="en-US"/>
               <a:t>Third level</a:t>
             </a:r>
           </a:p>
           <a:p>
             <a:pPr lvl="3"/>
             <a:r>
-              <a:rPr lang="en-US" smtClean="0"/>
+              <a:rPr lang="en-US"/>
               <a:t>Fourth level</a:t>
             </a:r>
           </a:p>
           <a:p>
             <a:pPr lvl="4"/>
             <a:r>
-              <a:rPr lang="en-US" smtClean="0"/>
+              <a:rPr lang="en-US"/>
               <a:t>Fifth level</a:t>
             </a:r>
-            <a:endParaRPr lang="en-US"/>
           </a:p>
         </p:txBody>
       </p:sp>
@@ -2584,7 +2581,7 @@
           <a:p>
             <a:pPr lvl="0"/>
             <a:r>
-              <a:rPr lang="en-US" smtClean="0"/>
+              <a:rPr lang="en-US"/>
               <a:t>Click to edit Master text styles</a:t>
             </a:r>
           </a:p>
@@ -2607,7 +2604,7 @@
           <a:p>
             <a:fld id="{78C97017-6FC3-485B-9764-EAC9E56C1D49}" type="datetimeFigureOut">
               <a:rPr lang="en-US" smtClean="0"/>
-              <a:t>10/15/2016</a:t>
+              <a:t>1/7/2017</a:t>
             </a:fld>
             <a:endParaRPr lang="en-US"/>
           </a:p>
@@ -2710,10 +2707,9 @@
           </a:lstStyle>
           <a:p>
             <a:r>
-              <a:rPr lang="en-US" smtClean="0"/>
+              <a:rPr lang="en-US"/>
               <a:t>Click to edit Master title style</a:t>
             </a:r>
-            <a:endParaRPr lang="en-US"/>
           </a:p>
         </p:txBody>
       </p:sp>
@@ -2837,7 +2833,7 @@
           <a:p>
             <a:pPr lvl="0"/>
             <a:r>
-              <a:rPr lang="en-US" smtClean="0"/>
+              <a:rPr lang="en-US"/>
               <a:t>Click to edit Master text styles</a:t>
             </a:r>
           </a:p>
@@ -2860,7 +2856,7 @@
           <a:p>
             <a:fld id="{78C97017-6FC3-485B-9764-EAC9E56C1D49}" type="datetimeFigureOut">
               <a:rPr lang="en-US" smtClean="0"/>
-              <a:t>10/15/2016</a:t>
+              <a:t>1/7/2017</a:t>
             </a:fld>
             <a:endParaRPr lang="en-US"/>
           </a:p>
@@ -2969,10 +2965,9 @@
           <a:lstStyle/>
           <a:p>
             <a:r>
-              <a:rPr lang="en-US" smtClean="0"/>
+              <a:rPr lang="en-US"/>
               <a:t>Click to edit Master title style</a:t>
             </a:r>
-            <a:endParaRPr lang="en-US"/>
           </a:p>
         </p:txBody>
       </p:sp>
@@ -3003,38 +2998,37 @@
           <a:p>
             <a:pPr lvl="0"/>
             <a:r>
-              <a:rPr lang="en-US" smtClean="0"/>
+              <a:rPr lang="en-US"/>
               <a:t>Click to edit Master text styles</a:t>
             </a:r>
           </a:p>
           <a:p>
             <a:pPr lvl="1"/>
             <a:r>
-              <a:rPr lang="en-US" smtClean="0"/>
+              <a:rPr lang="en-US"/>
               <a:t>Second level</a:t>
             </a:r>
           </a:p>
           <a:p>
             <a:pPr lvl="2"/>
             <a:r>
-              <a:rPr lang="en-US" smtClean="0"/>
+              <a:rPr lang="en-US"/>
               <a:t>Third level</a:t>
             </a:r>
           </a:p>
           <a:p>
             <a:pPr lvl="3"/>
             <a:r>
-              <a:rPr lang="en-US" smtClean="0"/>
+              <a:rPr lang="en-US"/>
               <a:t>Fourth level</a:t>
             </a:r>
           </a:p>
           <a:p>
             <a:pPr lvl="4"/>
             <a:r>
-              <a:rPr lang="en-US" smtClean="0"/>
+              <a:rPr lang="en-US"/>
               <a:t>Fifth level</a:t>
             </a:r>
-            <a:endParaRPr lang="en-US"/>
           </a:p>
         </p:txBody>
       </p:sp>
@@ -3073,7 +3067,7 @@
           <a:p>
             <a:fld id="{78C97017-6FC3-485B-9764-EAC9E56C1D49}" type="datetimeFigureOut">
               <a:rPr lang="en-US" smtClean="0"/>
-              <a:t>10/15/2016</a:t>
+              <a:t>1/7/2017</a:t>
             </a:fld>
             <a:endParaRPr lang="en-US"/>
           </a:p>
@@ -3491,7 +3485,7 @@
           <a:lstStyle/>
           <a:p>
             <a:r>
-              <a:rPr lang="en-US" sz="1200" b="1" dirty="0" smtClean="0">
+              <a:rPr lang="en-US" sz="1200" b="1" dirty="0">
                 <a:solidFill>
                   <a:schemeClr val="accent3">
                     <a:lumMod val="75000"/>
@@ -3674,7 +3668,7 @@
           <a:p>
             <a:pPr algn="ctr"/>
             <a:r>
-              <a:rPr lang="en-US" sz="1050" dirty="0" err="1" smtClean="0">
+              <a:rPr lang="en-US" sz="1050" dirty="0" err="1">
                 <a:solidFill>
                   <a:schemeClr val="bg1"/>
                 </a:solidFill>
@@ -4313,7 +4307,7 @@
           <a:p>
             <a:pPr algn="ctr"/>
             <a:r>
-              <a:rPr lang="en-US" sz="1050" b="1" dirty="0" err="1" smtClean="0">
+              <a:rPr lang="en-US" sz="1050" b="1" dirty="0" err="1">
                 <a:solidFill>
                   <a:schemeClr val="accent3">
                     <a:lumMod val="75000"/>
@@ -4536,7 +4530,7 @@
           <a:p>
             <a:pPr algn="ctr"/>
             <a:r>
-              <a:rPr lang="en-US" sz="1050" b="1" dirty="0" smtClean="0">
+              <a:rPr lang="en-US" sz="1050" b="1" dirty="0">
                 <a:solidFill>
                   <a:schemeClr val="accent3">
                     <a:lumMod val="75000"/>
@@ -4546,7 +4540,7 @@
               <a:t>{abstract}</a:t>
             </a:r>
             <a:br>
-              <a:rPr lang="en-US" sz="1050" b="1" dirty="0" smtClean="0">
+              <a:rPr lang="en-US" sz="1050" b="1" dirty="0">
                 <a:solidFill>
                   <a:schemeClr val="accent3">
                     <a:lumMod val="75000"/>
@@ -4555,7 +4549,7 @@
               </a:rPr>
             </a:br>
             <a:r>
-              <a:rPr lang="en-US" sz="1050" b="1" dirty="0" err="1" smtClean="0">
+              <a:rPr lang="en-US" sz="1050" b="1" dirty="0" err="1">
                 <a:solidFill>
                   <a:schemeClr val="accent3">
                     <a:lumMod val="75000"/>
@@ -4820,65 +4814,6 @@
           </a:fontRef>
         </p:style>
       </p:cxnSp>
-      <p:sp>
-        <p:nvSpPr>
-          <p:cNvPr id="98" name="Rectangle 62"/>
-          <p:cNvSpPr/>
-          <p:nvPr/>
-        </p:nvSpPr>
-        <p:spPr>
-          <a:xfrm>
-            <a:off x="3657600" y="1770924"/>
-            <a:ext cx="1031399" cy="346760"/>
-          </a:xfrm>
-          <a:prstGeom prst="rect">
-            <a:avLst/>
-          </a:prstGeom>
-          <a:solidFill>
-            <a:srgbClr val="00B050"/>
-          </a:solidFill>
-          <a:ln w="19050">
-            <a:solidFill>
-              <a:srgbClr val="00B050"/>
-            </a:solidFill>
-          </a:ln>
-          <a:effectLst/>
-        </p:spPr>
-        <p:style>
-          <a:lnRef idx="1">
-            <a:schemeClr val="accent2"/>
-          </a:lnRef>
-          <a:fillRef idx="2">
-            <a:schemeClr val="accent2"/>
-          </a:fillRef>
-          <a:effectRef idx="1">
-            <a:schemeClr val="accent2"/>
-          </a:effectRef>
-          <a:fontRef idx="minor">
-            <a:schemeClr val="dk1"/>
-          </a:fontRef>
-        </p:style>
-        <p:txBody>
-          <a:bodyPr rtlCol="0" anchor="ctr"/>
-          <a:lstStyle/>
-          <a:p>
-            <a:pPr algn="ctr"/>
-            <a:r>
-              <a:rPr lang="en-US" sz="1050" dirty="0" err="1">
-                <a:solidFill>
-                  <a:schemeClr val="bg1"/>
-                </a:solidFill>
-              </a:rPr>
-              <a:t>UiPartLoader</a:t>
-            </a:r>
-            <a:endParaRPr lang="en-SG" sz="1050" dirty="0">
-              <a:solidFill>
-                <a:schemeClr val="bg1"/>
-              </a:solidFill>
-            </a:endParaRPr>
-          </a:p>
-        </p:txBody>
-      </p:sp>
       <p:cxnSp>
         <p:nvCxnSpPr>
           <p:cNvPr id="107" name="Elbow Connector 106"/>
@@ -4900,85 +4835,6 @@
               <a:srgbClr val="00B050"/>
             </a:solidFill>
             <a:prstDash val="solid"/>
-            <a:headEnd type="none" w="med" len="med"/>
-            <a:tailEnd type="arrow" w="med" len="med"/>
-          </a:ln>
-          <a:effectLst/>
-        </p:spPr>
-        <p:style>
-          <a:lnRef idx="1">
-            <a:schemeClr val="accent2"/>
-          </a:lnRef>
-          <a:fillRef idx="2">
-            <a:schemeClr val="accent2"/>
-          </a:fillRef>
-          <a:effectRef idx="1">
-            <a:schemeClr val="accent2"/>
-          </a:effectRef>
-          <a:fontRef idx="minor">
-            <a:schemeClr val="dk1"/>
-          </a:fontRef>
-        </p:style>
-      </p:cxnSp>
-      <p:cxnSp>
-        <p:nvCxnSpPr>
-          <p:cNvPr id="110" name="Straight Arrow Connector 109"/>
-          <p:cNvCxnSpPr/>
-          <p:nvPr/>
-        </p:nvCxnSpPr>
-        <p:spPr>
-          <a:xfrm flipV="1">
-            <a:off x="3198609" y="1944304"/>
-            <a:ext cx="484448" cy="2308"/>
-          </a:xfrm>
-          <a:prstGeom prst="straightConnector1">
-            <a:avLst/>
-          </a:prstGeom>
-          <a:ln w="19050">
-            <a:solidFill>
-              <a:srgbClr val="00B050"/>
-            </a:solidFill>
-            <a:headEnd type="none" w="med" len="med"/>
-            <a:tailEnd type="arrow" w="med" len="med"/>
-          </a:ln>
-          <a:effectLst/>
-        </p:spPr>
-        <p:style>
-          <a:lnRef idx="1">
-            <a:schemeClr val="accent2"/>
-          </a:lnRef>
-          <a:fillRef idx="2">
-            <a:schemeClr val="accent2"/>
-          </a:fillRef>
-          <a:effectRef idx="1">
-            <a:schemeClr val="accent2"/>
-          </a:effectRef>
-          <a:fontRef idx="minor">
-            <a:schemeClr val="dk1"/>
-          </a:fontRef>
-        </p:style>
-      </p:cxnSp>
-      <p:cxnSp>
-        <p:nvCxnSpPr>
-          <p:cNvPr id="111" name="Straight Arrow Connector 110"/>
-          <p:cNvCxnSpPr>
-            <a:endCxn id="73" idx="1"/>
-          </p:cNvCxnSpPr>
-          <p:nvPr/>
-        </p:nvCxnSpPr>
-        <p:spPr>
-          <a:xfrm flipV="1">
-            <a:off x="4714456" y="1944304"/>
-            <a:ext cx="429492" cy="2308"/>
-          </a:xfrm>
-          <a:prstGeom prst="straightConnector1">
-            <a:avLst/>
-          </a:prstGeom>
-          <a:ln w="19050">
-            <a:solidFill>
-              <a:schemeClr val="accent3"/>
-            </a:solidFill>
-            <a:prstDash val="sysDot"/>
             <a:headEnd type="none" w="med" len="med"/>
             <a:tailEnd type="arrow" w="med" len="med"/>
           </a:ln>
@@ -5044,7 +4900,7 @@
           <a:p>
             <a:pPr algn="ctr"/>
             <a:r>
-              <a:rPr lang="en-US" sz="1100" b="1" dirty="0" smtClean="0">
+              <a:rPr lang="en-US" sz="1100" b="1" dirty="0">
                 <a:solidFill>
                   <a:schemeClr val="bg1"/>
                 </a:solidFill>
@@ -5103,7 +4959,7 @@
           <a:p>
             <a:pPr algn="ctr"/>
             <a:r>
-              <a:rPr lang="en-US" sz="1050" dirty="0" smtClean="0">
+              <a:rPr lang="en-US" sz="1050" dirty="0">
                 <a:solidFill>
                   <a:schemeClr val="bg1"/>
                 </a:solidFill>
@@ -5114,7 +4970,7 @@
           <a:p>
             <a:pPr algn="ctr"/>
             <a:r>
-              <a:rPr lang="en-US" sz="1050" dirty="0" err="1" smtClean="0">
+              <a:rPr lang="en-US" sz="1050" dirty="0" err="1">
                 <a:solidFill>
                   <a:schemeClr val="bg1"/>
                 </a:solidFill>
@@ -5663,13 +5519,6 @@
   <p:clrMapOvr>
     <a:masterClrMapping/>
   </p:clrMapOvr>
-  <p:timing>
-    <p:tnLst>
-      <p:par>
-        <p:cTn id="1" dur="indefinite" restart="never" nodeType="tmRoot"/>
-      </p:par>
-    </p:tnLst>
-  </p:timing>
 </p:sld>
 </file>
 

--- a/docs/diagrams/UiComponentClassDiagram.pptx
+++ b/docs/diagrams/UiComponentClassDiagram.pptx
@@ -208,7 +208,7 @@
           <a:p>
             <a:fld id="{F5CC4B3F-88C1-4FFA-B1B6-F41C21DC6924}" type="datetimeFigureOut">
               <a:rPr lang="en-US" smtClean="0"/>
-              <a:t>1/7/2017</a:t>
+              <a:t>10/29/18</a:t>
             </a:fld>
             <a:endParaRPr lang="en-US"/>
           </a:p>
@@ -654,7 +654,7 @@
           <a:p>
             <a:fld id="{78C97017-6FC3-485B-9764-EAC9E56C1D49}" type="datetimeFigureOut">
               <a:rPr lang="en-US" smtClean="0"/>
-              <a:t>1/7/2017</a:t>
+              <a:t>10/29/18</a:t>
             </a:fld>
             <a:endParaRPr lang="en-US"/>
           </a:p>
@@ -822,7 +822,7 @@
           <a:p>
             <a:fld id="{78C97017-6FC3-485B-9764-EAC9E56C1D49}" type="datetimeFigureOut">
               <a:rPr lang="en-US" smtClean="0"/>
-              <a:t>1/7/2017</a:t>
+              <a:t>10/29/18</a:t>
             </a:fld>
             <a:endParaRPr lang="en-US"/>
           </a:p>
@@ -1000,7 +1000,7 @@
           <a:p>
             <a:fld id="{78C97017-6FC3-485B-9764-EAC9E56C1D49}" type="datetimeFigureOut">
               <a:rPr lang="en-US" smtClean="0"/>
-              <a:t>1/7/2017</a:t>
+              <a:t>10/29/18</a:t>
             </a:fld>
             <a:endParaRPr lang="en-US"/>
           </a:p>
@@ -1168,7 +1168,7 @@
           <a:p>
             <a:fld id="{78C97017-6FC3-485B-9764-EAC9E56C1D49}" type="datetimeFigureOut">
               <a:rPr lang="en-US" smtClean="0"/>
-              <a:t>1/7/2017</a:t>
+              <a:t>10/29/18</a:t>
             </a:fld>
             <a:endParaRPr lang="en-US"/>
           </a:p>
@@ -1413,7 +1413,7 @@
           <a:p>
             <a:fld id="{78C97017-6FC3-485B-9764-EAC9E56C1D49}" type="datetimeFigureOut">
               <a:rPr lang="en-US" smtClean="0"/>
-              <a:t>1/7/2017</a:t>
+              <a:t>10/29/18</a:t>
             </a:fld>
             <a:endParaRPr lang="en-US"/>
           </a:p>
@@ -1698,7 +1698,7 @@
           <a:p>
             <a:fld id="{78C97017-6FC3-485B-9764-EAC9E56C1D49}" type="datetimeFigureOut">
               <a:rPr lang="en-US" smtClean="0"/>
-              <a:t>1/7/2017</a:t>
+              <a:t>10/29/18</a:t>
             </a:fld>
             <a:endParaRPr lang="en-US"/>
           </a:p>
@@ -2117,7 +2117,7 @@
           <a:p>
             <a:fld id="{78C97017-6FC3-485B-9764-EAC9E56C1D49}" type="datetimeFigureOut">
               <a:rPr lang="en-US" smtClean="0"/>
-              <a:t>1/7/2017</a:t>
+              <a:t>10/29/18</a:t>
             </a:fld>
             <a:endParaRPr lang="en-US"/>
           </a:p>
@@ -2234,7 +2234,7 @@
           <a:p>
             <a:fld id="{78C97017-6FC3-485B-9764-EAC9E56C1D49}" type="datetimeFigureOut">
               <a:rPr lang="en-US" smtClean="0"/>
-              <a:t>1/7/2017</a:t>
+              <a:t>10/29/18</a:t>
             </a:fld>
             <a:endParaRPr lang="en-US"/>
           </a:p>
@@ -2329,7 +2329,7 @@
           <a:p>
             <a:fld id="{78C97017-6FC3-485B-9764-EAC9E56C1D49}" type="datetimeFigureOut">
               <a:rPr lang="en-US" smtClean="0"/>
-              <a:t>1/7/2017</a:t>
+              <a:t>10/29/18</a:t>
             </a:fld>
             <a:endParaRPr lang="en-US"/>
           </a:p>
@@ -2604,7 +2604,7 @@
           <a:p>
             <a:fld id="{78C97017-6FC3-485B-9764-EAC9E56C1D49}" type="datetimeFigureOut">
               <a:rPr lang="en-US" smtClean="0"/>
-              <a:t>1/7/2017</a:t>
+              <a:t>10/29/18</a:t>
             </a:fld>
             <a:endParaRPr lang="en-US"/>
           </a:p>
@@ -2856,7 +2856,7 @@
           <a:p>
             <a:fld id="{78C97017-6FC3-485B-9764-EAC9E56C1D49}" type="datetimeFigureOut">
               <a:rPr lang="en-US" smtClean="0"/>
-              <a:t>1/7/2017</a:t>
+              <a:t>10/29/18</a:t>
             </a:fld>
             <a:endParaRPr lang="en-US"/>
           </a:p>
@@ -3067,7 +3067,7 @@
           <a:p>
             <a:fld id="{78C97017-6FC3-485B-9764-EAC9E56C1D49}" type="datetimeFigureOut">
               <a:rPr lang="en-US" smtClean="0"/>
-              <a:t>1/7/2017</a:t>
+              <a:t>10/29/18</a:t>
             </a:fld>
             <a:endParaRPr lang="en-US"/>
           </a:p>
@@ -3945,7 +3945,7 @@
         </p:nvSpPr>
         <p:spPr>
           <a:xfrm>
-            <a:off x="2592527" y="4563759"/>
+            <a:off x="2592527" y="4639959"/>
             <a:ext cx="1093635" cy="236841"/>
           </a:xfrm>
           <a:prstGeom prst="rect">
@@ -4006,7 +4006,7 @@
         <p:spPr>
           <a:xfrm>
             <a:off x="2592526" y="3991960"/>
-            <a:ext cx="1093635" cy="236841"/>
+            <a:ext cx="1192715" cy="236841"/>
           </a:xfrm>
           <a:prstGeom prst="rect">
             <a:avLst/>
@@ -4045,7 +4045,7 @@
                   </a:schemeClr>
                 </a:solidFill>
               </a:rPr>
-              <a:t>PersonListPanel</a:t>
+              <a:t>ModuleListPanel</a:t>
             </a:r>
             <a:endParaRPr lang="en-SG" sz="1050" b="1" dirty="0">
               <a:solidFill>
@@ -4065,7 +4065,7 @@
         </p:nvSpPr>
         <p:spPr>
           <a:xfrm>
-            <a:off x="3839323" y="4228801"/>
+            <a:off x="4335355" y="4218189"/>
             <a:ext cx="1040906" cy="236841"/>
           </a:xfrm>
           <a:prstGeom prst="rect">
@@ -4105,7 +4105,7 @@
                   </a:schemeClr>
                 </a:solidFill>
               </a:rPr>
-              <a:t>PersonCard</a:t>
+              <a:t>ModuleCard</a:t>
             </a:r>
             <a:endParaRPr lang="en-SG" sz="1050" b="1" dirty="0">
               <a:solidFill>
@@ -4371,6 +4371,7 @@
         <p:nvCxnSpPr>
           <p:cNvPr id="47" name="Elbow Connector 63"/>
           <p:cNvCxnSpPr>
+            <a:cxnSpLocks/>
             <a:stCxn id="39" idx="2"/>
             <a:endCxn id="36" idx="1"/>
           </p:cNvCxnSpPr>
@@ -4412,14 +4413,14 @@
         <p:nvCxnSpPr>
           <p:cNvPr id="50" name="Elbow Connector 63"/>
           <p:cNvCxnSpPr>
-            <a:stCxn id="39" idx="2"/>
+            <a:cxnSpLocks/>
             <a:endCxn id="35" idx="1"/>
           </p:cNvCxnSpPr>
           <p:nvPr/>
         </p:nvCxnSpPr>
         <p:spPr>
           <a:xfrm rot="16200000" flipH="1">
-            <a:off x="1597249" y="3686901"/>
+            <a:off x="1597249" y="3763101"/>
             <a:ext cx="1814155" cy="176401"/>
           </a:xfrm>
           <a:prstGeom prst="bentConnector2">
@@ -4620,8 +4621,8 @@
         </p:nvCxnSpPr>
         <p:spPr>
           <a:xfrm rot="5400000">
-            <a:off x="4174488" y="2991741"/>
-            <a:ext cx="2061222" cy="649740"/>
+            <a:off x="4427810" y="3234451"/>
+            <a:ext cx="2050610" cy="153708"/>
           </a:xfrm>
           <a:prstGeom prst="bentConnector2">
             <a:avLst/>
@@ -4743,8 +4744,8 @@
         </p:nvCxnSpPr>
         <p:spPr>
           <a:xfrm rot="5400000">
-            <a:off x="3409976" y="2562187"/>
-            <a:ext cx="2396180" cy="1843807"/>
+            <a:off x="3371876" y="2600287"/>
+            <a:ext cx="2472380" cy="1843807"/>
           </a:xfrm>
           <a:prstGeom prst="bentConnector2">
             <a:avLst/>
@@ -5161,18 +5162,20 @@
         <p:nvCxnSpPr>
           <p:cNvPr id="137" name="Elbow Connector 136"/>
           <p:cNvCxnSpPr>
-            <a:stCxn id="36" idx="2"/>
+            <a:cxnSpLocks/>
             <a:endCxn id="37" idx="1"/>
           </p:cNvCxnSpPr>
           <p:nvPr/>
         </p:nvCxnSpPr>
         <p:spPr>
-          <a:xfrm rot="16200000" flipH="1">
-            <a:off x="3430123" y="3938021"/>
-            <a:ext cx="118421" cy="699979"/>
-          </a:xfrm>
-          <a:prstGeom prst="bentConnector2">
-            <a:avLst/>
+          <a:xfrm>
+            <a:off x="3785241" y="4160156"/>
+            <a:ext cx="550114" cy="176454"/>
+          </a:xfrm>
+          <a:prstGeom prst="bentConnector3">
+            <a:avLst>
+              <a:gd name="adj1" fmla="val 50000"/>
+            </a:avLst>
           </a:prstGeom>
           <a:ln w="19050">
             <a:solidFill>
@@ -5202,6 +5205,7 @@
         <p:nvCxnSpPr>
           <p:cNvPr id="140" name="Elbow Connector 63"/>
           <p:cNvCxnSpPr>
+            <a:cxnSpLocks/>
             <a:stCxn id="16" idx="3"/>
             <a:endCxn id="36" idx="3"/>
           </p:cNvCxnSpPr>
@@ -5209,8 +5213,8 @@
         </p:nvCxnSpPr>
         <p:spPr>
           <a:xfrm rot="5400000">
-            <a:off x="3695875" y="2276286"/>
-            <a:ext cx="1824381" cy="1843808"/>
+            <a:off x="3745415" y="2325826"/>
+            <a:ext cx="1824381" cy="1744728"/>
           </a:xfrm>
           <a:prstGeom prst="bentConnector2">
             <a:avLst/>
@@ -5509,6 +5513,167 @@
           </a:p>
         </p:txBody>
       </p:sp>
+      <p:sp>
+        <p:nvSpPr>
+          <p:cNvPr id="45" name="Rectangle 11">
+            <a:extLst>
+              <a:ext uri="{FF2B5EF4-FFF2-40B4-BE49-F238E27FC236}">
+                <a16:creationId xmlns:a16="http://schemas.microsoft.com/office/drawing/2014/main" id="{F73ED6E0-6B09-4444-9CAD-A3A813A001C8}"/>
+              </a:ext>
+            </a:extLst>
+          </p:cNvPr>
+          <p:cNvSpPr/>
+          <p:nvPr/>
+        </p:nvSpPr>
+        <p:spPr>
+          <a:xfrm>
+            <a:off x="2594605" y="4335159"/>
+            <a:ext cx="1192715" cy="236841"/>
+          </a:xfrm>
+          <a:prstGeom prst="rect">
+            <a:avLst/>
+          </a:prstGeom>
+          <a:ln w="19050">
+            <a:solidFill>
+              <a:schemeClr val="accent3"/>
+            </a:solidFill>
+          </a:ln>
+          <a:effectLst/>
+        </p:spPr>
+        <p:style>
+          <a:lnRef idx="1">
+            <a:schemeClr val="accent3"/>
+          </a:lnRef>
+          <a:fillRef idx="2">
+            <a:schemeClr val="accent3"/>
+          </a:fillRef>
+          <a:effectRef idx="1">
+            <a:schemeClr val="accent3"/>
+          </a:effectRef>
+          <a:fontRef idx="minor">
+            <a:schemeClr val="dk1"/>
+          </a:fontRef>
+        </p:style>
+        <p:txBody>
+          <a:bodyPr rtlCol="0" anchor="ctr"/>
+          <a:lstStyle/>
+          <a:p>
+            <a:pPr algn="ctr"/>
+            <a:r>
+              <a:rPr lang="en-US" sz="1050" b="1" dirty="0">
+                <a:solidFill>
+                  <a:schemeClr val="accent3">
+                    <a:lumMod val="75000"/>
+                  </a:schemeClr>
+                </a:solidFill>
+              </a:rPr>
+              <a:t>ModuleListPanel2</a:t>
+            </a:r>
+            <a:endParaRPr lang="en-SG" sz="1050" b="1" dirty="0">
+              <a:solidFill>
+                <a:schemeClr val="accent3">
+                  <a:lumMod val="75000"/>
+                </a:schemeClr>
+              </a:solidFill>
+            </a:endParaRPr>
+          </a:p>
+        </p:txBody>
+      </p:sp>
+      <p:cxnSp>
+        <p:nvCxnSpPr>
+          <p:cNvPr id="49" name="Elbow Connector 48">
+            <a:extLst>
+              <a:ext uri="{FF2B5EF4-FFF2-40B4-BE49-F238E27FC236}">
+                <a16:creationId xmlns:a16="http://schemas.microsoft.com/office/drawing/2014/main" id="{3ABC7D55-AA1B-1342-A29C-5A1EB4AFCB8B}"/>
+              </a:ext>
+            </a:extLst>
+          </p:cNvPr>
+          <p:cNvCxnSpPr>
+            <a:cxnSpLocks/>
+            <a:endCxn id="37" idx="1"/>
+          </p:cNvCxnSpPr>
+          <p:nvPr/>
+        </p:nvCxnSpPr>
+        <p:spPr>
+          <a:xfrm flipV="1">
+            <a:off x="3787600" y="4336610"/>
+            <a:ext cx="547755" cy="93878"/>
+          </a:xfrm>
+          <a:prstGeom prst="bentConnector3">
+            <a:avLst>
+              <a:gd name="adj1" fmla="val 50000"/>
+            </a:avLst>
+          </a:prstGeom>
+          <a:ln w="19050">
+            <a:solidFill>
+              <a:schemeClr val="accent3"/>
+            </a:solidFill>
+            <a:headEnd type="none" w="med" len="med"/>
+            <a:tailEnd type="arrow" w="med" len="med"/>
+          </a:ln>
+          <a:effectLst/>
+        </p:spPr>
+        <p:style>
+          <a:lnRef idx="1">
+            <a:schemeClr val="accent2"/>
+          </a:lnRef>
+          <a:fillRef idx="2">
+            <a:schemeClr val="accent2"/>
+          </a:fillRef>
+          <a:effectRef idx="1">
+            <a:schemeClr val="accent2"/>
+          </a:effectRef>
+          <a:fontRef idx="minor">
+            <a:schemeClr val="dk1"/>
+          </a:fontRef>
+        </p:style>
+      </p:cxnSp>
+      <p:cxnSp>
+        <p:nvCxnSpPr>
+          <p:cNvPr id="52" name="Elbow Connector 63">
+            <a:extLst>
+              <a:ext uri="{FF2B5EF4-FFF2-40B4-BE49-F238E27FC236}">
+                <a16:creationId xmlns:a16="http://schemas.microsoft.com/office/drawing/2014/main" id="{42635FD3-E6CC-0142-A59D-19D887F20B8C}"/>
+              </a:ext>
+            </a:extLst>
+          </p:cNvPr>
+          <p:cNvCxnSpPr>
+            <a:cxnSpLocks/>
+          </p:cNvCxnSpPr>
+          <p:nvPr/>
+        </p:nvCxnSpPr>
+        <p:spPr>
+          <a:xfrm rot="16200000" flipH="1">
+            <a:off x="1881422" y="3769265"/>
+            <a:ext cx="1242356" cy="176400"/>
+          </a:xfrm>
+          <a:prstGeom prst="bentConnector2">
+            <a:avLst/>
+          </a:prstGeom>
+          <a:ln w="19050">
+            <a:solidFill>
+              <a:schemeClr val="accent3"/>
+            </a:solidFill>
+            <a:headEnd type="none" w="med" len="med"/>
+            <a:tailEnd type="arrow" w="med" len="med"/>
+          </a:ln>
+          <a:effectLst/>
+        </p:spPr>
+        <p:style>
+          <a:lnRef idx="1">
+            <a:schemeClr val="accent2"/>
+          </a:lnRef>
+          <a:fillRef idx="2">
+            <a:schemeClr val="accent2"/>
+          </a:fillRef>
+          <a:effectRef idx="1">
+            <a:schemeClr val="accent2"/>
+          </a:effectRef>
+          <a:fontRef idx="minor">
+            <a:schemeClr val="dk1"/>
+          </a:fontRef>
+        </p:style>
+      </p:cxnSp>
     </p:spTree>
     <p:extLst>
       <p:ext uri="{BB962C8B-B14F-4D97-AF65-F5344CB8AC3E}">

--- a/docs/diagrams/UiComponentClassDiagram.pptx
+++ b/docs/diagrams/UiComponentClassDiagram.pptx
@@ -208,7 +208,7 @@
           <a:p>
             <a:fld id="{F5CC4B3F-88C1-4FFA-B1B6-F41C21DC6924}" type="datetimeFigureOut">
               <a:rPr lang="en-US" smtClean="0"/>
-              <a:t>12/15/2018</a:t>
+              <a:t>4/10/2019</a:t>
             </a:fld>
             <a:endParaRPr lang="en-US"/>
           </a:p>
@@ -654,7 +654,7 @@
           <a:p>
             <a:fld id="{78C97017-6FC3-485B-9764-EAC9E56C1D49}" type="datetimeFigureOut">
               <a:rPr lang="en-US" smtClean="0"/>
-              <a:t>12/15/2018</a:t>
+              <a:t>4/10/2019</a:t>
             </a:fld>
             <a:endParaRPr lang="en-US"/>
           </a:p>
@@ -822,7 +822,7 @@
           <a:p>
             <a:fld id="{78C97017-6FC3-485B-9764-EAC9E56C1D49}" type="datetimeFigureOut">
               <a:rPr lang="en-US" smtClean="0"/>
-              <a:t>12/15/2018</a:t>
+              <a:t>4/10/2019</a:t>
             </a:fld>
             <a:endParaRPr lang="en-US"/>
           </a:p>
@@ -1000,7 +1000,7 @@
           <a:p>
             <a:fld id="{78C97017-6FC3-485B-9764-EAC9E56C1D49}" type="datetimeFigureOut">
               <a:rPr lang="en-US" smtClean="0"/>
-              <a:t>12/15/2018</a:t>
+              <a:t>4/10/2019</a:t>
             </a:fld>
             <a:endParaRPr lang="en-US"/>
           </a:p>
@@ -1168,7 +1168,7 @@
           <a:p>
             <a:fld id="{78C97017-6FC3-485B-9764-EAC9E56C1D49}" type="datetimeFigureOut">
               <a:rPr lang="en-US" smtClean="0"/>
-              <a:t>12/15/2018</a:t>
+              <a:t>4/10/2019</a:t>
             </a:fld>
             <a:endParaRPr lang="en-US"/>
           </a:p>
@@ -1413,7 +1413,7 @@
           <a:p>
             <a:fld id="{78C97017-6FC3-485B-9764-EAC9E56C1D49}" type="datetimeFigureOut">
               <a:rPr lang="en-US" smtClean="0"/>
-              <a:t>12/15/2018</a:t>
+              <a:t>4/10/2019</a:t>
             </a:fld>
             <a:endParaRPr lang="en-US"/>
           </a:p>
@@ -1698,7 +1698,7 @@
           <a:p>
             <a:fld id="{78C97017-6FC3-485B-9764-EAC9E56C1D49}" type="datetimeFigureOut">
               <a:rPr lang="en-US" smtClean="0"/>
-              <a:t>12/15/2018</a:t>
+              <a:t>4/10/2019</a:t>
             </a:fld>
             <a:endParaRPr lang="en-US"/>
           </a:p>
@@ -2117,7 +2117,7 @@
           <a:p>
             <a:fld id="{78C97017-6FC3-485B-9764-EAC9E56C1D49}" type="datetimeFigureOut">
               <a:rPr lang="en-US" smtClean="0"/>
-              <a:t>12/15/2018</a:t>
+              <a:t>4/10/2019</a:t>
             </a:fld>
             <a:endParaRPr lang="en-US"/>
           </a:p>
@@ -2234,7 +2234,7 @@
           <a:p>
             <a:fld id="{78C97017-6FC3-485B-9764-EAC9E56C1D49}" type="datetimeFigureOut">
               <a:rPr lang="en-US" smtClean="0"/>
-              <a:t>12/15/2018</a:t>
+              <a:t>4/10/2019</a:t>
             </a:fld>
             <a:endParaRPr lang="en-US"/>
           </a:p>
@@ -2329,7 +2329,7 @@
           <a:p>
             <a:fld id="{78C97017-6FC3-485B-9764-EAC9E56C1D49}" type="datetimeFigureOut">
               <a:rPr lang="en-US" smtClean="0"/>
-              <a:t>12/15/2018</a:t>
+              <a:t>4/10/2019</a:t>
             </a:fld>
             <a:endParaRPr lang="en-US"/>
           </a:p>
@@ -2604,7 +2604,7 @@
           <a:p>
             <a:fld id="{78C97017-6FC3-485B-9764-EAC9E56C1D49}" type="datetimeFigureOut">
               <a:rPr lang="en-US" smtClean="0"/>
-              <a:t>12/15/2018</a:t>
+              <a:t>4/10/2019</a:t>
             </a:fld>
             <a:endParaRPr lang="en-US"/>
           </a:p>
@@ -2856,7 +2856,7 @@
           <a:p>
             <a:fld id="{78C97017-6FC3-485B-9764-EAC9E56C1D49}" type="datetimeFigureOut">
               <a:rPr lang="en-US" smtClean="0"/>
-              <a:t>12/15/2018</a:t>
+              <a:t>4/10/2019</a:t>
             </a:fld>
             <a:endParaRPr lang="en-US"/>
           </a:p>
@@ -3067,7 +3067,7 @@
           <a:p>
             <a:fld id="{78C97017-6FC3-485B-9764-EAC9E56C1D49}" type="datetimeFigureOut">
               <a:rPr lang="en-US" smtClean="0"/>
-              <a:t>12/15/2018</a:t>
+              <a:t>4/10/2019</a:t>
             </a:fld>
             <a:endParaRPr lang="en-US"/>
           </a:p>
@@ -3442,2073 +3442,3520 @@
           <a:chExt cx="0" cy="0"/>
         </a:xfrm>
       </p:grpSpPr>
-      <p:sp>
-        <p:nvSpPr>
-          <p:cNvPr id="23" name="Rectangle 65"/>
-          <p:cNvSpPr/>
+      <p:grpSp>
+        <p:nvGrpSpPr>
+          <p:cNvPr id="123" name="Group 122">
+            <a:extLst>
+              <a:ext uri="{FF2B5EF4-FFF2-40B4-BE49-F238E27FC236}">
+                <a16:creationId xmlns:a16="http://schemas.microsoft.com/office/drawing/2014/main" id="{7BF205B1-BD1D-4116-B2C4-BB77E1A7AA2E}"/>
+              </a:ext>
+            </a:extLst>
+          </p:cNvPr>
+          <p:cNvGrpSpPr/>
           <p:nvPr/>
-        </p:nvSpPr>
-        <p:spPr>
+        </p:nvGrpSpPr>
+        <p:grpSpPr>
           <a:xfrm>
-            <a:off x="1217465" y="1447800"/>
-            <a:ext cx="4917083" cy="3962400"/>
+            <a:off x="914400" y="914400"/>
+            <a:ext cx="6403401" cy="5359500"/>
+            <a:chOff x="660160" y="1447799"/>
+            <a:chExt cx="6403401" cy="5359500"/>
           </a:xfrm>
-          <a:prstGeom prst="roundRect">
-            <a:avLst>
-              <a:gd name="adj" fmla="val 3484"/>
-            </a:avLst>
-          </a:prstGeom>
-          <a:solidFill>
-            <a:srgbClr val="F1F5E9"/>
-          </a:solidFill>
-          <a:ln w="19050">
-            <a:noFill/>
-          </a:ln>
-          <a:effectLst/>
-        </p:spPr>
-        <p:style>
-          <a:lnRef idx="1">
-            <a:schemeClr val="accent2"/>
-          </a:lnRef>
-          <a:fillRef idx="2">
-            <a:schemeClr val="accent2"/>
-          </a:fillRef>
-          <a:effectRef idx="1">
-            <a:schemeClr val="accent2"/>
-          </a:effectRef>
-          <a:fontRef idx="minor">
-            <a:schemeClr val="dk1"/>
-          </a:fontRef>
-        </p:style>
-        <p:txBody>
-          <a:bodyPr rtlCol="0" anchor="t"/>
-          <a:lstStyle/>
-          <a:p>
-            <a:r>
-              <a:rPr lang="en-US" sz="1200" b="1" dirty="0">
+        </p:grpSpPr>
+        <p:sp>
+          <p:nvSpPr>
+            <p:cNvPr id="23" name="Rectangle 65"/>
+            <p:cNvSpPr/>
+            <p:nvPr/>
+          </p:nvSpPr>
+          <p:spPr>
+            <a:xfrm>
+              <a:off x="1215659" y="1473304"/>
+              <a:ext cx="4917083" cy="5333995"/>
+            </a:xfrm>
+            <a:prstGeom prst="roundRect">
+              <a:avLst>
+                <a:gd name="adj" fmla="val 3484"/>
+              </a:avLst>
+            </a:prstGeom>
+            <a:solidFill>
+              <a:srgbClr val="F1F5E9"/>
+            </a:solidFill>
+            <a:ln w="19050">
+              <a:noFill/>
+            </a:ln>
+            <a:effectLst/>
+          </p:spPr>
+          <p:style>
+            <a:lnRef idx="1">
+              <a:schemeClr val="accent2"/>
+            </a:lnRef>
+            <a:fillRef idx="2">
+              <a:schemeClr val="accent2"/>
+            </a:fillRef>
+            <a:effectRef idx="1">
+              <a:schemeClr val="accent2"/>
+            </a:effectRef>
+            <a:fontRef idx="minor">
+              <a:schemeClr val="dk1"/>
+            </a:fontRef>
+          </p:style>
+          <p:txBody>
+            <a:bodyPr rtlCol="0" anchor="t"/>
+            <a:lstStyle/>
+            <a:p>
+              <a:r>
+                <a:rPr lang="en-US" sz="1200" b="1" dirty="0">
+                  <a:solidFill>
+                    <a:schemeClr val="accent3">
+                      <a:lumMod val="75000"/>
+                    </a:schemeClr>
+                  </a:solidFill>
+                </a:rPr>
+                <a:t>UI</a:t>
+              </a:r>
+              <a:endParaRPr lang="en-SG" sz="1200" b="1" dirty="0">
                 <a:solidFill>
                   <a:schemeClr val="accent3">
                     <a:lumMod val="75000"/>
                   </a:schemeClr>
                 </a:solidFill>
-              </a:rPr>
-              <a:t>UI</a:t>
-            </a:r>
-            <a:endParaRPr lang="en-SG" sz="1200" b="1" dirty="0">
+              </a:endParaRPr>
+            </a:p>
+          </p:txBody>
+        </p:sp>
+        <p:sp>
+          <p:nvSpPr>
+            <p:cNvPr id="2" name="Rectangle 8"/>
+            <p:cNvSpPr/>
+            <p:nvPr/>
+          </p:nvSpPr>
+          <p:spPr>
+            <a:xfrm>
+              <a:off x="2095948" y="2341220"/>
+              <a:ext cx="1093635" cy="346760"/>
+            </a:xfrm>
+            <a:prstGeom prst="rect">
+              <a:avLst/>
+            </a:prstGeom>
+            <a:ln w="19050">
               <a:solidFill>
-                <a:schemeClr val="accent3">
-                  <a:lumMod val="75000"/>
-                </a:schemeClr>
+                <a:schemeClr val="accent3"/>
               </a:solidFill>
-            </a:endParaRPr>
-          </a:p>
-        </p:txBody>
-      </p:sp>
-      <p:sp>
-        <p:nvSpPr>
-          <p:cNvPr id="2" name="Rectangle 8"/>
-          <p:cNvSpPr/>
-          <p:nvPr/>
-        </p:nvSpPr>
-        <p:spPr>
-          <a:xfrm>
-            <a:off x="2095948" y="2341220"/>
-            <a:ext cx="1093635" cy="346760"/>
-          </a:xfrm>
-          <a:prstGeom prst="rect">
-            <a:avLst/>
-          </a:prstGeom>
-          <a:ln w="19050">
-            <a:solidFill>
+            </a:ln>
+            <a:effectLst/>
+          </p:spPr>
+          <p:style>
+            <a:lnRef idx="1">
               <a:schemeClr val="accent3"/>
-            </a:solidFill>
-          </a:ln>
-          <a:effectLst/>
-        </p:spPr>
-        <p:style>
-          <a:lnRef idx="1">
-            <a:schemeClr val="accent3"/>
-          </a:lnRef>
-          <a:fillRef idx="2">
-            <a:schemeClr val="accent3"/>
-          </a:fillRef>
-          <a:effectRef idx="1">
-            <a:schemeClr val="accent3"/>
-          </a:effectRef>
-          <a:fontRef idx="minor">
-            <a:schemeClr val="dk1"/>
-          </a:fontRef>
-        </p:style>
-        <p:txBody>
-          <a:bodyPr rtlCol="0" anchor="ctr"/>
-          <a:lstStyle/>
-          <a:p>
-            <a:pPr algn="ctr"/>
-            <a:r>
-              <a:rPr lang="en-US" sz="1050" b="1" dirty="0" err="1">
+            </a:lnRef>
+            <a:fillRef idx="2">
+              <a:schemeClr val="accent3"/>
+            </a:fillRef>
+            <a:effectRef idx="1">
+              <a:schemeClr val="accent3"/>
+            </a:effectRef>
+            <a:fontRef idx="minor">
+              <a:schemeClr val="dk1"/>
+            </a:fontRef>
+          </p:style>
+          <p:txBody>
+            <a:bodyPr rtlCol="0" anchor="ctr"/>
+            <a:lstStyle/>
+            <a:p>
+              <a:pPr algn="ctr"/>
+              <a:r>
+                <a:rPr lang="en-US" sz="1050" b="1" dirty="0" err="1">
+                  <a:solidFill>
+                    <a:schemeClr val="accent3">
+                      <a:lumMod val="75000"/>
+                    </a:schemeClr>
+                  </a:solidFill>
+                </a:rPr>
+                <a:t>MainWindow</a:t>
+              </a:r>
+              <a:endParaRPr lang="en-SG" sz="1050" b="1" dirty="0">
                 <a:solidFill>
                   <a:schemeClr val="accent3">
                     <a:lumMod val="75000"/>
                   </a:schemeClr>
                 </a:solidFill>
-              </a:rPr>
-              <a:t>MainWindow</a:t>
-            </a:r>
-            <a:endParaRPr lang="en-SG" sz="1050" b="1" dirty="0">
+              </a:endParaRPr>
+            </a:p>
+          </p:txBody>
+        </p:sp>
+        <p:sp>
+          <p:nvSpPr>
+            <p:cNvPr id="3" name="Rectangle 11"/>
+            <p:cNvSpPr/>
+            <p:nvPr/>
+          </p:nvSpPr>
+          <p:spPr>
+            <a:xfrm>
+              <a:off x="2578326" y="2802646"/>
+              <a:ext cx="1199961" cy="236841"/>
+            </a:xfrm>
+            <a:prstGeom prst="rect">
+              <a:avLst/>
+            </a:prstGeom>
+            <a:ln w="19050">
               <a:solidFill>
-                <a:schemeClr val="accent3">
-                  <a:lumMod val="75000"/>
-                </a:schemeClr>
+                <a:schemeClr val="accent3"/>
               </a:solidFill>
-            </a:endParaRPr>
-          </a:p>
-        </p:txBody>
-      </p:sp>
-      <p:sp>
-        <p:nvSpPr>
-          <p:cNvPr id="3" name="Rectangle 11"/>
-          <p:cNvSpPr/>
-          <p:nvPr/>
-        </p:nvSpPr>
-        <p:spPr>
-          <a:xfrm>
-            <a:off x="2592528" y="2971800"/>
-            <a:ext cx="1093635" cy="236841"/>
-          </a:xfrm>
-          <a:prstGeom prst="rect">
-            <a:avLst/>
-          </a:prstGeom>
-          <a:ln w="19050">
-            <a:solidFill>
+            </a:ln>
+            <a:effectLst/>
+          </p:spPr>
+          <p:style>
+            <a:lnRef idx="1">
               <a:schemeClr val="accent3"/>
-            </a:solidFill>
-          </a:ln>
-          <a:effectLst/>
-        </p:spPr>
-        <p:style>
-          <a:lnRef idx="1">
-            <a:schemeClr val="accent3"/>
-          </a:lnRef>
-          <a:fillRef idx="2">
-            <a:schemeClr val="accent3"/>
-          </a:fillRef>
-          <a:effectRef idx="1">
-            <a:schemeClr val="accent3"/>
-          </a:effectRef>
-          <a:fontRef idx="minor">
-            <a:schemeClr val="dk1"/>
-          </a:fontRef>
-        </p:style>
-        <p:txBody>
-          <a:bodyPr rtlCol="0" anchor="ctr"/>
-          <a:lstStyle/>
-          <a:p>
-            <a:pPr algn="ctr"/>
-            <a:r>
-              <a:rPr lang="en-US" sz="1050" b="1" dirty="0" err="1">
+            </a:lnRef>
+            <a:fillRef idx="2">
+              <a:schemeClr val="accent3"/>
+            </a:fillRef>
+            <a:effectRef idx="1">
+              <a:schemeClr val="accent3"/>
+            </a:effectRef>
+            <a:fontRef idx="minor">
+              <a:schemeClr val="dk1"/>
+            </a:fontRef>
+          </p:style>
+          <p:txBody>
+            <a:bodyPr rtlCol="0" anchor="ctr"/>
+            <a:lstStyle/>
+            <a:p>
+              <a:pPr algn="ctr"/>
+              <a:r>
+                <a:rPr lang="en-US" sz="1050" b="1" dirty="0" err="1">
+                  <a:solidFill>
+                    <a:schemeClr val="accent3">
+                      <a:lumMod val="75000"/>
+                    </a:schemeClr>
+                  </a:solidFill>
+                </a:rPr>
+                <a:t>CommandBox</a:t>
+              </a:r>
+              <a:endParaRPr lang="en-SG" sz="1050" b="1" dirty="0">
                 <a:solidFill>
                   <a:schemeClr val="accent3">
                     <a:lumMod val="75000"/>
                   </a:schemeClr>
                 </a:solidFill>
-              </a:rPr>
-              <a:t>CommandBox</a:t>
-            </a:r>
-            <a:endParaRPr lang="en-SG" sz="1050" b="1" dirty="0">
+              </a:endParaRPr>
+            </a:p>
+          </p:txBody>
+        </p:sp>
+        <p:sp>
+          <p:nvSpPr>
+            <p:cNvPr id="9" name="Rectangle 62"/>
+            <p:cNvSpPr/>
+            <p:nvPr/>
+          </p:nvSpPr>
+          <p:spPr>
+            <a:xfrm>
+              <a:off x="2092842" y="1770924"/>
+              <a:ext cx="1093635" cy="346760"/>
+            </a:xfrm>
+            <a:prstGeom prst="rect">
+              <a:avLst/>
+            </a:prstGeom>
+            <a:solidFill>
+              <a:srgbClr val="00B050"/>
+            </a:solidFill>
+            <a:ln w="19050">
               <a:solidFill>
-                <a:schemeClr val="accent3">
+                <a:srgbClr val="00B050"/>
+              </a:solidFill>
+            </a:ln>
+            <a:effectLst/>
+          </p:spPr>
+          <p:style>
+            <a:lnRef idx="1">
+              <a:schemeClr val="accent2"/>
+            </a:lnRef>
+            <a:fillRef idx="2">
+              <a:schemeClr val="accent2"/>
+            </a:fillRef>
+            <a:effectRef idx="1">
+              <a:schemeClr val="accent2"/>
+            </a:effectRef>
+            <a:fontRef idx="minor">
+              <a:schemeClr val="dk1"/>
+            </a:fontRef>
+          </p:style>
+          <p:txBody>
+            <a:bodyPr rtlCol="0" anchor="ctr"/>
+            <a:lstStyle/>
+            <a:p>
+              <a:pPr algn="ctr"/>
+              <a:r>
+                <a:rPr lang="en-US" sz="1050" dirty="0" err="1">
+                  <a:solidFill>
+                    <a:schemeClr val="bg1"/>
+                  </a:solidFill>
+                </a:rPr>
+                <a:t>UiManager</a:t>
+              </a:r>
+              <a:endParaRPr lang="en-SG" sz="1050" dirty="0">
+                <a:solidFill>
+                  <a:schemeClr val="bg1"/>
+                </a:solidFill>
+              </a:endParaRPr>
+            </a:p>
+          </p:txBody>
+        </p:sp>
+        <p:cxnSp>
+          <p:nvCxnSpPr>
+            <p:cNvPr id="10" name="Elbow Connector 63"/>
+            <p:cNvCxnSpPr>
+              <a:stCxn id="9" idx="2"/>
+              <a:endCxn id="2" idx="0"/>
+            </p:cNvCxnSpPr>
+            <p:nvPr/>
+          </p:nvCxnSpPr>
+          <p:spPr>
+            <a:xfrm rot="16200000" flipH="1">
+              <a:off x="2529445" y="2227899"/>
+              <a:ext cx="223536" cy="3106"/>
+            </a:xfrm>
+            <a:prstGeom prst="bentConnector3">
+              <a:avLst>
+                <a:gd name="adj1" fmla="val 50000"/>
+              </a:avLst>
+            </a:prstGeom>
+            <a:ln w="19050">
+              <a:solidFill>
+                <a:srgbClr val="00B050"/>
+              </a:solidFill>
+              <a:headEnd type="none" w="med" len="med"/>
+              <a:tailEnd type="arrow" w="med" len="med"/>
+            </a:ln>
+            <a:effectLst/>
+          </p:spPr>
+          <p:style>
+            <a:lnRef idx="1">
+              <a:schemeClr val="accent2"/>
+            </a:lnRef>
+            <a:fillRef idx="2">
+              <a:schemeClr val="accent2"/>
+            </a:fillRef>
+            <a:effectRef idx="1">
+              <a:schemeClr val="accent2"/>
+            </a:effectRef>
+            <a:fontRef idx="minor">
+              <a:schemeClr val="dk1"/>
+            </a:fontRef>
+          </p:style>
+        </p:cxnSp>
+        <p:sp>
+          <p:nvSpPr>
+            <p:cNvPr id="16" name="Isosceles Triangle 102"/>
+            <p:cNvSpPr/>
+            <p:nvPr/>
+          </p:nvSpPr>
+          <p:spPr>
+            <a:xfrm rot="10800000" flipV="1">
+              <a:off x="5394717" y="2110477"/>
+              <a:ext cx="270504" cy="175523"/>
+            </a:xfrm>
+            <a:prstGeom prst="triangle">
+              <a:avLst/>
+            </a:prstGeom>
+            <a:ln w="6350">
+              <a:solidFill>
+                <a:schemeClr val="accent3"/>
+              </a:solidFill>
+            </a:ln>
+            <a:effectLst/>
+          </p:spPr>
+          <p:style>
+            <a:lnRef idx="1">
+              <a:schemeClr val="accent3"/>
+            </a:lnRef>
+            <a:fillRef idx="2">
+              <a:schemeClr val="accent3"/>
+            </a:fillRef>
+            <a:effectRef idx="1">
+              <a:schemeClr val="accent3"/>
+            </a:effectRef>
+            <a:fontRef idx="minor">
+              <a:schemeClr val="dk1"/>
+            </a:fontRef>
+          </p:style>
+          <p:txBody>
+            <a:bodyPr rtlCol="0" anchor="ctr"/>
+            <a:lstStyle/>
+            <a:p>
+              <a:pPr algn="ctr"/>
+              <a:endParaRPr lang="en-SG" sz="1050" b="1">
+                <a:solidFill>
+                  <a:srgbClr val="92D050"/>
+                </a:solidFill>
+              </a:endParaRPr>
+            </a:p>
+          </p:txBody>
+        </p:sp>
+        <p:cxnSp>
+          <p:nvCxnSpPr>
+            <p:cNvPr id="19" name="Elbow Connector 122"/>
+            <p:cNvCxnSpPr/>
+            <p:nvPr/>
+          </p:nvCxnSpPr>
+          <p:spPr>
+            <a:xfrm flipV="1">
+              <a:off x="660160" y="3901814"/>
+              <a:ext cx="684904" cy="1"/>
+            </a:xfrm>
+            <a:prstGeom prst="bentConnector3">
+              <a:avLst>
+                <a:gd name="adj1" fmla="val 50000"/>
+              </a:avLst>
+            </a:prstGeom>
+            <a:ln w="19050">
+              <a:solidFill>
+                <a:schemeClr val="bg1">
                   <a:lumMod val="75000"/>
                 </a:schemeClr>
               </a:solidFill>
-            </a:endParaRPr>
-          </a:p>
-        </p:txBody>
-      </p:sp>
-      <p:sp>
-        <p:nvSpPr>
-          <p:cNvPr id="9" name="Rectangle 62"/>
-          <p:cNvSpPr/>
-          <p:nvPr/>
-        </p:nvSpPr>
-        <p:spPr>
-          <a:xfrm>
-            <a:off x="2092842" y="1770924"/>
-            <a:ext cx="1093635" cy="346760"/>
-          </a:xfrm>
-          <a:prstGeom prst="rect">
-            <a:avLst/>
-          </a:prstGeom>
-          <a:solidFill>
-            <a:srgbClr val="00B050"/>
-          </a:solidFill>
-          <a:ln w="19050">
+              <a:prstDash val="sysDot"/>
+              <a:headEnd type="none" w="med" len="med"/>
+              <a:tailEnd type="arrow" w="med" len="med"/>
+            </a:ln>
+            <a:effectLst/>
+          </p:spPr>
+          <p:style>
+            <a:lnRef idx="1">
+              <a:schemeClr val="accent2"/>
+            </a:lnRef>
+            <a:fillRef idx="2">
+              <a:schemeClr val="accent2"/>
+            </a:fillRef>
+            <a:effectRef idx="1">
+              <a:schemeClr val="accent2"/>
+            </a:effectRef>
+            <a:fontRef idx="minor">
+              <a:schemeClr val="dk1"/>
+            </a:fontRef>
+          </p:style>
+        </p:cxnSp>
+        <p:sp>
+          <p:nvSpPr>
+            <p:cNvPr id="22" name="Rectangle 65"/>
+            <p:cNvSpPr/>
+            <p:nvPr/>
+          </p:nvSpPr>
+          <p:spPr>
+            <a:xfrm rot="16200000">
+              <a:off x="5703829" y="2464877"/>
+              <a:ext cx="2362201" cy="328045"/>
+            </a:xfrm>
+            <a:prstGeom prst="roundRect">
+              <a:avLst/>
+            </a:prstGeom>
             <a:solidFill>
-              <a:srgbClr val="00B050"/>
+              <a:schemeClr val="accent1">
+                <a:lumMod val="20000"/>
+                <a:lumOff val="80000"/>
+              </a:schemeClr>
             </a:solidFill>
-          </a:ln>
-          <a:effectLst/>
-        </p:spPr>
-        <p:style>
-          <a:lnRef idx="1">
-            <a:schemeClr val="accent2"/>
-          </a:lnRef>
-          <a:fillRef idx="2">
-            <a:schemeClr val="accent2"/>
-          </a:fillRef>
-          <a:effectRef idx="1">
-            <a:schemeClr val="accent2"/>
-          </a:effectRef>
-          <a:fontRef idx="minor">
-            <a:schemeClr val="dk1"/>
-          </a:fontRef>
-        </p:style>
-        <p:txBody>
-          <a:bodyPr rtlCol="0" anchor="ctr"/>
-          <a:lstStyle/>
-          <a:p>
-            <a:pPr algn="ctr"/>
-            <a:r>
-              <a:rPr lang="en-US" sz="1050" dirty="0" err="1">
+            <a:ln w="19050">
+              <a:noFill/>
+            </a:ln>
+            <a:effectLst/>
+          </p:spPr>
+          <p:style>
+            <a:lnRef idx="1">
+              <a:schemeClr val="accent2"/>
+            </a:lnRef>
+            <a:fillRef idx="2">
+              <a:schemeClr val="accent2"/>
+            </a:fillRef>
+            <a:effectRef idx="1">
+              <a:schemeClr val="accent2"/>
+            </a:effectRef>
+            <a:fontRef idx="minor">
+              <a:schemeClr val="dk1"/>
+            </a:fontRef>
+          </p:style>
+          <p:txBody>
+            <a:bodyPr rtlCol="0" anchor="ctr"/>
+            <a:lstStyle/>
+            <a:p>
+              <a:pPr algn="ctr"/>
+              <a:r>
+                <a:rPr lang="en-US" sz="1100" b="1" dirty="0">
+                  <a:solidFill>
+                    <a:schemeClr val="bg1"/>
+                  </a:solidFill>
+                </a:rPr>
+                <a:t>Logic</a:t>
+              </a:r>
+              <a:endParaRPr lang="en-SG" sz="1100" b="1" dirty="0">
                 <a:solidFill>
                   <a:schemeClr val="bg1"/>
                 </a:solidFill>
-              </a:rPr>
-              <a:t>UiManager</a:t>
-            </a:r>
-            <a:endParaRPr lang="en-SG" sz="1050" dirty="0">
+              </a:endParaRPr>
+            </a:p>
+          </p:txBody>
+        </p:sp>
+        <p:sp>
+          <p:nvSpPr>
+            <p:cNvPr id="34" name="Rectangle 11"/>
+            <p:cNvSpPr/>
+            <p:nvPr/>
+          </p:nvSpPr>
+          <p:spPr>
+            <a:xfrm>
+              <a:off x="2581095" y="3397642"/>
+              <a:ext cx="1194067" cy="236841"/>
+            </a:xfrm>
+            <a:prstGeom prst="rect">
+              <a:avLst/>
+            </a:prstGeom>
+            <a:ln w="19050">
               <a:solidFill>
-                <a:schemeClr val="bg1"/>
+                <a:schemeClr val="accent3"/>
               </a:solidFill>
-            </a:endParaRPr>
-          </a:p>
-        </p:txBody>
-      </p:sp>
-      <p:cxnSp>
-        <p:nvCxnSpPr>
-          <p:cNvPr id="10" name="Elbow Connector 63"/>
-          <p:cNvCxnSpPr>
-            <a:stCxn id="9" idx="2"/>
-            <a:endCxn id="2" idx="0"/>
-          </p:cNvCxnSpPr>
-          <p:nvPr/>
-        </p:nvCxnSpPr>
-        <p:spPr>
-          <a:xfrm rot="16200000" flipH="1">
-            <a:off x="2529445" y="2227899"/>
-            <a:ext cx="223536" cy="3106"/>
-          </a:xfrm>
-          <a:prstGeom prst="bentConnector3">
-            <a:avLst>
-              <a:gd name="adj1" fmla="val 50000"/>
-            </a:avLst>
-          </a:prstGeom>
-          <a:ln w="19050">
-            <a:solidFill>
-              <a:srgbClr val="00B050"/>
-            </a:solidFill>
-            <a:headEnd type="none" w="med" len="med"/>
-            <a:tailEnd type="arrow" w="med" len="med"/>
-          </a:ln>
-          <a:effectLst/>
-        </p:spPr>
-        <p:style>
-          <a:lnRef idx="1">
-            <a:schemeClr val="accent2"/>
-          </a:lnRef>
-          <a:fillRef idx="2">
-            <a:schemeClr val="accent2"/>
-          </a:fillRef>
-          <a:effectRef idx="1">
-            <a:schemeClr val="accent2"/>
-          </a:effectRef>
-          <a:fontRef idx="minor">
-            <a:schemeClr val="dk1"/>
-          </a:fontRef>
-        </p:style>
-      </p:cxnSp>
-      <p:sp>
-        <p:nvSpPr>
-          <p:cNvPr id="16" name="Isosceles Triangle 102"/>
-          <p:cNvSpPr/>
-          <p:nvPr/>
-        </p:nvSpPr>
-        <p:spPr>
-          <a:xfrm rot="10800000" flipV="1">
-            <a:off x="5394717" y="2110477"/>
-            <a:ext cx="270504" cy="175523"/>
-          </a:xfrm>
-          <a:prstGeom prst="triangle">
-            <a:avLst/>
-          </a:prstGeom>
-          <a:ln w="6350">
-            <a:solidFill>
+            </a:ln>
+            <a:effectLst/>
+          </p:spPr>
+          <p:style>
+            <a:lnRef idx="1">
               <a:schemeClr val="accent3"/>
-            </a:solidFill>
-          </a:ln>
-          <a:effectLst/>
-        </p:spPr>
-        <p:style>
-          <a:lnRef idx="1">
-            <a:schemeClr val="accent3"/>
-          </a:lnRef>
-          <a:fillRef idx="2">
-            <a:schemeClr val="accent3"/>
-          </a:fillRef>
-          <a:effectRef idx="1">
-            <a:schemeClr val="accent3"/>
-          </a:effectRef>
-          <a:fontRef idx="minor">
-            <a:schemeClr val="dk1"/>
-          </a:fontRef>
-        </p:style>
-        <p:txBody>
-          <a:bodyPr rtlCol="0" anchor="ctr"/>
-          <a:lstStyle/>
-          <a:p>
-            <a:pPr algn="ctr"/>
-            <a:endParaRPr lang="en-SG" sz="1050" b="1">
-              <a:solidFill>
-                <a:srgbClr val="92D050"/>
-              </a:solidFill>
-            </a:endParaRPr>
-          </a:p>
-        </p:txBody>
-      </p:sp>
-      <p:cxnSp>
-        <p:nvCxnSpPr>
-          <p:cNvPr id="19" name="Elbow Connector 122"/>
-          <p:cNvCxnSpPr/>
-          <p:nvPr/>
-        </p:nvCxnSpPr>
-        <p:spPr>
-          <a:xfrm flipV="1">
-            <a:off x="644735" y="2991937"/>
-            <a:ext cx="684904" cy="1"/>
-          </a:xfrm>
-          <a:prstGeom prst="bentConnector3">
-            <a:avLst>
-              <a:gd name="adj1" fmla="val 50000"/>
-            </a:avLst>
-          </a:prstGeom>
-          <a:ln w="19050">
-            <a:solidFill>
-              <a:schemeClr val="bg1">
-                <a:lumMod val="75000"/>
-              </a:schemeClr>
-            </a:solidFill>
-            <a:prstDash val="sysDot"/>
-            <a:headEnd type="none" w="med" len="med"/>
-            <a:tailEnd type="arrow" w="med" len="med"/>
-          </a:ln>
-          <a:effectLst/>
-        </p:spPr>
-        <p:style>
-          <a:lnRef idx="1">
-            <a:schemeClr val="accent2"/>
-          </a:lnRef>
-          <a:fillRef idx="2">
-            <a:schemeClr val="accent2"/>
-          </a:fillRef>
-          <a:effectRef idx="1">
-            <a:schemeClr val="accent2"/>
-          </a:effectRef>
-          <a:fontRef idx="minor">
-            <a:schemeClr val="dk1"/>
-          </a:fontRef>
-        </p:style>
-      </p:cxnSp>
-      <p:sp>
-        <p:nvSpPr>
-          <p:cNvPr id="22" name="Rectangle 65"/>
-          <p:cNvSpPr/>
-          <p:nvPr/>
-        </p:nvSpPr>
-        <p:spPr>
-          <a:xfrm rot="16200000">
-            <a:off x="5703829" y="2464877"/>
-            <a:ext cx="2362201" cy="328045"/>
-          </a:xfrm>
-          <a:prstGeom prst="roundRect">
-            <a:avLst/>
-          </a:prstGeom>
-          <a:solidFill>
-            <a:schemeClr val="accent1">
-              <a:lumMod val="20000"/>
-              <a:lumOff val="80000"/>
-            </a:schemeClr>
-          </a:solidFill>
-          <a:ln w="19050">
-            <a:noFill/>
-          </a:ln>
-          <a:effectLst/>
-        </p:spPr>
-        <p:style>
-          <a:lnRef idx="1">
-            <a:schemeClr val="accent2"/>
-          </a:lnRef>
-          <a:fillRef idx="2">
-            <a:schemeClr val="accent2"/>
-          </a:fillRef>
-          <a:effectRef idx="1">
-            <a:schemeClr val="accent2"/>
-          </a:effectRef>
-          <a:fontRef idx="minor">
-            <a:schemeClr val="dk1"/>
-          </a:fontRef>
-        </p:style>
-        <p:txBody>
-          <a:bodyPr rtlCol="0" anchor="ctr"/>
-          <a:lstStyle/>
-          <a:p>
-            <a:pPr algn="ctr"/>
-            <a:r>
-              <a:rPr lang="en-US" sz="1100" b="1" dirty="0">
-                <a:solidFill>
-                  <a:schemeClr val="bg1"/>
-                </a:solidFill>
-              </a:rPr>
-              <a:t>Logic</a:t>
-            </a:r>
-            <a:endParaRPr lang="en-SG" sz="1100" b="1" dirty="0">
-              <a:solidFill>
-                <a:schemeClr val="bg1"/>
-              </a:solidFill>
-            </a:endParaRPr>
-          </a:p>
-        </p:txBody>
-      </p:sp>
-      <p:sp>
-        <p:nvSpPr>
-          <p:cNvPr id="34" name="Rectangle 11"/>
-          <p:cNvSpPr/>
-          <p:nvPr/>
-        </p:nvSpPr>
-        <p:spPr>
-          <a:xfrm>
-            <a:off x="2592528" y="3649359"/>
-            <a:ext cx="1093635" cy="236841"/>
-          </a:xfrm>
-          <a:prstGeom prst="rect">
-            <a:avLst/>
-          </a:prstGeom>
-          <a:ln w="19050">
-            <a:solidFill>
+            </a:lnRef>
+            <a:fillRef idx="2">
               <a:schemeClr val="accent3"/>
-            </a:solidFill>
-          </a:ln>
-          <a:effectLst/>
-        </p:spPr>
-        <p:style>
-          <a:lnRef idx="1">
-            <a:schemeClr val="accent3"/>
-          </a:lnRef>
-          <a:fillRef idx="2">
-            <a:schemeClr val="accent3"/>
-          </a:fillRef>
-          <a:effectRef idx="1">
-            <a:schemeClr val="accent3"/>
-          </a:effectRef>
-          <a:fontRef idx="minor">
-            <a:schemeClr val="dk1"/>
-          </a:fontRef>
-        </p:style>
-        <p:txBody>
-          <a:bodyPr rtlCol="0" anchor="ctr"/>
-          <a:lstStyle/>
-          <a:p>
-            <a:pPr algn="ctr"/>
-            <a:r>
-              <a:rPr lang="en-US" sz="1050" b="1" dirty="0" err="1">
+            </a:fillRef>
+            <a:effectRef idx="1">
+              <a:schemeClr val="accent3"/>
+            </a:effectRef>
+            <a:fontRef idx="minor">
+              <a:schemeClr val="dk1"/>
+            </a:fontRef>
+          </p:style>
+          <p:txBody>
+            <a:bodyPr rtlCol="0" anchor="ctr"/>
+            <a:lstStyle/>
+            <a:p>
+              <a:pPr algn="ctr"/>
+              <a:r>
+                <a:rPr lang="en-US" sz="1050" b="1" dirty="0" err="1">
+                  <a:solidFill>
+                    <a:schemeClr val="accent3">
+                      <a:lumMod val="75000"/>
+                    </a:schemeClr>
+                  </a:solidFill>
+                </a:rPr>
+                <a:t>BrowserPanel</a:t>
+              </a:r>
+              <a:endParaRPr lang="en-SG" sz="1050" b="1" dirty="0">
                 <a:solidFill>
                   <a:schemeClr val="accent3">
                     <a:lumMod val="75000"/>
                   </a:schemeClr>
                 </a:solidFill>
-              </a:rPr>
-              <a:t>BrowserPanel</a:t>
-            </a:r>
-            <a:endParaRPr lang="en-SG" sz="1050" b="1" dirty="0">
+              </a:endParaRPr>
+            </a:p>
+          </p:txBody>
+        </p:sp>
+        <p:sp>
+          <p:nvSpPr>
+            <p:cNvPr id="35" name="Rectangle 11"/>
+            <p:cNvSpPr/>
+            <p:nvPr/>
+          </p:nvSpPr>
+          <p:spPr>
+            <a:xfrm>
+              <a:off x="2592528" y="5980496"/>
+              <a:ext cx="1182633" cy="236841"/>
+            </a:xfrm>
+            <a:prstGeom prst="rect">
+              <a:avLst/>
+            </a:prstGeom>
+            <a:ln w="19050">
               <a:solidFill>
-                <a:schemeClr val="accent3">
-                  <a:lumMod val="75000"/>
-                </a:schemeClr>
+                <a:schemeClr val="accent3"/>
               </a:solidFill>
-            </a:endParaRPr>
-          </a:p>
-        </p:txBody>
-      </p:sp>
-      <p:sp>
-        <p:nvSpPr>
-          <p:cNvPr id="35" name="Rectangle 11"/>
-          <p:cNvSpPr/>
-          <p:nvPr/>
-        </p:nvSpPr>
-        <p:spPr>
-          <a:xfrm>
-            <a:off x="2592527" y="4563759"/>
-            <a:ext cx="1093635" cy="236841"/>
-          </a:xfrm>
-          <a:prstGeom prst="rect">
-            <a:avLst/>
-          </a:prstGeom>
-          <a:ln w="19050">
-            <a:solidFill>
+            </a:ln>
+            <a:effectLst/>
+          </p:spPr>
+          <p:style>
+            <a:lnRef idx="1">
               <a:schemeClr val="accent3"/>
-            </a:solidFill>
-          </a:ln>
-          <a:effectLst/>
-        </p:spPr>
-        <p:style>
-          <a:lnRef idx="1">
-            <a:schemeClr val="accent3"/>
-          </a:lnRef>
-          <a:fillRef idx="2">
-            <a:schemeClr val="accent3"/>
-          </a:fillRef>
-          <a:effectRef idx="1">
-            <a:schemeClr val="accent3"/>
-          </a:effectRef>
-          <a:fontRef idx="minor">
-            <a:schemeClr val="dk1"/>
-          </a:fontRef>
-        </p:style>
-        <p:txBody>
-          <a:bodyPr rtlCol="0" anchor="ctr"/>
-          <a:lstStyle/>
-          <a:p>
-            <a:pPr algn="ctr"/>
-            <a:r>
-              <a:rPr lang="en-US" sz="1050" b="1" dirty="0" err="1">
+            </a:lnRef>
+            <a:fillRef idx="2">
+              <a:schemeClr val="accent3"/>
+            </a:fillRef>
+            <a:effectRef idx="1">
+              <a:schemeClr val="accent3"/>
+            </a:effectRef>
+            <a:fontRef idx="minor">
+              <a:schemeClr val="dk1"/>
+            </a:fontRef>
+          </p:style>
+          <p:txBody>
+            <a:bodyPr rtlCol="0" anchor="ctr"/>
+            <a:lstStyle/>
+            <a:p>
+              <a:pPr algn="ctr"/>
+              <a:r>
+                <a:rPr lang="en-US" sz="1050" b="1" dirty="0" err="1">
+                  <a:solidFill>
+                    <a:schemeClr val="accent3">
+                      <a:lumMod val="75000"/>
+                    </a:schemeClr>
+                  </a:solidFill>
+                </a:rPr>
+                <a:t>StatusBarFooter</a:t>
+              </a:r>
+              <a:endParaRPr lang="en-SG" sz="1050" b="1" dirty="0">
                 <a:solidFill>
                   <a:schemeClr val="accent3">
                     <a:lumMod val="75000"/>
                   </a:schemeClr>
                 </a:solidFill>
-              </a:rPr>
-              <a:t>StatusBarFooter</a:t>
-            </a:r>
-            <a:endParaRPr lang="en-SG" sz="1050" b="1" dirty="0">
+              </a:endParaRPr>
+            </a:p>
+          </p:txBody>
+        </p:sp>
+        <p:sp>
+          <p:nvSpPr>
+            <p:cNvPr id="36" name="Rectangle 11"/>
+            <p:cNvSpPr/>
+            <p:nvPr/>
+          </p:nvSpPr>
+          <p:spPr>
+            <a:xfrm>
+              <a:off x="2585948" y="5328337"/>
+              <a:ext cx="1189213" cy="236841"/>
+            </a:xfrm>
+            <a:prstGeom prst="rect">
+              <a:avLst/>
+            </a:prstGeom>
+            <a:ln w="19050">
               <a:solidFill>
-                <a:schemeClr val="accent3">
-                  <a:lumMod val="75000"/>
-                </a:schemeClr>
+                <a:schemeClr val="accent3"/>
               </a:solidFill>
-            </a:endParaRPr>
-          </a:p>
-        </p:txBody>
-      </p:sp>
-      <p:sp>
-        <p:nvSpPr>
-          <p:cNvPr id="36" name="Rectangle 11"/>
-          <p:cNvSpPr/>
-          <p:nvPr/>
-        </p:nvSpPr>
-        <p:spPr>
-          <a:xfrm>
-            <a:off x="2592526" y="3991960"/>
-            <a:ext cx="1093635" cy="236841"/>
-          </a:xfrm>
-          <a:prstGeom prst="rect">
-            <a:avLst/>
-          </a:prstGeom>
-          <a:ln w="19050">
-            <a:solidFill>
+            </a:ln>
+            <a:effectLst/>
+          </p:spPr>
+          <p:style>
+            <a:lnRef idx="1">
               <a:schemeClr val="accent3"/>
-            </a:solidFill>
-          </a:ln>
-          <a:effectLst/>
-        </p:spPr>
-        <p:style>
-          <a:lnRef idx="1">
-            <a:schemeClr val="accent3"/>
-          </a:lnRef>
-          <a:fillRef idx="2">
-            <a:schemeClr val="accent3"/>
-          </a:fillRef>
-          <a:effectRef idx="1">
-            <a:schemeClr val="accent3"/>
-          </a:effectRef>
-          <a:fontRef idx="minor">
-            <a:schemeClr val="dk1"/>
-          </a:fontRef>
-        </p:style>
-        <p:txBody>
-          <a:bodyPr rtlCol="0" anchor="ctr"/>
-          <a:lstStyle/>
-          <a:p>
-            <a:pPr algn="ctr"/>
-            <a:r>
-              <a:rPr lang="en-US" sz="1050" b="1" dirty="0" err="1">
+            </a:lnRef>
+            <a:fillRef idx="2">
+              <a:schemeClr val="accent3"/>
+            </a:fillRef>
+            <a:effectRef idx="1">
+              <a:schemeClr val="accent3"/>
+            </a:effectRef>
+            <a:fontRef idx="minor">
+              <a:schemeClr val="dk1"/>
+            </a:fontRef>
+          </p:style>
+          <p:txBody>
+            <a:bodyPr rtlCol="0" anchor="ctr"/>
+            <a:lstStyle/>
+            <a:p>
+              <a:pPr algn="ctr"/>
+              <a:r>
+                <a:rPr lang="en-US" sz="1050" b="1" dirty="0" err="1">
+                  <a:solidFill>
+                    <a:schemeClr val="accent3">
+                      <a:lumMod val="75000"/>
+                    </a:schemeClr>
+                  </a:solidFill>
+                </a:rPr>
+                <a:t>PersonListPanel</a:t>
+              </a:r>
+              <a:endParaRPr lang="en-SG" sz="1050" b="1" dirty="0">
                 <a:solidFill>
                   <a:schemeClr val="accent3">
                     <a:lumMod val="75000"/>
                   </a:schemeClr>
                 </a:solidFill>
-              </a:rPr>
-              <a:t>PersonListPanel</a:t>
-            </a:r>
-            <a:endParaRPr lang="en-SG" sz="1050" b="1" dirty="0">
+              </a:endParaRPr>
+            </a:p>
+          </p:txBody>
+        </p:sp>
+        <p:sp>
+          <p:nvSpPr>
+            <p:cNvPr id="37" name="Rectangle 11"/>
+            <p:cNvSpPr/>
+            <p:nvPr/>
+          </p:nvSpPr>
+          <p:spPr>
+            <a:xfrm>
+              <a:off x="3962400" y="5529880"/>
+              <a:ext cx="1040906" cy="236841"/>
+            </a:xfrm>
+            <a:prstGeom prst="rect">
+              <a:avLst/>
+            </a:prstGeom>
+            <a:ln w="19050">
               <a:solidFill>
-                <a:schemeClr val="accent3">
-                  <a:lumMod val="75000"/>
-                </a:schemeClr>
+                <a:schemeClr val="accent3"/>
               </a:solidFill>
-            </a:endParaRPr>
-          </a:p>
-        </p:txBody>
-      </p:sp>
-      <p:sp>
-        <p:nvSpPr>
-          <p:cNvPr id="37" name="Rectangle 11"/>
-          <p:cNvSpPr/>
-          <p:nvPr/>
-        </p:nvSpPr>
-        <p:spPr>
-          <a:xfrm>
-            <a:off x="3839323" y="4228801"/>
-            <a:ext cx="1040906" cy="236841"/>
-          </a:xfrm>
-          <a:prstGeom prst="rect">
-            <a:avLst/>
-          </a:prstGeom>
-          <a:ln w="19050">
-            <a:solidFill>
+            </a:ln>
+            <a:effectLst/>
+          </p:spPr>
+          <p:style>
+            <a:lnRef idx="1">
               <a:schemeClr val="accent3"/>
-            </a:solidFill>
-          </a:ln>
-          <a:effectLst/>
-        </p:spPr>
-        <p:style>
-          <a:lnRef idx="1">
-            <a:schemeClr val="accent3"/>
-          </a:lnRef>
-          <a:fillRef idx="2">
-            <a:schemeClr val="accent3"/>
-          </a:fillRef>
-          <a:effectRef idx="1">
-            <a:schemeClr val="accent3"/>
-          </a:effectRef>
-          <a:fontRef idx="minor">
-            <a:schemeClr val="dk1"/>
-          </a:fontRef>
-        </p:style>
-        <p:txBody>
-          <a:bodyPr rtlCol="0" anchor="ctr"/>
-          <a:lstStyle/>
-          <a:p>
-            <a:pPr algn="ctr"/>
-            <a:r>
-              <a:rPr lang="en-US" sz="1050" b="1" dirty="0" err="1">
+            </a:lnRef>
+            <a:fillRef idx="2">
+              <a:schemeClr val="accent3"/>
+            </a:fillRef>
+            <a:effectRef idx="1">
+              <a:schemeClr val="accent3"/>
+            </a:effectRef>
+            <a:fontRef idx="minor">
+              <a:schemeClr val="dk1"/>
+            </a:fontRef>
+          </p:style>
+          <p:txBody>
+            <a:bodyPr rtlCol="0" anchor="ctr"/>
+            <a:lstStyle/>
+            <a:p>
+              <a:pPr algn="ctr"/>
+              <a:r>
+                <a:rPr lang="en-US" sz="1050" b="1" dirty="0" err="1">
+                  <a:solidFill>
+                    <a:schemeClr val="accent3">
+                      <a:lumMod val="75000"/>
+                    </a:schemeClr>
+                  </a:solidFill>
+                </a:rPr>
+                <a:t>PersonCard</a:t>
+              </a:r>
+              <a:endParaRPr lang="en-SG" sz="1050" b="1" dirty="0">
                 <a:solidFill>
                   <a:schemeClr val="accent3">
                     <a:lumMod val="75000"/>
                   </a:schemeClr>
                 </a:solidFill>
-              </a:rPr>
-              <a:t>PersonCard</a:t>
-            </a:r>
-            <a:endParaRPr lang="en-SG" sz="1050" b="1" dirty="0">
+              </a:endParaRPr>
+            </a:p>
+          </p:txBody>
+        </p:sp>
+        <p:sp>
+          <p:nvSpPr>
+            <p:cNvPr id="38" name="Rectangle 11"/>
+            <p:cNvSpPr/>
+            <p:nvPr/>
+          </p:nvSpPr>
+          <p:spPr>
+            <a:xfrm>
+              <a:off x="2581095" y="6309450"/>
+              <a:ext cx="1194066" cy="236841"/>
+            </a:xfrm>
+            <a:prstGeom prst="rect">
+              <a:avLst/>
+            </a:prstGeom>
+            <a:ln w="19050">
               <a:solidFill>
-                <a:schemeClr val="accent3">
-                  <a:lumMod val="75000"/>
-                </a:schemeClr>
+                <a:schemeClr val="accent3"/>
               </a:solidFill>
-            </a:endParaRPr>
-          </a:p>
-        </p:txBody>
-      </p:sp>
-      <p:sp>
-        <p:nvSpPr>
-          <p:cNvPr id="38" name="Rectangle 11"/>
-          <p:cNvSpPr/>
-          <p:nvPr/>
-        </p:nvSpPr>
-        <p:spPr>
-          <a:xfrm>
-            <a:off x="2592528" y="4966000"/>
-            <a:ext cx="1093635" cy="236841"/>
-          </a:xfrm>
-          <a:prstGeom prst="rect">
-            <a:avLst/>
-          </a:prstGeom>
-          <a:ln w="19050">
-            <a:solidFill>
+            </a:ln>
+            <a:effectLst/>
+          </p:spPr>
+          <p:style>
+            <a:lnRef idx="1">
               <a:schemeClr val="accent3"/>
-            </a:solidFill>
-          </a:ln>
-          <a:effectLst/>
-        </p:spPr>
-        <p:style>
-          <a:lnRef idx="1">
-            <a:schemeClr val="accent3"/>
-          </a:lnRef>
-          <a:fillRef idx="2">
-            <a:schemeClr val="accent3"/>
-          </a:fillRef>
-          <a:effectRef idx="1">
-            <a:schemeClr val="accent3"/>
-          </a:effectRef>
-          <a:fontRef idx="minor">
-            <a:schemeClr val="dk1"/>
-          </a:fontRef>
-        </p:style>
-        <p:txBody>
-          <a:bodyPr rtlCol="0" anchor="ctr"/>
-          <a:lstStyle/>
-          <a:p>
-            <a:pPr algn="ctr"/>
-            <a:r>
-              <a:rPr lang="en-US" sz="1050" b="1" dirty="0" err="1">
+            </a:lnRef>
+            <a:fillRef idx="2">
+              <a:schemeClr val="accent3"/>
+            </a:fillRef>
+            <a:effectRef idx="1">
+              <a:schemeClr val="accent3"/>
+            </a:effectRef>
+            <a:fontRef idx="minor">
+              <a:schemeClr val="dk1"/>
+            </a:fontRef>
+          </p:style>
+          <p:txBody>
+            <a:bodyPr rtlCol="0" anchor="ctr"/>
+            <a:lstStyle/>
+            <a:p>
+              <a:pPr algn="ctr"/>
+              <a:r>
+                <a:rPr lang="en-US" sz="1050" b="1" dirty="0" err="1">
+                  <a:solidFill>
+                    <a:schemeClr val="accent3">
+                      <a:lumMod val="75000"/>
+                    </a:schemeClr>
+                  </a:solidFill>
+                </a:rPr>
+                <a:t>HelpWindow</a:t>
+              </a:r>
+              <a:endParaRPr lang="en-SG" sz="1050" b="1" dirty="0">
                 <a:solidFill>
                   <a:schemeClr val="accent3">
                     <a:lumMod val="75000"/>
                   </a:schemeClr>
                 </a:solidFill>
-              </a:rPr>
-              <a:t>HelpWindow</a:t>
-            </a:r>
-            <a:endParaRPr lang="en-SG" sz="1050" b="1" dirty="0">
-              <a:solidFill>
-                <a:schemeClr val="accent3">
-                  <a:lumMod val="75000"/>
-                </a:schemeClr>
-              </a:solidFill>
-            </a:endParaRPr>
-          </a:p>
-        </p:txBody>
-      </p:sp>
-      <p:sp>
-        <p:nvSpPr>
-          <p:cNvPr id="39" name="Flowchart: Decision 38"/>
-          <p:cNvSpPr/>
-          <p:nvPr/>
-        </p:nvSpPr>
-        <p:spPr>
-          <a:xfrm>
-            <a:off x="2324548" y="2706452"/>
-            <a:ext cx="183156" cy="161573"/>
-          </a:xfrm>
-          <a:prstGeom prst="flowChartDecision">
-            <a:avLst/>
-          </a:prstGeom>
-          <a:solidFill>
-            <a:schemeClr val="accent3"/>
-          </a:solidFill>
-          <a:ln>
+              </a:endParaRPr>
+            </a:p>
+          </p:txBody>
+        </p:sp>
+        <p:sp>
+          <p:nvSpPr>
+            <p:cNvPr id="39" name="Flowchart: Decision 38"/>
+            <p:cNvSpPr/>
+            <p:nvPr/>
+          </p:nvSpPr>
+          <p:spPr>
+            <a:xfrm>
+              <a:off x="2324548" y="2706452"/>
+              <a:ext cx="183156" cy="161573"/>
+            </a:xfrm>
+            <a:prstGeom prst="flowChartDecision">
+              <a:avLst/>
+            </a:prstGeom>
             <a:solidFill>
               <a:schemeClr val="accent3"/>
             </a:solidFill>
-          </a:ln>
-        </p:spPr>
-        <p:style>
-          <a:lnRef idx="2">
-            <a:schemeClr val="accent1">
-              <a:shade val="50000"/>
-            </a:schemeClr>
-          </a:lnRef>
-          <a:fillRef idx="1">
-            <a:schemeClr val="accent1"/>
-          </a:fillRef>
-          <a:effectRef idx="0">
-            <a:schemeClr val="accent1"/>
-          </a:effectRef>
-          <a:fontRef idx="minor">
-            <a:schemeClr val="lt1"/>
-          </a:fontRef>
-        </p:style>
-        <p:txBody>
-          <a:bodyPr rtlCol="0" anchor="ctr"/>
-          <a:lstStyle/>
-          <a:p>
-            <a:pPr algn="ctr"/>
-            <a:endParaRPr lang="en-SG"/>
-          </a:p>
-        </p:txBody>
-      </p:sp>
-      <p:cxnSp>
-        <p:nvCxnSpPr>
-          <p:cNvPr id="40" name="Elbow Connector 63"/>
-          <p:cNvCxnSpPr>
-            <a:stCxn id="39" idx="2"/>
-            <a:endCxn id="3" idx="1"/>
-          </p:cNvCxnSpPr>
-          <p:nvPr/>
-        </p:nvCxnSpPr>
-        <p:spPr>
-          <a:xfrm rot="16200000" flipH="1">
-            <a:off x="2393229" y="2890922"/>
-            <a:ext cx="222196" cy="176402"/>
-          </a:xfrm>
-          <a:prstGeom prst="bentConnector2">
-            <a:avLst/>
-          </a:prstGeom>
-          <a:ln w="19050">
-            <a:solidFill>
+            <a:ln>
+              <a:solidFill>
+                <a:schemeClr val="accent3"/>
+              </a:solidFill>
+            </a:ln>
+          </p:spPr>
+          <p:style>
+            <a:lnRef idx="2">
+              <a:schemeClr val="accent1">
+                <a:shade val="50000"/>
+              </a:schemeClr>
+            </a:lnRef>
+            <a:fillRef idx="1">
+              <a:schemeClr val="accent1"/>
+            </a:fillRef>
+            <a:effectRef idx="0">
+              <a:schemeClr val="accent1"/>
+            </a:effectRef>
+            <a:fontRef idx="minor">
+              <a:schemeClr val="lt1"/>
+            </a:fontRef>
+          </p:style>
+          <p:txBody>
+            <a:bodyPr rtlCol="0" anchor="ctr"/>
+            <a:lstStyle/>
+            <a:p>
+              <a:pPr algn="ctr"/>
+              <a:endParaRPr lang="en-SG"/>
+            </a:p>
+          </p:txBody>
+        </p:sp>
+        <p:cxnSp>
+          <p:nvCxnSpPr>
+            <p:cNvPr id="40" name="Elbow Connector 63"/>
+            <p:cNvCxnSpPr>
+              <a:cxnSpLocks/>
+              <a:stCxn id="39" idx="2"/>
+              <a:endCxn id="3" idx="1"/>
+            </p:cNvCxnSpPr>
+            <p:nvPr/>
+          </p:nvCxnSpPr>
+          <p:spPr>
+            <a:xfrm rot="16200000" flipH="1">
+              <a:off x="2470705" y="2813446"/>
+              <a:ext cx="53042" cy="162200"/>
+            </a:xfrm>
+            <a:prstGeom prst="bentConnector2">
+              <a:avLst/>
+            </a:prstGeom>
+            <a:ln w="19050">
+              <a:solidFill>
+                <a:schemeClr val="accent3"/>
+              </a:solidFill>
+              <a:headEnd type="none" w="med" len="med"/>
+              <a:tailEnd type="arrow" w="med" len="med"/>
+            </a:ln>
+            <a:effectLst/>
+          </p:spPr>
+          <p:style>
+            <a:lnRef idx="1">
+              <a:schemeClr val="accent2"/>
+            </a:lnRef>
+            <a:fillRef idx="2">
+              <a:schemeClr val="accent2"/>
+            </a:fillRef>
+            <a:effectRef idx="1">
+              <a:schemeClr val="accent2"/>
+            </a:effectRef>
+            <a:fontRef idx="minor">
+              <a:schemeClr val="dk1"/>
+            </a:fontRef>
+          </p:style>
+        </p:cxnSp>
+        <p:sp>
+          <p:nvSpPr>
+            <p:cNvPr id="43" name="Rectangle 11"/>
+            <p:cNvSpPr/>
+            <p:nvPr/>
+          </p:nvSpPr>
+          <p:spPr>
+            <a:xfrm>
+              <a:off x="2584221" y="3105122"/>
+              <a:ext cx="1190940" cy="236841"/>
+            </a:xfrm>
+            <a:prstGeom prst="rect">
+              <a:avLst/>
+            </a:prstGeom>
+            <a:ln w="19050">
+              <a:solidFill>
+                <a:schemeClr val="accent3"/>
+              </a:solidFill>
+            </a:ln>
+            <a:effectLst/>
+          </p:spPr>
+          <p:style>
+            <a:lnRef idx="1">
               <a:schemeClr val="accent3"/>
-            </a:solidFill>
-            <a:headEnd type="none" w="med" len="med"/>
-            <a:tailEnd type="arrow" w="med" len="med"/>
-          </a:ln>
-          <a:effectLst/>
-        </p:spPr>
-        <p:style>
-          <a:lnRef idx="1">
-            <a:schemeClr val="accent2"/>
-          </a:lnRef>
-          <a:fillRef idx="2">
-            <a:schemeClr val="accent2"/>
-          </a:fillRef>
-          <a:effectRef idx="1">
-            <a:schemeClr val="accent2"/>
-          </a:effectRef>
-          <a:fontRef idx="minor">
-            <a:schemeClr val="dk1"/>
-          </a:fontRef>
-        </p:style>
-      </p:cxnSp>
-      <p:sp>
-        <p:nvSpPr>
-          <p:cNvPr id="43" name="Rectangle 11"/>
-          <p:cNvSpPr/>
-          <p:nvPr/>
-        </p:nvSpPr>
-        <p:spPr>
-          <a:xfrm>
-            <a:off x="2590799" y="3304308"/>
-            <a:ext cx="1095361" cy="236841"/>
-          </a:xfrm>
-          <a:prstGeom prst="rect">
-            <a:avLst/>
-          </a:prstGeom>
-          <a:ln w="19050">
-            <a:solidFill>
+            </a:lnRef>
+            <a:fillRef idx="2">
               <a:schemeClr val="accent3"/>
-            </a:solidFill>
-          </a:ln>
-          <a:effectLst/>
-        </p:spPr>
-        <p:style>
-          <a:lnRef idx="1">
-            <a:schemeClr val="accent3"/>
-          </a:lnRef>
-          <a:fillRef idx="2">
-            <a:schemeClr val="accent3"/>
-          </a:fillRef>
-          <a:effectRef idx="1">
-            <a:schemeClr val="accent3"/>
-          </a:effectRef>
-          <a:fontRef idx="minor">
-            <a:schemeClr val="dk1"/>
-          </a:fontRef>
-        </p:style>
-        <p:txBody>
-          <a:bodyPr rtlCol="0" anchor="ctr"/>
-          <a:lstStyle/>
-          <a:p>
-            <a:pPr algn="ctr"/>
-            <a:r>
-              <a:rPr lang="en-US" sz="1050" b="1" dirty="0" err="1">
+            </a:fillRef>
+            <a:effectRef idx="1">
+              <a:schemeClr val="accent3"/>
+            </a:effectRef>
+            <a:fontRef idx="minor">
+              <a:schemeClr val="dk1"/>
+            </a:fontRef>
+          </p:style>
+          <p:txBody>
+            <a:bodyPr rtlCol="0" anchor="ctr"/>
+            <a:lstStyle/>
+            <a:p>
+              <a:pPr algn="ctr"/>
+              <a:r>
+                <a:rPr lang="en-US" sz="1050" b="1" dirty="0" err="1">
+                  <a:solidFill>
+                    <a:schemeClr val="accent3">
+                      <a:lumMod val="75000"/>
+                    </a:schemeClr>
+                  </a:solidFill>
+                </a:rPr>
+                <a:t>ResultDisplay</a:t>
+              </a:r>
+              <a:endParaRPr lang="en-SG" sz="1050" b="1" dirty="0">
                 <a:solidFill>
                   <a:schemeClr val="accent3">
                     <a:lumMod val="75000"/>
                   </a:schemeClr>
                 </a:solidFill>
-              </a:rPr>
-              <a:t>ResultDisplay</a:t>
-            </a:r>
-            <a:endParaRPr lang="en-SG" sz="1050" b="1" dirty="0">
+              </a:endParaRPr>
+            </a:p>
+          </p:txBody>
+        </p:sp>
+        <p:cxnSp>
+          <p:nvCxnSpPr>
+            <p:cNvPr id="44" name="Elbow Connector 63"/>
+            <p:cNvCxnSpPr>
+              <a:cxnSpLocks/>
+            </p:cNvCxnSpPr>
+            <p:nvPr/>
+          </p:nvCxnSpPr>
+          <p:spPr>
+            <a:xfrm rot="16200000" flipH="1">
+              <a:off x="2174593" y="3109561"/>
+              <a:ext cx="648038" cy="164969"/>
+            </a:xfrm>
+            <a:prstGeom prst="bentConnector2">
+              <a:avLst/>
+            </a:prstGeom>
+            <a:ln w="19050">
               <a:solidFill>
-                <a:schemeClr val="accent3">
-                  <a:lumMod val="75000"/>
-                </a:schemeClr>
+                <a:schemeClr val="accent3"/>
               </a:solidFill>
-            </a:endParaRPr>
-          </a:p>
-        </p:txBody>
-      </p:sp>
-      <p:cxnSp>
-        <p:nvCxnSpPr>
-          <p:cNvPr id="44" name="Elbow Connector 63"/>
-          <p:cNvCxnSpPr>
-            <a:stCxn id="39" idx="2"/>
-            <a:endCxn id="34" idx="1"/>
-          </p:cNvCxnSpPr>
-          <p:nvPr/>
-        </p:nvCxnSpPr>
-        <p:spPr>
-          <a:xfrm rot="16200000" flipH="1">
-            <a:off x="2054450" y="3229701"/>
-            <a:ext cx="899755" cy="176402"/>
-          </a:xfrm>
-          <a:prstGeom prst="bentConnector2">
-            <a:avLst/>
-          </a:prstGeom>
-          <a:ln w="19050">
-            <a:solidFill>
+              <a:headEnd type="none" w="med" len="med"/>
+              <a:tailEnd type="arrow" w="med" len="med"/>
+            </a:ln>
+            <a:effectLst/>
+          </p:spPr>
+          <p:style>
+            <a:lnRef idx="1">
+              <a:schemeClr val="accent2"/>
+            </a:lnRef>
+            <a:fillRef idx="2">
+              <a:schemeClr val="accent2"/>
+            </a:fillRef>
+            <a:effectRef idx="1">
+              <a:schemeClr val="accent2"/>
+            </a:effectRef>
+            <a:fontRef idx="minor">
+              <a:schemeClr val="dk1"/>
+            </a:fontRef>
+          </p:style>
+        </p:cxnSp>
+        <p:cxnSp>
+          <p:nvCxnSpPr>
+            <p:cNvPr id="47" name="Elbow Connector 63"/>
+            <p:cNvCxnSpPr>
+              <a:cxnSpLocks/>
+              <a:stCxn id="39" idx="2"/>
+              <a:endCxn id="36" idx="1"/>
+            </p:cNvCxnSpPr>
+            <p:nvPr/>
+          </p:nvCxnSpPr>
+          <p:spPr>
+            <a:xfrm rot="16200000" flipH="1">
+              <a:off x="1211671" y="4072480"/>
+              <a:ext cx="2578733" cy="169822"/>
+            </a:xfrm>
+            <a:prstGeom prst="bentConnector2">
+              <a:avLst/>
+            </a:prstGeom>
+            <a:ln w="19050">
+              <a:solidFill>
+                <a:schemeClr val="accent3"/>
+              </a:solidFill>
+              <a:headEnd type="none" w="med" len="med"/>
+              <a:tailEnd type="arrow" w="med" len="med"/>
+            </a:ln>
+            <a:effectLst/>
+          </p:spPr>
+          <p:style>
+            <a:lnRef idx="1">
+              <a:schemeClr val="accent2"/>
+            </a:lnRef>
+            <a:fillRef idx="2">
+              <a:schemeClr val="accent2"/>
+            </a:fillRef>
+            <a:effectRef idx="1">
+              <a:schemeClr val="accent2"/>
+            </a:effectRef>
+            <a:fontRef idx="minor">
+              <a:schemeClr val="dk1"/>
+            </a:fontRef>
+          </p:style>
+        </p:cxnSp>
+        <p:cxnSp>
+          <p:nvCxnSpPr>
+            <p:cNvPr id="50" name="Elbow Connector 63"/>
+            <p:cNvCxnSpPr>
+              <a:cxnSpLocks/>
+              <a:stCxn id="39" idx="2"/>
+              <a:endCxn id="35" idx="1"/>
+            </p:cNvCxnSpPr>
+            <p:nvPr/>
+          </p:nvCxnSpPr>
+          <p:spPr>
+            <a:xfrm rot="16200000" flipH="1">
+              <a:off x="888881" y="4395270"/>
+              <a:ext cx="3230892" cy="176402"/>
+            </a:xfrm>
+            <a:prstGeom prst="bentConnector2">
+              <a:avLst/>
+            </a:prstGeom>
+            <a:ln w="19050">
+              <a:solidFill>
+                <a:schemeClr val="accent3"/>
+              </a:solidFill>
+              <a:headEnd type="none" w="med" len="med"/>
+              <a:tailEnd type="arrow" w="med" len="med"/>
+            </a:ln>
+            <a:effectLst/>
+          </p:spPr>
+          <p:style>
+            <a:lnRef idx="1">
+              <a:schemeClr val="accent2"/>
+            </a:lnRef>
+            <a:fillRef idx="2">
+              <a:schemeClr val="accent2"/>
+            </a:fillRef>
+            <a:effectRef idx="1">
+              <a:schemeClr val="accent2"/>
+            </a:effectRef>
+            <a:fontRef idx="minor">
+              <a:schemeClr val="dk1"/>
+            </a:fontRef>
+          </p:style>
+        </p:cxnSp>
+        <p:cxnSp>
+          <p:nvCxnSpPr>
+            <p:cNvPr id="53" name="Elbow Connector 63"/>
+            <p:cNvCxnSpPr>
+              <a:cxnSpLocks/>
+              <a:endCxn id="38" idx="1"/>
+            </p:cNvCxnSpPr>
+            <p:nvPr/>
+          </p:nvCxnSpPr>
+          <p:spPr>
+            <a:xfrm rot="16200000" flipH="1">
+              <a:off x="501446" y="4348222"/>
+              <a:ext cx="3746222" cy="413076"/>
+            </a:xfrm>
+            <a:prstGeom prst="bentConnector2">
+              <a:avLst/>
+            </a:prstGeom>
+            <a:ln w="19050">
+              <a:solidFill>
+                <a:schemeClr val="accent3"/>
+              </a:solidFill>
+              <a:headEnd type="none" w="med" len="med"/>
+              <a:tailEnd type="arrow" w="med" len="med"/>
+            </a:ln>
+            <a:effectLst/>
+          </p:spPr>
+          <p:style>
+            <a:lnRef idx="1">
+              <a:schemeClr val="accent2"/>
+            </a:lnRef>
+            <a:fillRef idx="2">
+              <a:schemeClr val="accent2"/>
+            </a:fillRef>
+            <a:effectRef idx="1">
+              <a:schemeClr val="accent2"/>
+            </a:effectRef>
+            <a:fontRef idx="minor">
+              <a:schemeClr val="dk1"/>
+            </a:fontRef>
+          </p:style>
+        </p:cxnSp>
+        <p:sp>
+          <p:nvSpPr>
+            <p:cNvPr id="73" name="Rectangle 62"/>
+            <p:cNvSpPr/>
+            <p:nvPr/>
+          </p:nvSpPr>
+          <p:spPr>
+            <a:xfrm>
+              <a:off x="5143948" y="1770924"/>
+              <a:ext cx="772043" cy="346760"/>
+            </a:xfrm>
+            <a:prstGeom prst="rect">
+              <a:avLst/>
+            </a:prstGeom>
+            <a:ln w="6350">
+              <a:solidFill>
+                <a:schemeClr val="accent3"/>
+              </a:solidFill>
+            </a:ln>
+            <a:effectLst/>
+          </p:spPr>
+          <p:style>
+            <a:lnRef idx="1">
               <a:schemeClr val="accent3"/>
-            </a:solidFill>
-            <a:headEnd type="none" w="med" len="med"/>
-            <a:tailEnd type="arrow" w="med" len="med"/>
-          </a:ln>
-          <a:effectLst/>
-        </p:spPr>
-        <p:style>
-          <a:lnRef idx="1">
-            <a:schemeClr val="accent2"/>
-          </a:lnRef>
-          <a:fillRef idx="2">
-            <a:schemeClr val="accent2"/>
-          </a:fillRef>
-          <a:effectRef idx="1">
-            <a:schemeClr val="accent2"/>
-          </a:effectRef>
-          <a:fontRef idx="minor">
-            <a:schemeClr val="dk1"/>
-          </a:fontRef>
-        </p:style>
-      </p:cxnSp>
-      <p:cxnSp>
-        <p:nvCxnSpPr>
-          <p:cNvPr id="47" name="Elbow Connector 63"/>
-          <p:cNvCxnSpPr>
-            <a:stCxn id="39" idx="2"/>
-            <a:endCxn id="36" idx="1"/>
-          </p:cNvCxnSpPr>
-          <p:nvPr/>
-        </p:nvCxnSpPr>
-        <p:spPr>
-          <a:xfrm rot="16200000" flipH="1">
-            <a:off x="1883148" y="3401003"/>
-            <a:ext cx="1242356" cy="176400"/>
-          </a:xfrm>
-          <a:prstGeom prst="bentConnector2">
-            <a:avLst/>
-          </a:prstGeom>
-          <a:ln w="19050">
-            <a:solidFill>
+            </a:lnRef>
+            <a:fillRef idx="2">
               <a:schemeClr val="accent3"/>
-            </a:solidFill>
-            <a:headEnd type="none" w="med" len="med"/>
-            <a:tailEnd type="arrow" w="med" len="med"/>
-          </a:ln>
-          <a:effectLst/>
-        </p:spPr>
-        <p:style>
-          <a:lnRef idx="1">
-            <a:schemeClr val="accent2"/>
-          </a:lnRef>
-          <a:fillRef idx="2">
-            <a:schemeClr val="accent2"/>
-          </a:fillRef>
-          <a:effectRef idx="1">
-            <a:schemeClr val="accent2"/>
-          </a:effectRef>
-          <a:fontRef idx="minor">
-            <a:schemeClr val="dk1"/>
-          </a:fontRef>
-        </p:style>
-      </p:cxnSp>
-      <p:cxnSp>
-        <p:nvCxnSpPr>
-          <p:cNvPr id="50" name="Elbow Connector 63"/>
-          <p:cNvCxnSpPr>
-            <a:stCxn id="39" idx="2"/>
-            <a:endCxn id="35" idx="1"/>
-          </p:cNvCxnSpPr>
-          <p:nvPr/>
-        </p:nvCxnSpPr>
-        <p:spPr>
-          <a:xfrm rot="16200000" flipH="1">
-            <a:off x="1597249" y="3686901"/>
-            <a:ext cx="1814155" cy="176401"/>
-          </a:xfrm>
-          <a:prstGeom prst="bentConnector2">
-            <a:avLst/>
-          </a:prstGeom>
-          <a:ln w="19050">
-            <a:solidFill>
+            </a:fillRef>
+            <a:effectRef idx="1">
               <a:schemeClr val="accent3"/>
-            </a:solidFill>
-            <a:headEnd type="none" w="med" len="med"/>
-            <a:tailEnd type="arrow" w="med" len="med"/>
-          </a:ln>
-          <a:effectLst/>
-        </p:spPr>
-        <p:style>
-          <a:lnRef idx="1">
-            <a:schemeClr val="accent2"/>
-          </a:lnRef>
-          <a:fillRef idx="2">
-            <a:schemeClr val="accent2"/>
-          </a:fillRef>
-          <a:effectRef idx="1">
-            <a:schemeClr val="accent2"/>
-          </a:effectRef>
-          <a:fontRef idx="minor">
-            <a:schemeClr val="dk1"/>
-          </a:fontRef>
-        </p:style>
-      </p:cxnSp>
-      <p:cxnSp>
-        <p:nvCxnSpPr>
-          <p:cNvPr id="53" name="Elbow Connector 63"/>
-          <p:cNvCxnSpPr>
-            <a:endCxn id="38" idx="1"/>
-          </p:cNvCxnSpPr>
-          <p:nvPr/>
-        </p:nvCxnSpPr>
-        <p:spPr>
-          <a:xfrm rot="16200000" flipH="1">
-            <a:off x="1184119" y="3676012"/>
-            <a:ext cx="2396440" cy="420377"/>
-          </a:xfrm>
-          <a:prstGeom prst="bentConnector2">
-            <a:avLst/>
-          </a:prstGeom>
-          <a:ln w="19050">
-            <a:solidFill>
-              <a:schemeClr val="accent3"/>
-            </a:solidFill>
-            <a:headEnd type="none" w="med" len="med"/>
-            <a:tailEnd type="arrow" w="med" len="med"/>
-          </a:ln>
-          <a:effectLst/>
-        </p:spPr>
-        <p:style>
-          <a:lnRef idx="1">
-            <a:schemeClr val="accent2"/>
-          </a:lnRef>
-          <a:fillRef idx="2">
-            <a:schemeClr val="accent2"/>
-          </a:fillRef>
-          <a:effectRef idx="1">
-            <a:schemeClr val="accent2"/>
-          </a:effectRef>
-          <a:fontRef idx="minor">
-            <a:schemeClr val="dk1"/>
-          </a:fontRef>
-        </p:style>
-      </p:cxnSp>
-      <p:sp>
-        <p:nvSpPr>
-          <p:cNvPr id="73" name="Rectangle 62"/>
-          <p:cNvSpPr/>
-          <p:nvPr/>
-        </p:nvSpPr>
-        <p:spPr>
-          <a:xfrm>
-            <a:off x="5143948" y="1770924"/>
-            <a:ext cx="772043" cy="346760"/>
-          </a:xfrm>
-          <a:prstGeom prst="rect">
-            <a:avLst/>
-          </a:prstGeom>
-          <a:ln w="6350">
-            <a:solidFill>
-              <a:schemeClr val="accent3"/>
-            </a:solidFill>
-          </a:ln>
-          <a:effectLst/>
-        </p:spPr>
-        <p:style>
-          <a:lnRef idx="1">
-            <a:schemeClr val="accent3"/>
-          </a:lnRef>
-          <a:fillRef idx="2">
-            <a:schemeClr val="accent3"/>
-          </a:fillRef>
-          <a:effectRef idx="1">
-            <a:schemeClr val="accent3"/>
-          </a:effectRef>
-          <a:fontRef idx="minor">
-            <a:schemeClr val="dk1"/>
-          </a:fontRef>
-        </p:style>
-        <p:txBody>
-          <a:bodyPr rtlCol="0" anchor="ctr"/>
-          <a:lstStyle/>
-          <a:p>
-            <a:pPr algn="ctr"/>
-            <a:r>
-              <a:rPr lang="en-US" sz="1050" b="1" dirty="0">
+            </a:effectRef>
+            <a:fontRef idx="minor">
+              <a:schemeClr val="dk1"/>
+            </a:fontRef>
+          </p:style>
+          <p:txBody>
+            <a:bodyPr rtlCol="0" anchor="ctr"/>
+            <a:lstStyle/>
+            <a:p>
+              <a:pPr algn="ctr"/>
+              <a:r>
+                <a:rPr lang="en-US" sz="1050" b="1" dirty="0">
+                  <a:solidFill>
+                    <a:schemeClr val="accent3">
+                      <a:lumMod val="75000"/>
+                    </a:schemeClr>
+                  </a:solidFill>
+                </a:rPr>
+                <a:t>{abstract}</a:t>
+              </a:r>
+              <a:br>
+                <a:rPr lang="en-US" sz="1050" b="1" dirty="0">
+                  <a:solidFill>
+                    <a:schemeClr val="accent3">
+                      <a:lumMod val="75000"/>
+                    </a:schemeClr>
+                  </a:solidFill>
+                </a:rPr>
+              </a:br>
+              <a:r>
+                <a:rPr lang="en-US" sz="1050" b="1" dirty="0" err="1">
+                  <a:solidFill>
+                    <a:schemeClr val="accent3">
+                      <a:lumMod val="75000"/>
+                    </a:schemeClr>
+                  </a:solidFill>
+                </a:rPr>
+                <a:t>UiPart</a:t>
+              </a:r>
+              <a:endParaRPr lang="en-SG" sz="1050" b="1" dirty="0">
                 <a:solidFill>
                   <a:schemeClr val="accent3">
                     <a:lumMod val="75000"/>
                   </a:schemeClr>
                 </a:solidFill>
-              </a:rPr>
-              <a:t>{abstract}</a:t>
-            </a:r>
-            <a:br>
-              <a:rPr lang="en-US" sz="1050" b="1" dirty="0">
+              </a:endParaRPr>
+            </a:p>
+          </p:txBody>
+        </p:sp>
+        <p:cxnSp>
+          <p:nvCxnSpPr>
+            <p:cNvPr id="74" name="Elbow Connector 63"/>
+            <p:cNvCxnSpPr>
+              <a:cxnSpLocks/>
+              <a:stCxn id="43" idx="3"/>
+              <a:endCxn id="16" idx="3"/>
+            </p:cNvCxnSpPr>
+            <p:nvPr/>
+          </p:nvCxnSpPr>
+          <p:spPr>
+            <a:xfrm flipV="1">
+              <a:off x="3775161" y="2286000"/>
+              <a:ext cx="1754808" cy="937543"/>
+            </a:xfrm>
+            <a:prstGeom prst="bentConnector2">
+              <a:avLst/>
+            </a:prstGeom>
+            <a:ln w="6350">
+              <a:solidFill>
+                <a:schemeClr val="accent3"/>
+              </a:solidFill>
+              <a:headEnd type="none" w="med" len="med"/>
+              <a:tailEnd type="none" w="med" len="med"/>
+            </a:ln>
+            <a:effectLst/>
+          </p:spPr>
+          <p:style>
+            <a:lnRef idx="1">
+              <a:schemeClr val="accent2"/>
+            </a:lnRef>
+            <a:fillRef idx="2">
+              <a:schemeClr val="accent2"/>
+            </a:fillRef>
+            <a:effectRef idx="1">
+              <a:schemeClr val="accent2"/>
+            </a:effectRef>
+            <a:fontRef idx="minor">
+              <a:schemeClr val="dk1"/>
+            </a:fontRef>
+          </p:style>
+        </p:cxnSp>
+        <p:cxnSp>
+          <p:nvCxnSpPr>
+            <p:cNvPr id="77" name="Elbow Connector 63"/>
+            <p:cNvCxnSpPr>
+              <a:stCxn id="16" idx="3"/>
+              <a:endCxn id="37" idx="3"/>
+            </p:cNvCxnSpPr>
+            <p:nvPr/>
+          </p:nvCxnSpPr>
+          <p:spPr>
+            <a:xfrm rot="5400000">
+              <a:off x="3585488" y="3703819"/>
+              <a:ext cx="3362301" cy="526663"/>
+            </a:xfrm>
+            <a:prstGeom prst="bentConnector2">
+              <a:avLst/>
+            </a:prstGeom>
+            <a:ln w="6350">
+              <a:solidFill>
+                <a:schemeClr val="accent3"/>
+              </a:solidFill>
+              <a:headEnd type="none" w="med" len="med"/>
+              <a:tailEnd type="none" w="med" len="med"/>
+            </a:ln>
+            <a:effectLst/>
+          </p:spPr>
+          <p:style>
+            <a:lnRef idx="1">
+              <a:schemeClr val="accent2"/>
+            </a:lnRef>
+            <a:fillRef idx="2">
+              <a:schemeClr val="accent2"/>
+            </a:fillRef>
+            <a:effectRef idx="1">
+              <a:schemeClr val="accent2"/>
+            </a:effectRef>
+            <a:fontRef idx="minor">
+              <a:schemeClr val="dk1"/>
+            </a:fontRef>
+          </p:style>
+        </p:cxnSp>
+        <p:cxnSp>
+          <p:nvCxnSpPr>
+            <p:cNvPr id="82" name="Elbow Connector 63"/>
+            <p:cNvCxnSpPr>
+              <a:cxnSpLocks/>
+              <a:stCxn id="16" idx="3"/>
+              <a:endCxn id="34" idx="3"/>
+            </p:cNvCxnSpPr>
+            <p:nvPr/>
+          </p:nvCxnSpPr>
+          <p:spPr>
+            <a:xfrm rot="5400000">
+              <a:off x="4037535" y="2023628"/>
+              <a:ext cx="1230063" cy="1754807"/>
+            </a:xfrm>
+            <a:prstGeom prst="bentConnector2">
+              <a:avLst/>
+            </a:prstGeom>
+            <a:ln w="6350">
+              <a:solidFill>
+                <a:schemeClr val="accent3"/>
+              </a:solidFill>
+              <a:headEnd type="none" w="med" len="med"/>
+              <a:tailEnd type="none" w="med" len="med"/>
+            </a:ln>
+            <a:effectLst/>
+          </p:spPr>
+          <p:style>
+            <a:lnRef idx="1">
+              <a:schemeClr val="accent2"/>
+            </a:lnRef>
+            <a:fillRef idx="2">
+              <a:schemeClr val="accent2"/>
+            </a:fillRef>
+            <a:effectRef idx="1">
+              <a:schemeClr val="accent2"/>
+            </a:effectRef>
+            <a:fontRef idx="minor">
+              <a:schemeClr val="dk1"/>
+            </a:fontRef>
+          </p:style>
+        </p:cxnSp>
+        <p:cxnSp>
+          <p:nvCxnSpPr>
+            <p:cNvPr id="88" name="Elbow Connector 63"/>
+            <p:cNvCxnSpPr>
+              <a:stCxn id="2" idx="3"/>
+              <a:endCxn id="16" idx="3"/>
+            </p:cNvCxnSpPr>
+            <p:nvPr/>
+          </p:nvCxnSpPr>
+          <p:spPr>
+            <a:xfrm flipV="1">
+              <a:off x="3189583" y="2286000"/>
+              <a:ext cx="2340386" cy="228600"/>
+            </a:xfrm>
+            <a:prstGeom prst="bentConnector2">
+              <a:avLst/>
+            </a:prstGeom>
+            <a:ln w="6350">
+              <a:solidFill>
+                <a:schemeClr val="accent3"/>
+              </a:solidFill>
+              <a:headEnd type="none" w="med" len="med"/>
+              <a:tailEnd type="none" w="med" len="med"/>
+            </a:ln>
+            <a:effectLst/>
+          </p:spPr>
+          <p:style>
+            <a:lnRef idx="1">
+              <a:schemeClr val="accent2"/>
+            </a:lnRef>
+            <a:fillRef idx="2">
+              <a:schemeClr val="accent2"/>
+            </a:fillRef>
+            <a:effectRef idx="1">
+              <a:schemeClr val="accent2"/>
+            </a:effectRef>
+            <a:fontRef idx="minor">
+              <a:schemeClr val="dk1"/>
+            </a:fontRef>
+          </p:style>
+        </p:cxnSp>
+        <p:cxnSp>
+          <p:nvCxnSpPr>
+            <p:cNvPr id="91" name="Elbow Connector 63"/>
+            <p:cNvCxnSpPr>
+              <a:cxnSpLocks/>
+              <a:stCxn id="16" idx="3"/>
+              <a:endCxn id="35" idx="3"/>
+            </p:cNvCxnSpPr>
+            <p:nvPr/>
+          </p:nvCxnSpPr>
+          <p:spPr>
+            <a:xfrm rot="5400000">
+              <a:off x="2746107" y="3315054"/>
+              <a:ext cx="3812917" cy="1754808"/>
+            </a:xfrm>
+            <a:prstGeom prst="bentConnector2">
+              <a:avLst/>
+            </a:prstGeom>
+            <a:ln w="6350">
+              <a:solidFill>
+                <a:schemeClr val="accent3"/>
+              </a:solidFill>
+              <a:headEnd type="none" w="med" len="med"/>
+              <a:tailEnd type="none" w="med" len="med"/>
+            </a:ln>
+            <a:effectLst/>
+          </p:spPr>
+          <p:style>
+            <a:lnRef idx="1">
+              <a:schemeClr val="accent2"/>
+            </a:lnRef>
+            <a:fillRef idx="2">
+              <a:schemeClr val="accent2"/>
+            </a:fillRef>
+            <a:effectRef idx="1">
+              <a:schemeClr val="accent2"/>
+            </a:effectRef>
+            <a:fontRef idx="minor">
+              <a:schemeClr val="dk1"/>
+            </a:fontRef>
+          </p:style>
+        </p:cxnSp>
+        <p:cxnSp>
+          <p:nvCxnSpPr>
+            <p:cNvPr id="94" name="Elbow Connector 63"/>
+            <p:cNvCxnSpPr>
+              <a:cxnSpLocks/>
+              <a:stCxn id="16" idx="3"/>
+              <a:endCxn id="38" idx="3"/>
+            </p:cNvCxnSpPr>
+            <p:nvPr/>
+          </p:nvCxnSpPr>
+          <p:spPr>
+            <a:xfrm rot="5400000">
+              <a:off x="2581630" y="3479531"/>
+              <a:ext cx="4141871" cy="1754808"/>
+            </a:xfrm>
+            <a:prstGeom prst="bentConnector2">
+              <a:avLst/>
+            </a:prstGeom>
+            <a:ln w="6350">
+              <a:solidFill>
+                <a:schemeClr val="accent3"/>
+              </a:solidFill>
+              <a:headEnd type="none" w="med" len="med"/>
+              <a:tailEnd type="none" w="med" len="med"/>
+            </a:ln>
+            <a:effectLst/>
+          </p:spPr>
+          <p:style>
+            <a:lnRef idx="1">
+              <a:schemeClr val="accent2"/>
+            </a:lnRef>
+            <a:fillRef idx="2">
+              <a:schemeClr val="accent2"/>
+            </a:fillRef>
+            <a:effectRef idx="1">
+              <a:schemeClr val="accent2"/>
+            </a:effectRef>
+            <a:fontRef idx="minor">
+              <a:schemeClr val="dk1"/>
+            </a:fontRef>
+          </p:style>
+        </p:cxnSp>
+        <p:cxnSp>
+          <p:nvCxnSpPr>
+            <p:cNvPr id="107" name="Elbow Connector 106"/>
+            <p:cNvCxnSpPr>
+              <a:stCxn id="9" idx="0"/>
+            </p:cNvCxnSpPr>
+            <p:nvPr/>
+          </p:nvCxnSpPr>
+          <p:spPr>
+            <a:xfrm rot="5400000" flipH="1" flipV="1">
+              <a:off x="4594921" y="-355061"/>
+              <a:ext cx="170724" cy="4081246"/>
+            </a:xfrm>
+            <a:prstGeom prst="bentConnector2">
+              <a:avLst/>
+            </a:prstGeom>
+            <a:ln w="19050">
+              <a:solidFill>
+                <a:srgbClr val="00B050"/>
+              </a:solidFill>
+              <a:prstDash val="solid"/>
+              <a:headEnd type="none" w="med" len="med"/>
+              <a:tailEnd type="arrow" w="med" len="med"/>
+            </a:ln>
+            <a:effectLst/>
+          </p:spPr>
+          <p:style>
+            <a:lnRef idx="1">
+              <a:schemeClr val="accent2"/>
+            </a:lnRef>
+            <a:fillRef idx="2">
+              <a:schemeClr val="accent2"/>
+            </a:fillRef>
+            <a:effectRef idx="1">
+              <a:schemeClr val="accent2"/>
+            </a:effectRef>
+            <a:fontRef idx="minor">
+              <a:schemeClr val="dk1"/>
+            </a:fontRef>
+          </p:style>
+        </p:cxnSp>
+        <p:sp>
+          <p:nvSpPr>
+            <p:cNvPr id="117" name="Rectangle 65"/>
+            <p:cNvSpPr/>
+            <p:nvPr/>
+          </p:nvSpPr>
+          <p:spPr>
+            <a:xfrm rot="16200000">
+              <a:off x="5566038" y="5208076"/>
+              <a:ext cx="2667001" cy="328045"/>
+            </a:xfrm>
+            <a:prstGeom prst="roundRect">
+              <a:avLst/>
+            </a:prstGeom>
+            <a:solidFill>
+              <a:schemeClr val="accent4">
+                <a:lumMod val="20000"/>
+                <a:lumOff val="80000"/>
+              </a:schemeClr>
+            </a:solidFill>
+            <a:ln w="19050">
+              <a:noFill/>
+            </a:ln>
+            <a:effectLst/>
+          </p:spPr>
+          <p:style>
+            <a:lnRef idx="1">
+              <a:schemeClr val="accent2"/>
+            </a:lnRef>
+            <a:fillRef idx="2">
+              <a:schemeClr val="accent2"/>
+            </a:fillRef>
+            <a:effectRef idx="1">
+              <a:schemeClr val="accent2"/>
+            </a:effectRef>
+            <a:fontRef idx="minor">
+              <a:schemeClr val="dk1"/>
+            </a:fontRef>
+          </p:style>
+          <p:txBody>
+            <a:bodyPr rtlCol="0" anchor="ctr"/>
+            <a:lstStyle/>
+            <a:p>
+              <a:pPr algn="ctr"/>
+              <a:r>
+                <a:rPr lang="en-US" sz="1100" b="1" dirty="0">
+                  <a:solidFill>
+                    <a:schemeClr val="bg1"/>
+                  </a:solidFill>
+                </a:rPr>
+                <a:t>Model</a:t>
+              </a:r>
+              <a:endParaRPr lang="en-SG" sz="1100" b="1" dirty="0">
+                <a:solidFill>
+                  <a:schemeClr val="bg1"/>
+                </a:solidFill>
+              </a:endParaRPr>
+            </a:p>
+          </p:txBody>
+        </p:sp>
+        <p:sp>
+          <p:nvSpPr>
+            <p:cNvPr id="119" name="Rectangle 62"/>
+            <p:cNvSpPr/>
+            <p:nvPr/>
+          </p:nvSpPr>
+          <p:spPr>
+            <a:xfrm rot="16200000">
+              <a:off x="971628" y="3771079"/>
+              <a:ext cx="1093635" cy="346760"/>
+            </a:xfrm>
+            <a:prstGeom prst="rect">
+              <a:avLst/>
+            </a:prstGeom>
+            <a:solidFill>
+              <a:srgbClr val="00B050"/>
+            </a:solidFill>
+            <a:ln w="19050">
+              <a:solidFill>
+                <a:srgbClr val="00B050"/>
+              </a:solidFill>
+            </a:ln>
+            <a:effectLst/>
+          </p:spPr>
+          <p:style>
+            <a:lnRef idx="1">
+              <a:schemeClr val="accent2"/>
+            </a:lnRef>
+            <a:fillRef idx="2">
+              <a:schemeClr val="accent2"/>
+            </a:fillRef>
+            <a:effectRef idx="1">
+              <a:schemeClr val="accent2"/>
+            </a:effectRef>
+            <a:fontRef idx="minor">
+              <a:schemeClr val="dk1"/>
+            </a:fontRef>
+          </p:style>
+          <p:txBody>
+            <a:bodyPr rtlCol="0" anchor="ctr"/>
+            <a:lstStyle/>
+            <a:p>
+              <a:pPr algn="ctr"/>
+              <a:r>
+                <a:rPr lang="en-US" sz="1050" dirty="0">
+                  <a:solidFill>
+                    <a:schemeClr val="bg1"/>
+                  </a:solidFill>
+                </a:rPr>
+                <a:t>&lt;&lt;interface&gt;&gt;</a:t>
+              </a:r>
+            </a:p>
+            <a:p>
+              <a:pPr algn="ctr"/>
+              <a:r>
+                <a:rPr lang="en-US" sz="1050" dirty="0" err="1">
+                  <a:solidFill>
+                    <a:schemeClr val="bg1"/>
+                  </a:solidFill>
+                </a:rPr>
+                <a:t>Ui</a:t>
+              </a:r>
+              <a:endParaRPr lang="en-SG" sz="1050" dirty="0">
+                <a:solidFill>
+                  <a:schemeClr val="bg1"/>
+                </a:solidFill>
+              </a:endParaRPr>
+            </a:p>
+          </p:txBody>
+        </p:sp>
+        <p:sp>
+          <p:nvSpPr>
+            <p:cNvPr id="120" name="Isosceles Triangle 102"/>
+            <p:cNvSpPr/>
+            <p:nvPr/>
+          </p:nvSpPr>
+          <p:spPr>
+            <a:xfrm flipV="1">
+              <a:off x="1377062" y="3200400"/>
+              <a:ext cx="270504" cy="175523"/>
+            </a:xfrm>
+            <a:prstGeom prst="triangle">
+              <a:avLst/>
+            </a:prstGeom>
+            <a:ln w="19050">
+              <a:solidFill>
+                <a:srgbClr val="00B050"/>
+              </a:solidFill>
+            </a:ln>
+            <a:effectLst/>
+          </p:spPr>
+          <p:style>
+            <a:lnRef idx="1">
+              <a:schemeClr val="accent3"/>
+            </a:lnRef>
+            <a:fillRef idx="2">
+              <a:schemeClr val="accent3"/>
+            </a:fillRef>
+            <a:effectRef idx="1">
+              <a:schemeClr val="accent3"/>
+            </a:effectRef>
+            <a:fontRef idx="minor">
+              <a:schemeClr val="dk1"/>
+            </a:fontRef>
+          </p:style>
+          <p:txBody>
+            <a:bodyPr rtlCol="0" anchor="ctr"/>
+            <a:lstStyle/>
+            <a:p>
+              <a:pPr algn="ctr"/>
+              <a:endParaRPr lang="en-SG" sz="1050" b="1">
+                <a:solidFill>
+                  <a:srgbClr val="92D050"/>
+                </a:solidFill>
+              </a:endParaRPr>
+            </a:p>
+          </p:txBody>
+        </p:sp>
+        <p:cxnSp>
+          <p:nvCxnSpPr>
+            <p:cNvPr id="121" name="Elbow Connector 63"/>
+            <p:cNvCxnSpPr>
+              <a:stCxn id="9" idx="1"/>
+              <a:endCxn id="120" idx="3"/>
+            </p:cNvCxnSpPr>
+            <p:nvPr/>
+          </p:nvCxnSpPr>
+          <p:spPr>
+            <a:xfrm rot="10800000" flipV="1">
+              <a:off x="1512314" y="1944304"/>
+              <a:ext cx="580528" cy="1256096"/>
+            </a:xfrm>
+            <a:prstGeom prst="bentConnector2">
+              <a:avLst/>
+            </a:prstGeom>
+            <a:ln w="19050">
+              <a:solidFill>
+                <a:srgbClr val="00B050"/>
+              </a:solidFill>
+              <a:prstDash val="sysDot"/>
+              <a:headEnd type="none" w="med" len="med"/>
+              <a:tailEnd type="none" w="med" len="med"/>
+            </a:ln>
+            <a:effectLst/>
+          </p:spPr>
+          <p:style>
+            <a:lnRef idx="1">
+              <a:schemeClr val="accent2"/>
+            </a:lnRef>
+            <a:fillRef idx="2">
+              <a:schemeClr val="accent2"/>
+            </a:fillRef>
+            <a:effectRef idx="1">
+              <a:schemeClr val="accent2"/>
+            </a:effectRef>
+            <a:fontRef idx="minor">
+              <a:schemeClr val="dk1"/>
+            </a:fontRef>
+          </p:style>
+        </p:cxnSp>
+        <p:cxnSp>
+          <p:nvCxnSpPr>
+            <p:cNvPr id="131" name="Elbow Connector 130"/>
+            <p:cNvCxnSpPr>
+              <a:cxnSpLocks/>
+              <a:stCxn id="39" idx="2"/>
+              <a:endCxn id="43" idx="1"/>
+            </p:cNvCxnSpPr>
+            <p:nvPr/>
+          </p:nvCxnSpPr>
+          <p:spPr>
+            <a:xfrm rot="16200000" flipH="1">
+              <a:off x="2322414" y="2961736"/>
+              <a:ext cx="355518" cy="168095"/>
+            </a:xfrm>
+            <a:prstGeom prst="bentConnector2">
+              <a:avLst/>
+            </a:prstGeom>
+            <a:ln w="19050">
+              <a:solidFill>
+                <a:schemeClr val="accent3"/>
+              </a:solidFill>
+              <a:headEnd type="none" w="med" len="med"/>
+              <a:tailEnd type="arrow" w="med" len="med"/>
+            </a:ln>
+            <a:effectLst/>
+          </p:spPr>
+          <p:style>
+            <a:lnRef idx="1">
+              <a:schemeClr val="accent2"/>
+            </a:lnRef>
+            <a:fillRef idx="2">
+              <a:schemeClr val="accent2"/>
+            </a:fillRef>
+            <a:effectRef idx="1">
+              <a:schemeClr val="accent2"/>
+            </a:effectRef>
+            <a:fontRef idx="minor">
+              <a:schemeClr val="dk1"/>
+            </a:fontRef>
+          </p:style>
+        </p:cxnSp>
+        <p:cxnSp>
+          <p:nvCxnSpPr>
+            <p:cNvPr id="132" name="Elbow Connector 63"/>
+            <p:cNvCxnSpPr>
+              <a:cxnSpLocks/>
+              <a:stCxn id="16" idx="3"/>
+              <a:endCxn id="3" idx="3"/>
+            </p:cNvCxnSpPr>
+            <p:nvPr/>
+          </p:nvCxnSpPr>
+          <p:spPr>
+            <a:xfrm rot="5400000">
+              <a:off x="4336595" y="1727692"/>
+              <a:ext cx="635067" cy="1751682"/>
+            </a:xfrm>
+            <a:prstGeom prst="bentConnector2">
+              <a:avLst/>
+            </a:prstGeom>
+            <a:ln w="6350">
+              <a:solidFill>
+                <a:schemeClr val="accent3"/>
+              </a:solidFill>
+              <a:headEnd type="none" w="med" len="med"/>
+              <a:tailEnd type="none" w="med" len="med"/>
+            </a:ln>
+            <a:effectLst/>
+          </p:spPr>
+          <p:style>
+            <a:lnRef idx="1">
+              <a:schemeClr val="accent2"/>
+            </a:lnRef>
+            <a:fillRef idx="2">
+              <a:schemeClr val="accent2"/>
+            </a:fillRef>
+            <a:effectRef idx="1">
+              <a:schemeClr val="accent2"/>
+            </a:effectRef>
+            <a:fontRef idx="minor">
+              <a:schemeClr val="dk1"/>
+            </a:fontRef>
+          </p:style>
+        </p:cxnSp>
+        <p:cxnSp>
+          <p:nvCxnSpPr>
+            <p:cNvPr id="137" name="Elbow Connector 136"/>
+            <p:cNvCxnSpPr>
+              <a:cxnSpLocks/>
+              <a:stCxn id="36" idx="2"/>
+              <a:endCxn id="37" idx="1"/>
+            </p:cNvCxnSpPr>
+            <p:nvPr/>
+          </p:nvCxnSpPr>
+          <p:spPr>
+            <a:xfrm rot="16200000" flipH="1">
+              <a:off x="3529916" y="5215816"/>
+              <a:ext cx="83123" cy="781845"/>
+            </a:xfrm>
+            <a:prstGeom prst="bentConnector2">
+              <a:avLst/>
+            </a:prstGeom>
+            <a:ln w="19050">
+              <a:solidFill>
+                <a:schemeClr val="accent3"/>
+              </a:solidFill>
+              <a:headEnd type="none" w="med" len="med"/>
+              <a:tailEnd type="arrow" w="med" len="med"/>
+            </a:ln>
+            <a:effectLst/>
+          </p:spPr>
+          <p:style>
+            <a:lnRef idx="1">
+              <a:schemeClr val="accent2"/>
+            </a:lnRef>
+            <a:fillRef idx="2">
+              <a:schemeClr val="accent2"/>
+            </a:fillRef>
+            <a:effectRef idx="1">
+              <a:schemeClr val="accent2"/>
+            </a:effectRef>
+            <a:fontRef idx="minor">
+              <a:schemeClr val="dk1"/>
+            </a:fontRef>
+          </p:style>
+        </p:cxnSp>
+        <p:cxnSp>
+          <p:nvCxnSpPr>
+            <p:cNvPr id="140" name="Elbow Connector 63"/>
+            <p:cNvCxnSpPr>
+              <a:cxnSpLocks/>
+              <a:stCxn id="16" idx="3"/>
+              <a:endCxn id="36" idx="3"/>
+            </p:cNvCxnSpPr>
+            <p:nvPr/>
+          </p:nvCxnSpPr>
+          <p:spPr>
+            <a:xfrm rot="5400000">
+              <a:off x="3072186" y="2988975"/>
+              <a:ext cx="3160758" cy="1754808"/>
+            </a:xfrm>
+            <a:prstGeom prst="bentConnector2">
+              <a:avLst/>
+            </a:prstGeom>
+            <a:ln w="6350">
+              <a:solidFill>
+                <a:schemeClr val="accent3"/>
+              </a:solidFill>
+              <a:headEnd type="none" w="med" len="med"/>
+              <a:tailEnd type="none" w="med" len="med"/>
+            </a:ln>
+            <a:effectLst/>
+          </p:spPr>
+          <p:style>
+            <a:lnRef idx="1">
+              <a:schemeClr val="accent2"/>
+            </a:lnRef>
+            <a:fillRef idx="2">
+              <a:schemeClr val="accent2"/>
+            </a:fillRef>
+            <a:effectRef idx="1">
+              <a:schemeClr val="accent2"/>
+            </a:effectRef>
+            <a:fontRef idx="minor">
+              <a:schemeClr val="dk1"/>
+            </a:fontRef>
+          </p:style>
+        </p:cxnSp>
+        <p:sp>
+          <p:nvSpPr>
+            <p:cNvPr id="143" name="Rectangle 142"/>
+            <p:cNvSpPr/>
+            <p:nvPr/>
+          </p:nvSpPr>
+          <p:spPr>
+            <a:xfrm>
+              <a:off x="5422048" y="2339335"/>
+              <a:ext cx="229325" cy="166560"/>
+            </a:xfrm>
+            <a:prstGeom prst="rect">
+              <a:avLst/>
+            </a:prstGeom>
+            <a:solidFill>
+              <a:schemeClr val="accent3">
+                <a:lumMod val="20000"/>
+                <a:lumOff val="80000"/>
+                <a:alpha val="80000"/>
+              </a:schemeClr>
+            </a:solidFill>
+            <a:ln>
+              <a:noFill/>
+            </a:ln>
+            <a:effectLst>
+              <a:softEdge rad="31750"/>
+            </a:effectLst>
+          </p:spPr>
+          <p:style>
+            <a:lnRef idx="2">
+              <a:schemeClr val="accent1">
+                <a:shade val="50000"/>
+              </a:schemeClr>
+            </a:lnRef>
+            <a:fillRef idx="1">
+              <a:schemeClr val="accent1"/>
+            </a:fillRef>
+            <a:effectRef idx="0">
+              <a:schemeClr val="accent1"/>
+            </a:effectRef>
+            <a:fontRef idx="minor">
+              <a:schemeClr val="lt1"/>
+            </a:fontRef>
+          </p:style>
+          <p:txBody>
+            <a:bodyPr rtlCol="0" anchor="ctr"/>
+            <a:lstStyle/>
+            <a:p>
+              <a:pPr algn="ctr"/>
+              <a:endParaRPr lang="en-SG"/>
+            </a:p>
+          </p:txBody>
+        </p:sp>
+        <p:sp>
+          <p:nvSpPr>
+            <p:cNvPr id="116" name="Freeform 115"/>
+            <p:cNvSpPr/>
+            <p:nvPr/>
+          </p:nvSpPr>
+          <p:spPr>
+            <a:xfrm>
+              <a:off x="3186477" y="2405681"/>
+              <a:ext cx="3537529" cy="45719"/>
+            </a:xfrm>
+            <a:custGeom>
+              <a:avLst/>
+              <a:gdLst>
+                <a:gd name="connsiteX0" fmla="*/ 0 w 3048000"/>
+                <a:gd name="connsiteY0" fmla="*/ 203200 h 203200"/>
+                <a:gd name="connsiteX1" fmla="*/ 221673 w 3048000"/>
+                <a:gd name="connsiteY1" fmla="*/ 0 h 203200"/>
+                <a:gd name="connsiteX2" fmla="*/ 3048000 w 3048000"/>
+                <a:gd name="connsiteY2" fmla="*/ 0 h 203200"/>
+              </a:gdLst>
+              <a:ahLst/>
+              <a:cxnLst>
+                <a:cxn ang="0">
+                  <a:pos x="connsiteX0" y="connsiteY0"/>
+                </a:cxn>
+                <a:cxn ang="0">
+                  <a:pos x="connsiteX1" y="connsiteY1"/>
+                </a:cxn>
+                <a:cxn ang="0">
+                  <a:pos x="connsiteX2" y="connsiteY2"/>
+                </a:cxn>
+              </a:cxnLst>
+              <a:rect l="l" t="t" r="r" b="b"/>
+              <a:pathLst>
+                <a:path w="3048000" h="203200">
+                  <a:moveTo>
+                    <a:pt x="0" y="203200"/>
+                  </a:moveTo>
+                  <a:lnTo>
+                    <a:pt x="221673" y="0"/>
+                  </a:lnTo>
+                  <a:lnTo>
+                    <a:pt x="3048000" y="0"/>
+                  </a:lnTo>
+                </a:path>
+              </a:pathLst>
+            </a:custGeom>
+            <a:noFill/>
+            <a:ln w="19050">
+              <a:solidFill>
+                <a:schemeClr val="accent3"/>
+              </a:solidFill>
+              <a:prstDash val="solid"/>
+              <a:headEnd type="none" w="med" len="med"/>
+              <a:tailEnd type="arrow" w="med" len="med"/>
+            </a:ln>
+            <a:effectLst/>
+          </p:spPr>
+          <p:style>
+            <a:lnRef idx="1">
+              <a:schemeClr val="accent2"/>
+            </a:lnRef>
+            <a:fillRef idx="2">
+              <a:schemeClr val="accent2"/>
+            </a:fillRef>
+            <a:effectRef idx="1">
+              <a:schemeClr val="accent2"/>
+            </a:effectRef>
+            <a:fontRef idx="minor">
+              <a:schemeClr val="dk1"/>
+            </a:fontRef>
+          </p:style>
+          <p:txBody>
+            <a:bodyPr rtlCol="0" anchor="ctr"/>
+            <a:lstStyle/>
+            <a:p>
+              <a:pPr algn="ctr"/>
+              <a:endParaRPr lang="en-SG"/>
+            </a:p>
+          </p:txBody>
+        </p:sp>
+        <p:sp>
+          <p:nvSpPr>
+            <p:cNvPr id="144" name="Rectangle 143"/>
+            <p:cNvSpPr/>
+            <p:nvPr/>
+          </p:nvSpPr>
+          <p:spPr>
+            <a:xfrm>
+              <a:off x="5431573" y="4488138"/>
+              <a:ext cx="229325" cy="160062"/>
+            </a:xfrm>
+            <a:prstGeom prst="rect">
+              <a:avLst/>
+            </a:prstGeom>
+            <a:solidFill>
+              <a:schemeClr val="accent3">
+                <a:lumMod val="20000"/>
+                <a:lumOff val="80000"/>
+                <a:alpha val="80000"/>
+              </a:schemeClr>
+            </a:solidFill>
+            <a:ln>
+              <a:noFill/>
+            </a:ln>
+            <a:effectLst>
+              <a:softEdge rad="31750"/>
+            </a:effectLst>
+          </p:spPr>
+          <p:style>
+            <a:lnRef idx="2">
+              <a:schemeClr val="accent1">
+                <a:shade val="50000"/>
+              </a:schemeClr>
+            </a:lnRef>
+            <a:fillRef idx="1">
+              <a:schemeClr val="accent1"/>
+            </a:fillRef>
+            <a:effectRef idx="0">
+              <a:schemeClr val="accent1"/>
+            </a:effectRef>
+            <a:fontRef idx="minor">
+              <a:schemeClr val="lt1"/>
+            </a:fontRef>
+          </p:style>
+          <p:txBody>
+            <a:bodyPr rtlCol="0" anchor="ctr"/>
+            <a:lstStyle/>
+            <a:p>
+              <a:pPr algn="ctr"/>
+              <a:endParaRPr lang="en-SG"/>
+            </a:p>
+          </p:txBody>
+        </p:sp>
+        <p:sp>
+          <p:nvSpPr>
+            <p:cNvPr id="118" name="Freeform 117"/>
+            <p:cNvSpPr/>
+            <p:nvPr/>
+          </p:nvSpPr>
+          <p:spPr>
+            <a:xfrm flipV="1">
+              <a:off x="4100950" y="5778493"/>
+              <a:ext cx="2642195" cy="45719"/>
+            </a:xfrm>
+            <a:custGeom>
+              <a:avLst/>
+              <a:gdLst>
+                <a:gd name="connsiteX0" fmla="*/ 0 w 3048000"/>
+                <a:gd name="connsiteY0" fmla="*/ 203200 h 203200"/>
+                <a:gd name="connsiteX1" fmla="*/ 221673 w 3048000"/>
+                <a:gd name="connsiteY1" fmla="*/ 0 h 203200"/>
+                <a:gd name="connsiteX2" fmla="*/ 3048000 w 3048000"/>
+                <a:gd name="connsiteY2" fmla="*/ 0 h 203200"/>
+              </a:gdLst>
+              <a:ahLst/>
+              <a:cxnLst>
+                <a:cxn ang="0">
+                  <a:pos x="connsiteX0" y="connsiteY0"/>
+                </a:cxn>
+                <a:cxn ang="0">
+                  <a:pos x="connsiteX1" y="connsiteY1"/>
+                </a:cxn>
+                <a:cxn ang="0">
+                  <a:pos x="connsiteX2" y="connsiteY2"/>
+                </a:cxn>
+              </a:cxnLst>
+              <a:rect l="l" t="t" r="r" b="b"/>
+              <a:pathLst>
+                <a:path w="3048000" h="203200">
+                  <a:moveTo>
+                    <a:pt x="0" y="203200"/>
+                  </a:moveTo>
+                  <a:lnTo>
+                    <a:pt x="221673" y="0"/>
+                  </a:lnTo>
+                  <a:lnTo>
+                    <a:pt x="3048000" y="0"/>
+                  </a:lnTo>
+                </a:path>
+              </a:pathLst>
+            </a:custGeom>
+            <a:noFill/>
+            <a:ln w="19050">
+              <a:solidFill>
+                <a:schemeClr val="accent3"/>
+              </a:solidFill>
+              <a:prstDash val="sysDot"/>
+              <a:headEnd type="none" w="med" len="med"/>
+              <a:tailEnd type="arrow" w="med" len="med"/>
+            </a:ln>
+            <a:effectLst/>
+          </p:spPr>
+          <p:style>
+            <a:lnRef idx="1">
+              <a:schemeClr val="accent2"/>
+            </a:lnRef>
+            <a:fillRef idx="2">
+              <a:schemeClr val="accent2"/>
+            </a:fillRef>
+            <a:effectRef idx="1">
+              <a:schemeClr val="accent2"/>
+            </a:effectRef>
+            <a:fontRef idx="minor">
+              <a:schemeClr val="dk1"/>
+            </a:fontRef>
+          </p:style>
+          <p:txBody>
+            <a:bodyPr rtlCol="0" anchor="ctr"/>
+            <a:lstStyle/>
+            <a:p>
+              <a:pPr algn="ctr"/>
+              <a:endParaRPr lang="en-SG"/>
+            </a:p>
+          </p:txBody>
+        </p:sp>
+        <p:sp>
+          <p:nvSpPr>
+            <p:cNvPr id="93" name="Rectangle 11">
+              <a:extLst>
+                <a:ext uri="{FF2B5EF4-FFF2-40B4-BE49-F238E27FC236}">
+                  <a16:creationId xmlns:a16="http://schemas.microsoft.com/office/drawing/2014/main" id="{65300A45-C152-4B95-8721-88AB6FA247B8}"/>
+                </a:ext>
+              </a:extLst>
+            </p:cNvPr>
+            <p:cNvSpPr/>
+            <p:nvPr/>
+          </p:nvSpPr>
+          <p:spPr>
+            <a:xfrm>
+              <a:off x="2580127" y="3738858"/>
+              <a:ext cx="1184362" cy="236841"/>
+            </a:xfrm>
+            <a:prstGeom prst="rect">
+              <a:avLst/>
+            </a:prstGeom>
+            <a:ln w="19050">
+              <a:solidFill>
+                <a:schemeClr val="accent3"/>
+              </a:solidFill>
+            </a:ln>
+            <a:effectLst/>
+          </p:spPr>
+          <p:style>
+            <a:lnRef idx="1">
+              <a:schemeClr val="accent3"/>
+            </a:lnRef>
+            <a:fillRef idx="2">
+              <a:schemeClr val="accent3"/>
+            </a:fillRef>
+            <a:effectRef idx="1">
+              <a:schemeClr val="accent3"/>
+            </a:effectRef>
+            <a:fontRef idx="minor">
+              <a:schemeClr val="dk1"/>
+            </a:fontRef>
+          </p:style>
+          <p:txBody>
+            <a:bodyPr rtlCol="0" anchor="ctr"/>
+            <a:lstStyle/>
+            <a:p>
+              <a:pPr algn="ctr"/>
+              <a:r>
+                <a:rPr lang="en-US" sz="1050" b="1" dirty="0" err="1">
+                  <a:solidFill>
+                    <a:schemeClr val="accent3">
+                      <a:lumMod val="75000"/>
+                    </a:schemeClr>
+                  </a:solidFill>
+                </a:rPr>
+                <a:t>TaskListPanel</a:t>
+              </a:r>
+              <a:endParaRPr lang="en-SG" sz="1050" b="1" dirty="0">
                 <a:solidFill>
                   <a:schemeClr val="accent3">
                     <a:lumMod val="75000"/>
                   </a:schemeClr>
                 </a:solidFill>
-              </a:rPr>
-            </a:br>
-            <a:r>
-              <a:rPr lang="en-US" sz="1050" b="1" dirty="0" err="1">
+              </a:endParaRPr>
+            </a:p>
+          </p:txBody>
+        </p:sp>
+        <p:sp>
+          <p:nvSpPr>
+            <p:cNvPr id="96" name="Rectangle 11">
+              <a:extLst>
+                <a:ext uri="{FF2B5EF4-FFF2-40B4-BE49-F238E27FC236}">
+                  <a16:creationId xmlns:a16="http://schemas.microsoft.com/office/drawing/2014/main" id="{FD44F3E0-62F1-4526-BD10-41B8455038D1}"/>
+                </a:ext>
+              </a:extLst>
+            </p:cNvPr>
+            <p:cNvSpPr/>
+            <p:nvPr/>
+          </p:nvSpPr>
+          <p:spPr>
+            <a:xfrm>
+              <a:off x="2587675" y="4120775"/>
+              <a:ext cx="1187487" cy="236841"/>
+            </a:xfrm>
+            <a:prstGeom prst="rect">
+              <a:avLst/>
+            </a:prstGeom>
+            <a:ln w="19050">
+              <a:solidFill>
+                <a:schemeClr val="accent3"/>
+              </a:solidFill>
+            </a:ln>
+            <a:effectLst/>
+          </p:spPr>
+          <p:style>
+            <a:lnRef idx="1">
+              <a:schemeClr val="accent3"/>
+            </a:lnRef>
+            <a:fillRef idx="2">
+              <a:schemeClr val="accent3"/>
+            </a:fillRef>
+            <a:effectRef idx="1">
+              <a:schemeClr val="accent3"/>
+            </a:effectRef>
+            <a:fontRef idx="minor">
+              <a:schemeClr val="dk1"/>
+            </a:fontRef>
+          </p:style>
+          <p:txBody>
+            <a:bodyPr rtlCol="0" anchor="ctr"/>
+            <a:lstStyle/>
+            <a:p>
+              <a:pPr algn="ctr"/>
+              <a:r>
+                <a:rPr lang="en-US" sz="1050" b="1" dirty="0" err="1">
+                  <a:solidFill>
+                    <a:schemeClr val="accent3">
+                      <a:lumMod val="75000"/>
+                    </a:schemeClr>
+                  </a:solidFill>
+                </a:rPr>
+                <a:t>PurchaseListPanel</a:t>
+              </a:r>
+              <a:endParaRPr lang="en-SG" sz="1050" b="1" dirty="0">
                 <a:solidFill>
                   <a:schemeClr val="accent3">
                     <a:lumMod val="75000"/>
                   </a:schemeClr>
                 </a:solidFill>
-              </a:rPr>
-              <a:t>UiPart</a:t>
-            </a:r>
-            <a:endParaRPr lang="en-SG" sz="1050" b="1" dirty="0">
+              </a:endParaRPr>
+            </a:p>
+          </p:txBody>
+        </p:sp>
+        <p:sp>
+          <p:nvSpPr>
+            <p:cNvPr id="97" name="Rectangle 11">
+              <a:extLst>
+                <a:ext uri="{FF2B5EF4-FFF2-40B4-BE49-F238E27FC236}">
+                  <a16:creationId xmlns:a16="http://schemas.microsoft.com/office/drawing/2014/main" id="{9F3CA59C-D69D-4B98-BDEA-67D0257329E7}"/>
+                </a:ext>
+              </a:extLst>
+            </p:cNvPr>
+            <p:cNvSpPr/>
+            <p:nvPr/>
+          </p:nvSpPr>
+          <p:spPr>
+            <a:xfrm>
+              <a:off x="2578325" y="4532262"/>
+              <a:ext cx="1199961" cy="236841"/>
+            </a:xfrm>
+            <a:prstGeom prst="rect">
+              <a:avLst/>
+            </a:prstGeom>
+            <a:ln w="19050">
               <a:solidFill>
-                <a:schemeClr val="accent3">
-                  <a:lumMod val="75000"/>
-                </a:schemeClr>
+                <a:schemeClr val="accent3"/>
               </a:solidFill>
-            </a:endParaRPr>
-          </a:p>
-        </p:txBody>
-      </p:sp>
-      <p:cxnSp>
-        <p:nvCxnSpPr>
-          <p:cNvPr id="74" name="Elbow Connector 63"/>
-          <p:cNvCxnSpPr>
-            <a:stCxn id="43" idx="3"/>
-            <a:endCxn id="16" idx="3"/>
-          </p:cNvCxnSpPr>
-          <p:nvPr/>
-        </p:nvCxnSpPr>
-        <p:spPr>
-          <a:xfrm flipV="1">
-            <a:off x="3686160" y="2286000"/>
-            <a:ext cx="1843809" cy="1136729"/>
-          </a:xfrm>
-          <a:prstGeom prst="bentConnector2">
-            <a:avLst/>
-          </a:prstGeom>
-          <a:ln w="6350">
-            <a:solidFill>
+            </a:ln>
+            <a:effectLst/>
+          </p:spPr>
+          <p:style>
+            <a:lnRef idx="1">
               <a:schemeClr val="accent3"/>
-            </a:solidFill>
-            <a:headEnd type="none" w="med" len="med"/>
-            <a:tailEnd type="none" w="med" len="med"/>
-          </a:ln>
-          <a:effectLst/>
-        </p:spPr>
-        <p:style>
-          <a:lnRef idx="1">
-            <a:schemeClr val="accent2"/>
-          </a:lnRef>
-          <a:fillRef idx="2">
-            <a:schemeClr val="accent2"/>
-          </a:fillRef>
-          <a:effectRef idx="1">
-            <a:schemeClr val="accent2"/>
-          </a:effectRef>
-          <a:fontRef idx="minor">
-            <a:schemeClr val="dk1"/>
-          </a:fontRef>
-        </p:style>
-      </p:cxnSp>
-      <p:cxnSp>
-        <p:nvCxnSpPr>
-          <p:cNvPr id="77" name="Elbow Connector 63"/>
-          <p:cNvCxnSpPr>
-            <a:stCxn id="16" idx="3"/>
-            <a:endCxn id="37" idx="3"/>
-          </p:cNvCxnSpPr>
-          <p:nvPr/>
-        </p:nvCxnSpPr>
-        <p:spPr>
-          <a:xfrm rot="5400000">
-            <a:off x="4174488" y="2991741"/>
-            <a:ext cx="2061222" cy="649740"/>
-          </a:xfrm>
-          <a:prstGeom prst="bentConnector2">
-            <a:avLst/>
-          </a:prstGeom>
-          <a:ln w="6350">
-            <a:solidFill>
+            </a:lnRef>
+            <a:fillRef idx="2">
               <a:schemeClr val="accent3"/>
-            </a:solidFill>
-            <a:headEnd type="none" w="med" len="med"/>
-            <a:tailEnd type="none" w="med" len="med"/>
-          </a:ln>
-          <a:effectLst/>
-        </p:spPr>
-        <p:style>
-          <a:lnRef idx="1">
-            <a:schemeClr val="accent2"/>
-          </a:lnRef>
-          <a:fillRef idx="2">
-            <a:schemeClr val="accent2"/>
-          </a:fillRef>
-          <a:effectRef idx="1">
-            <a:schemeClr val="accent2"/>
-          </a:effectRef>
-          <a:fontRef idx="minor">
-            <a:schemeClr val="dk1"/>
-          </a:fontRef>
-        </p:style>
-      </p:cxnSp>
-      <p:cxnSp>
-        <p:nvCxnSpPr>
-          <p:cNvPr id="82" name="Elbow Connector 63"/>
-          <p:cNvCxnSpPr>
-            <a:stCxn id="16" idx="3"/>
-            <a:endCxn id="34" idx="3"/>
-          </p:cNvCxnSpPr>
-          <p:nvPr/>
-        </p:nvCxnSpPr>
-        <p:spPr>
-          <a:xfrm rot="5400000">
-            <a:off x="3867176" y="2104987"/>
-            <a:ext cx="1481780" cy="1843806"/>
-          </a:xfrm>
-          <a:prstGeom prst="bentConnector2">
-            <a:avLst/>
-          </a:prstGeom>
-          <a:ln w="6350">
-            <a:solidFill>
+            </a:fillRef>
+            <a:effectRef idx="1">
               <a:schemeClr val="accent3"/>
-            </a:solidFill>
-            <a:headEnd type="none" w="med" len="med"/>
-            <a:tailEnd type="none" w="med" len="med"/>
-          </a:ln>
-          <a:effectLst/>
-        </p:spPr>
-        <p:style>
-          <a:lnRef idx="1">
-            <a:schemeClr val="accent2"/>
-          </a:lnRef>
-          <a:fillRef idx="2">
-            <a:schemeClr val="accent2"/>
-          </a:fillRef>
-          <a:effectRef idx="1">
-            <a:schemeClr val="accent2"/>
-          </a:effectRef>
-          <a:fontRef idx="minor">
-            <a:schemeClr val="dk1"/>
-          </a:fontRef>
-        </p:style>
-      </p:cxnSp>
-      <p:cxnSp>
-        <p:nvCxnSpPr>
-          <p:cNvPr id="88" name="Elbow Connector 63"/>
-          <p:cNvCxnSpPr>
-            <a:stCxn id="2" idx="3"/>
-            <a:endCxn id="16" idx="3"/>
-          </p:cNvCxnSpPr>
-          <p:nvPr/>
-        </p:nvCxnSpPr>
-        <p:spPr>
-          <a:xfrm flipV="1">
-            <a:off x="3189583" y="2286000"/>
-            <a:ext cx="2340386" cy="228600"/>
-          </a:xfrm>
-          <a:prstGeom prst="bentConnector2">
-            <a:avLst/>
-          </a:prstGeom>
-          <a:ln w="6350">
-            <a:solidFill>
+            </a:effectRef>
+            <a:fontRef idx="minor">
+              <a:schemeClr val="dk1"/>
+            </a:fontRef>
+          </p:style>
+          <p:txBody>
+            <a:bodyPr rtlCol="0" anchor="ctr"/>
+            <a:lstStyle/>
+            <a:p>
+              <a:pPr algn="ctr"/>
+              <a:r>
+                <a:rPr lang="en-US" sz="1050" b="1" dirty="0" err="1">
+                  <a:solidFill>
+                    <a:schemeClr val="accent3">
+                      <a:lumMod val="75000"/>
+                    </a:schemeClr>
+                  </a:solidFill>
+                </a:rPr>
+                <a:t>HabitListPanel</a:t>
+              </a:r>
+              <a:endParaRPr lang="en-SG" sz="1050" b="1" dirty="0">
+                <a:solidFill>
+                  <a:schemeClr val="accent3">
+                    <a:lumMod val="75000"/>
+                  </a:schemeClr>
+                </a:solidFill>
+              </a:endParaRPr>
+            </a:p>
+          </p:txBody>
+        </p:sp>
+        <p:sp>
+          <p:nvSpPr>
+            <p:cNvPr id="98" name="Rectangle 11">
+              <a:extLst>
+                <a:ext uri="{FF2B5EF4-FFF2-40B4-BE49-F238E27FC236}">
+                  <a16:creationId xmlns:a16="http://schemas.microsoft.com/office/drawing/2014/main" id="{B0BF93DE-455B-4E86-A6BC-AFA9FCF0043E}"/>
+                </a:ext>
+              </a:extLst>
+            </p:cNvPr>
+            <p:cNvSpPr/>
+            <p:nvPr/>
+          </p:nvSpPr>
+          <p:spPr>
+            <a:xfrm>
+              <a:off x="2573995" y="4919193"/>
+              <a:ext cx="1201166" cy="236841"/>
+            </a:xfrm>
+            <a:prstGeom prst="rect">
+              <a:avLst/>
+            </a:prstGeom>
+            <a:ln w="19050">
+              <a:solidFill>
+                <a:schemeClr val="accent3"/>
+              </a:solidFill>
+            </a:ln>
+            <a:effectLst/>
+          </p:spPr>
+          <p:style>
+            <a:lnRef idx="1">
               <a:schemeClr val="accent3"/>
-            </a:solidFill>
-            <a:headEnd type="none" w="med" len="med"/>
-            <a:tailEnd type="none" w="med" len="med"/>
-          </a:ln>
-          <a:effectLst/>
-        </p:spPr>
-        <p:style>
-          <a:lnRef idx="1">
-            <a:schemeClr val="accent2"/>
-          </a:lnRef>
-          <a:fillRef idx="2">
-            <a:schemeClr val="accent2"/>
-          </a:fillRef>
-          <a:effectRef idx="1">
-            <a:schemeClr val="accent2"/>
-          </a:effectRef>
-          <a:fontRef idx="minor">
-            <a:schemeClr val="dk1"/>
-          </a:fontRef>
-        </p:style>
-      </p:cxnSp>
-      <p:cxnSp>
-        <p:nvCxnSpPr>
-          <p:cNvPr id="91" name="Elbow Connector 63"/>
-          <p:cNvCxnSpPr>
-            <a:stCxn id="16" idx="3"/>
-            <a:endCxn id="35" idx="3"/>
-          </p:cNvCxnSpPr>
-          <p:nvPr/>
-        </p:nvCxnSpPr>
-        <p:spPr>
-          <a:xfrm rot="5400000">
-            <a:off x="3409976" y="2562187"/>
-            <a:ext cx="2396180" cy="1843807"/>
-          </a:xfrm>
-          <a:prstGeom prst="bentConnector2">
-            <a:avLst/>
-          </a:prstGeom>
-          <a:ln w="6350">
-            <a:solidFill>
+            </a:lnRef>
+            <a:fillRef idx="2">
               <a:schemeClr val="accent3"/>
-            </a:solidFill>
-            <a:headEnd type="none" w="med" len="med"/>
-            <a:tailEnd type="none" w="med" len="med"/>
-          </a:ln>
-          <a:effectLst/>
-        </p:spPr>
-        <p:style>
-          <a:lnRef idx="1">
-            <a:schemeClr val="accent2"/>
-          </a:lnRef>
-          <a:fillRef idx="2">
-            <a:schemeClr val="accent2"/>
-          </a:fillRef>
-          <a:effectRef idx="1">
-            <a:schemeClr val="accent2"/>
-          </a:effectRef>
-          <a:fontRef idx="minor">
-            <a:schemeClr val="dk1"/>
-          </a:fontRef>
-        </p:style>
-      </p:cxnSp>
-      <p:cxnSp>
-        <p:nvCxnSpPr>
-          <p:cNvPr id="94" name="Elbow Connector 63"/>
-          <p:cNvCxnSpPr>
-            <a:stCxn id="16" idx="3"/>
-            <a:endCxn id="38" idx="3"/>
-          </p:cNvCxnSpPr>
-          <p:nvPr/>
-        </p:nvCxnSpPr>
-        <p:spPr>
-          <a:xfrm rot="5400000">
-            <a:off x="3208856" y="2763307"/>
-            <a:ext cx="2798421" cy="1843806"/>
-          </a:xfrm>
-          <a:prstGeom prst="bentConnector2">
-            <a:avLst/>
-          </a:prstGeom>
-          <a:ln w="6350">
-            <a:solidFill>
+            </a:fillRef>
+            <a:effectRef idx="1">
               <a:schemeClr val="accent3"/>
-            </a:solidFill>
-            <a:headEnd type="none" w="med" len="med"/>
-            <a:tailEnd type="none" w="med" len="med"/>
-          </a:ln>
-          <a:effectLst/>
-        </p:spPr>
-        <p:style>
-          <a:lnRef idx="1">
-            <a:schemeClr val="accent2"/>
-          </a:lnRef>
-          <a:fillRef idx="2">
-            <a:schemeClr val="accent2"/>
-          </a:fillRef>
-          <a:effectRef idx="1">
-            <a:schemeClr val="accent2"/>
-          </a:effectRef>
-          <a:fontRef idx="minor">
-            <a:schemeClr val="dk1"/>
-          </a:fontRef>
-        </p:style>
-      </p:cxnSp>
-      <p:cxnSp>
-        <p:nvCxnSpPr>
-          <p:cNvPr id="107" name="Elbow Connector 106"/>
-          <p:cNvCxnSpPr>
-            <a:stCxn id="9" idx="0"/>
-          </p:cNvCxnSpPr>
-          <p:nvPr/>
-        </p:nvCxnSpPr>
-        <p:spPr>
-          <a:xfrm rot="5400000" flipH="1" flipV="1">
-            <a:off x="4594921" y="-355061"/>
-            <a:ext cx="170724" cy="4081246"/>
-          </a:xfrm>
-          <a:prstGeom prst="bentConnector2">
-            <a:avLst/>
-          </a:prstGeom>
-          <a:ln w="19050">
-            <a:solidFill>
-              <a:srgbClr val="00B050"/>
-            </a:solidFill>
-            <a:prstDash val="solid"/>
-            <a:headEnd type="none" w="med" len="med"/>
-            <a:tailEnd type="arrow" w="med" len="med"/>
-          </a:ln>
-          <a:effectLst/>
-        </p:spPr>
-        <p:style>
-          <a:lnRef idx="1">
-            <a:schemeClr val="accent2"/>
-          </a:lnRef>
-          <a:fillRef idx="2">
-            <a:schemeClr val="accent2"/>
-          </a:fillRef>
-          <a:effectRef idx="1">
-            <a:schemeClr val="accent2"/>
-          </a:effectRef>
-          <a:fontRef idx="minor">
-            <a:schemeClr val="dk1"/>
-          </a:fontRef>
-        </p:style>
-      </p:cxnSp>
-      <p:sp>
-        <p:nvSpPr>
-          <p:cNvPr id="117" name="Rectangle 65"/>
-          <p:cNvSpPr/>
-          <p:nvPr/>
-        </p:nvSpPr>
-        <p:spPr>
-          <a:xfrm rot="16200000">
-            <a:off x="6213739" y="4560376"/>
-            <a:ext cx="1371599" cy="328045"/>
-          </a:xfrm>
-          <a:prstGeom prst="roundRect">
-            <a:avLst/>
-          </a:prstGeom>
-          <a:solidFill>
-            <a:schemeClr val="accent4">
-              <a:lumMod val="20000"/>
-              <a:lumOff val="80000"/>
-            </a:schemeClr>
-          </a:solidFill>
-          <a:ln w="19050">
+            </a:effectRef>
+            <a:fontRef idx="minor">
+              <a:schemeClr val="dk1"/>
+            </a:fontRef>
+          </p:style>
+          <p:txBody>
+            <a:bodyPr rtlCol="0" anchor="ctr"/>
+            <a:lstStyle/>
+            <a:p>
+              <a:pPr algn="ctr"/>
+              <a:r>
+                <a:rPr lang="en-US" sz="1050" b="1" dirty="0" err="1">
+                  <a:solidFill>
+                    <a:schemeClr val="accent3">
+                      <a:lumMod val="75000"/>
+                    </a:schemeClr>
+                  </a:solidFill>
+                </a:rPr>
+                <a:t>WorkoutListPanel</a:t>
+              </a:r>
+              <a:endParaRPr lang="en-SG" sz="1050" b="1" dirty="0">
+                <a:solidFill>
+                  <a:schemeClr val="accent3">
+                    <a:lumMod val="75000"/>
+                  </a:schemeClr>
+                </a:solidFill>
+              </a:endParaRPr>
+            </a:p>
+          </p:txBody>
+        </p:sp>
+        <p:cxnSp>
+          <p:nvCxnSpPr>
+            <p:cNvPr id="122" name="Elbow Connector 63">
+              <a:extLst>
+                <a:ext uri="{FF2B5EF4-FFF2-40B4-BE49-F238E27FC236}">
+                  <a16:creationId xmlns:a16="http://schemas.microsoft.com/office/drawing/2014/main" id="{1AEBDCA6-569D-4DF9-9538-65982A5FF9B3}"/>
+                </a:ext>
+              </a:extLst>
+            </p:cNvPr>
+            <p:cNvCxnSpPr>
+              <a:cxnSpLocks/>
+            </p:cNvCxnSpPr>
+            <p:nvPr/>
+          </p:nvCxnSpPr>
+          <p:spPr>
+            <a:xfrm rot="16200000" flipH="1">
+              <a:off x="2174591" y="3449837"/>
+              <a:ext cx="648038" cy="164969"/>
+            </a:xfrm>
+            <a:prstGeom prst="bentConnector2">
+              <a:avLst/>
+            </a:prstGeom>
+            <a:ln w="19050">
+              <a:solidFill>
+                <a:schemeClr val="accent3"/>
+              </a:solidFill>
+              <a:headEnd type="none" w="med" len="med"/>
+              <a:tailEnd type="arrow" w="med" len="med"/>
+            </a:ln>
+            <a:effectLst/>
+          </p:spPr>
+          <p:style>
+            <a:lnRef idx="1">
+              <a:schemeClr val="accent2"/>
+            </a:lnRef>
+            <a:fillRef idx="2">
+              <a:schemeClr val="accent2"/>
+            </a:fillRef>
+            <a:effectRef idx="1">
+              <a:schemeClr val="accent2"/>
+            </a:effectRef>
+            <a:fontRef idx="minor">
+              <a:schemeClr val="dk1"/>
+            </a:fontRef>
+          </p:style>
+        </p:cxnSp>
+        <p:cxnSp>
+          <p:nvCxnSpPr>
+            <p:cNvPr id="124" name="Elbow Connector 63">
+              <a:extLst>
+                <a:ext uri="{FF2B5EF4-FFF2-40B4-BE49-F238E27FC236}">
+                  <a16:creationId xmlns:a16="http://schemas.microsoft.com/office/drawing/2014/main" id="{A07BF83C-E590-408F-BD5B-90B22957E04F}"/>
+                </a:ext>
+              </a:extLst>
+            </p:cNvPr>
+            <p:cNvCxnSpPr>
+              <a:cxnSpLocks/>
+            </p:cNvCxnSpPr>
+            <p:nvPr/>
+          </p:nvCxnSpPr>
+          <p:spPr>
+            <a:xfrm rot="16200000" flipH="1">
+              <a:off x="2173550" y="3837672"/>
+              <a:ext cx="648038" cy="164969"/>
+            </a:xfrm>
+            <a:prstGeom prst="bentConnector2">
+              <a:avLst/>
+            </a:prstGeom>
+            <a:ln w="19050">
+              <a:solidFill>
+                <a:schemeClr val="accent3"/>
+              </a:solidFill>
+              <a:headEnd type="none" w="med" len="med"/>
+              <a:tailEnd type="arrow" w="med" len="med"/>
+            </a:ln>
+            <a:effectLst/>
+          </p:spPr>
+          <p:style>
+            <a:lnRef idx="1">
+              <a:schemeClr val="accent2"/>
+            </a:lnRef>
+            <a:fillRef idx="2">
+              <a:schemeClr val="accent2"/>
+            </a:fillRef>
+            <a:effectRef idx="1">
+              <a:schemeClr val="accent2"/>
+            </a:effectRef>
+            <a:fontRef idx="minor">
+              <a:schemeClr val="dk1"/>
+            </a:fontRef>
+          </p:style>
+        </p:cxnSp>
+        <p:cxnSp>
+          <p:nvCxnSpPr>
+            <p:cNvPr id="125" name="Elbow Connector 63">
+              <a:extLst>
+                <a:ext uri="{FF2B5EF4-FFF2-40B4-BE49-F238E27FC236}">
+                  <a16:creationId xmlns:a16="http://schemas.microsoft.com/office/drawing/2014/main" id="{342C7A5F-6DDC-4D6F-99FD-BEAAAE8A6173}"/>
+                </a:ext>
+              </a:extLst>
+            </p:cNvPr>
+            <p:cNvCxnSpPr>
+              <a:cxnSpLocks/>
+            </p:cNvCxnSpPr>
+            <p:nvPr/>
+          </p:nvCxnSpPr>
+          <p:spPr>
+            <a:xfrm rot="16200000" flipH="1">
+              <a:off x="2173478" y="4241696"/>
+              <a:ext cx="648038" cy="164969"/>
+            </a:xfrm>
+            <a:prstGeom prst="bentConnector2">
+              <a:avLst/>
+            </a:prstGeom>
+            <a:ln w="19050">
+              <a:solidFill>
+                <a:schemeClr val="accent3"/>
+              </a:solidFill>
+              <a:headEnd type="none" w="med" len="med"/>
+              <a:tailEnd type="arrow" w="med" len="med"/>
+            </a:ln>
+            <a:effectLst/>
+          </p:spPr>
+          <p:style>
+            <a:lnRef idx="1">
+              <a:schemeClr val="accent2"/>
+            </a:lnRef>
+            <a:fillRef idx="2">
+              <a:schemeClr val="accent2"/>
+            </a:fillRef>
+            <a:effectRef idx="1">
+              <a:schemeClr val="accent2"/>
+            </a:effectRef>
+            <a:fontRef idx="minor">
+              <a:schemeClr val="dk1"/>
+            </a:fontRef>
+          </p:style>
+        </p:cxnSp>
+        <p:cxnSp>
+          <p:nvCxnSpPr>
+            <p:cNvPr id="126" name="Elbow Connector 63">
+              <a:extLst>
+                <a:ext uri="{FF2B5EF4-FFF2-40B4-BE49-F238E27FC236}">
+                  <a16:creationId xmlns:a16="http://schemas.microsoft.com/office/drawing/2014/main" id="{15F82BC5-6228-49B2-B20A-2E3F8E94ABC1}"/>
+                </a:ext>
+              </a:extLst>
+            </p:cNvPr>
+            <p:cNvCxnSpPr>
+              <a:cxnSpLocks/>
+            </p:cNvCxnSpPr>
+            <p:nvPr/>
+          </p:nvCxnSpPr>
+          <p:spPr>
+            <a:xfrm rot="16200000" flipH="1">
+              <a:off x="2174035" y="4624926"/>
+              <a:ext cx="648038" cy="164969"/>
+            </a:xfrm>
+            <a:prstGeom prst="bentConnector2">
+              <a:avLst/>
+            </a:prstGeom>
+            <a:ln w="19050">
+              <a:solidFill>
+                <a:schemeClr val="accent3"/>
+              </a:solidFill>
+              <a:headEnd type="none" w="med" len="med"/>
+              <a:tailEnd type="arrow" w="med" len="med"/>
+            </a:ln>
+            <a:effectLst/>
+          </p:spPr>
+          <p:style>
+            <a:lnRef idx="1">
+              <a:schemeClr val="accent2"/>
+            </a:lnRef>
+            <a:fillRef idx="2">
+              <a:schemeClr val="accent2"/>
+            </a:fillRef>
+            <a:effectRef idx="1">
+              <a:schemeClr val="accent2"/>
+            </a:effectRef>
+            <a:fontRef idx="minor">
+              <a:schemeClr val="dk1"/>
+            </a:fontRef>
+          </p:style>
+        </p:cxnSp>
+        <p:sp>
+          <p:nvSpPr>
+            <p:cNvPr id="129" name="Rectangle 11">
+              <a:extLst>
+                <a:ext uri="{FF2B5EF4-FFF2-40B4-BE49-F238E27FC236}">
+                  <a16:creationId xmlns:a16="http://schemas.microsoft.com/office/drawing/2014/main" id="{666EEF14-6825-4239-8099-88D3A1186832}"/>
+                </a:ext>
+              </a:extLst>
+            </p:cNvPr>
+            <p:cNvSpPr/>
+            <p:nvPr/>
+          </p:nvSpPr>
+          <p:spPr>
+            <a:xfrm>
+              <a:off x="3967150" y="3904296"/>
+              <a:ext cx="1040906" cy="236841"/>
+            </a:xfrm>
+            <a:prstGeom prst="rect">
+              <a:avLst/>
+            </a:prstGeom>
+            <a:ln w="19050">
+              <a:solidFill>
+                <a:schemeClr val="accent3"/>
+              </a:solidFill>
+            </a:ln>
+            <a:effectLst/>
+          </p:spPr>
+          <p:style>
+            <a:lnRef idx="1">
+              <a:schemeClr val="accent3"/>
+            </a:lnRef>
+            <a:fillRef idx="2">
+              <a:schemeClr val="accent3"/>
+            </a:fillRef>
+            <a:effectRef idx="1">
+              <a:schemeClr val="accent3"/>
+            </a:effectRef>
+            <a:fontRef idx="minor">
+              <a:schemeClr val="dk1"/>
+            </a:fontRef>
+          </p:style>
+          <p:txBody>
+            <a:bodyPr rtlCol="0" anchor="ctr"/>
+            <a:lstStyle/>
+            <a:p>
+              <a:pPr algn="ctr"/>
+              <a:r>
+                <a:rPr lang="en-US" sz="1050" b="1" dirty="0" err="1">
+                  <a:solidFill>
+                    <a:schemeClr val="accent3">
+                      <a:lumMod val="75000"/>
+                    </a:schemeClr>
+                  </a:solidFill>
+                </a:rPr>
+                <a:t>TaskCard</a:t>
+              </a:r>
+              <a:endParaRPr lang="en-SG" sz="1050" b="1" dirty="0">
+                <a:solidFill>
+                  <a:schemeClr val="accent3">
+                    <a:lumMod val="75000"/>
+                  </a:schemeClr>
+                </a:solidFill>
+              </a:endParaRPr>
+            </a:p>
+          </p:txBody>
+        </p:sp>
+        <p:sp>
+          <p:nvSpPr>
+            <p:cNvPr id="130" name="Rectangle 11">
+              <a:extLst>
+                <a:ext uri="{FF2B5EF4-FFF2-40B4-BE49-F238E27FC236}">
+                  <a16:creationId xmlns:a16="http://schemas.microsoft.com/office/drawing/2014/main" id="{A3CC5977-58EA-4339-83CB-BBC21BECA17D}"/>
+                </a:ext>
+              </a:extLst>
+            </p:cNvPr>
+            <p:cNvSpPr/>
+            <p:nvPr/>
+          </p:nvSpPr>
+          <p:spPr>
+            <a:xfrm>
+              <a:off x="3966147" y="4328087"/>
+              <a:ext cx="1040906" cy="236841"/>
+            </a:xfrm>
+            <a:prstGeom prst="rect">
+              <a:avLst/>
+            </a:prstGeom>
+            <a:ln w="19050">
+              <a:solidFill>
+                <a:schemeClr val="accent3"/>
+              </a:solidFill>
+            </a:ln>
+            <a:effectLst/>
+          </p:spPr>
+          <p:style>
+            <a:lnRef idx="1">
+              <a:schemeClr val="accent3"/>
+            </a:lnRef>
+            <a:fillRef idx="2">
+              <a:schemeClr val="accent3"/>
+            </a:fillRef>
+            <a:effectRef idx="1">
+              <a:schemeClr val="accent3"/>
+            </a:effectRef>
+            <a:fontRef idx="minor">
+              <a:schemeClr val="dk1"/>
+            </a:fontRef>
+          </p:style>
+          <p:txBody>
+            <a:bodyPr rtlCol="0" anchor="ctr"/>
+            <a:lstStyle/>
+            <a:p>
+              <a:pPr algn="ctr"/>
+              <a:r>
+                <a:rPr lang="en-US" sz="1050" b="1" dirty="0" err="1">
+                  <a:solidFill>
+                    <a:schemeClr val="accent3">
+                      <a:lumMod val="75000"/>
+                    </a:schemeClr>
+                  </a:solidFill>
+                </a:rPr>
+                <a:t>PurchaseCard</a:t>
+              </a:r>
+              <a:endParaRPr lang="en-SG" sz="1050" b="1" dirty="0">
+                <a:solidFill>
+                  <a:schemeClr val="accent3">
+                    <a:lumMod val="75000"/>
+                  </a:schemeClr>
+                </a:solidFill>
+              </a:endParaRPr>
+            </a:p>
+          </p:txBody>
+        </p:sp>
+        <p:sp>
+          <p:nvSpPr>
+            <p:cNvPr id="133" name="Rectangle 11">
+              <a:extLst>
+                <a:ext uri="{FF2B5EF4-FFF2-40B4-BE49-F238E27FC236}">
+                  <a16:creationId xmlns:a16="http://schemas.microsoft.com/office/drawing/2014/main" id="{AD38ED6B-43F0-4656-A6F7-16323F2DCED4}"/>
+                </a:ext>
+              </a:extLst>
+            </p:cNvPr>
+            <p:cNvSpPr/>
+            <p:nvPr/>
+          </p:nvSpPr>
+          <p:spPr>
+            <a:xfrm>
+              <a:off x="3957065" y="4718588"/>
+              <a:ext cx="1040906" cy="236841"/>
+            </a:xfrm>
+            <a:prstGeom prst="rect">
+              <a:avLst/>
+            </a:prstGeom>
+            <a:ln w="19050">
+              <a:solidFill>
+                <a:schemeClr val="accent3"/>
+              </a:solidFill>
+            </a:ln>
+            <a:effectLst/>
+          </p:spPr>
+          <p:style>
+            <a:lnRef idx="1">
+              <a:schemeClr val="accent3"/>
+            </a:lnRef>
+            <a:fillRef idx="2">
+              <a:schemeClr val="accent3"/>
+            </a:fillRef>
+            <a:effectRef idx="1">
+              <a:schemeClr val="accent3"/>
+            </a:effectRef>
+            <a:fontRef idx="minor">
+              <a:schemeClr val="dk1"/>
+            </a:fontRef>
+          </p:style>
+          <p:txBody>
+            <a:bodyPr rtlCol="0" anchor="ctr"/>
+            <a:lstStyle/>
+            <a:p>
+              <a:pPr algn="ctr"/>
+              <a:r>
+                <a:rPr lang="en-US" sz="1050" b="1" dirty="0" err="1">
+                  <a:solidFill>
+                    <a:schemeClr val="accent3">
+                      <a:lumMod val="75000"/>
+                    </a:schemeClr>
+                  </a:solidFill>
+                </a:rPr>
+                <a:t>HabitCard</a:t>
+              </a:r>
+              <a:endParaRPr lang="en-SG" sz="1050" b="1" dirty="0">
+                <a:solidFill>
+                  <a:schemeClr val="accent3">
+                    <a:lumMod val="75000"/>
+                  </a:schemeClr>
+                </a:solidFill>
+              </a:endParaRPr>
+            </a:p>
+          </p:txBody>
+        </p:sp>
+        <p:sp>
+          <p:nvSpPr>
+            <p:cNvPr id="134" name="Rectangle 11">
+              <a:extLst>
+                <a:ext uri="{FF2B5EF4-FFF2-40B4-BE49-F238E27FC236}">
+                  <a16:creationId xmlns:a16="http://schemas.microsoft.com/office/drawing/2014/main" id="{3BE138D7-0C08-4AED-9468-0C8B6437C64D}"/>
+                </a:ext>
+              </a:extLst>
+            </p:cNvPr>
+            <p:cNvSpPr/>
+            <p:nvPr/>
+          </p:nvSpPr>
+          <p:spPr>
+            <a:xfrm>
+              <a:off x="3965777" y="5115410"/>
+              <a:ext cx="1040906" cy="236841"/>
+            </a:xfrm>
+            <a:prstGeom prst="rect">
+              <a:avLst/>
+            </a:prstGeom>
+            <a:ln w="19050">
+              <a:solidFill>
+                <a:schemeClr val="accent3"/>
+              </a:solidFill>
+            </a:ln>
+            <a:effectLst/>
+          </p:spPr>
+          <p:style>
+            <a:lnRef idx="1">
+              <a:schemeClr val="accent3"/>
+            </a:lnRef>
+            <a:fillRef idx="2">
+              <a:schemeClr val="accent3"/>
+            </a:fillRef>
+            <a:effectRef idx="1">
+              <a:schemeClr val="accent3"/>
+            </a:effectRef>
+            <a:fontRef idx="minor">
+              <a:schemeClr val="dk1"/>
+            </a:fontRef>
+          </p:style>
+          <p:txBody>
+            <a:bodyPr rtlCol="0" anchor="ctr"/>
+            <a:lstStyle/>
+            <a:p>
+              <a:pPr algn="ctr"/>
+              <a:r>
+                <a:rPr lang="en-US" sz="1050" b="1" dirty="0" err="1">
+                  <a:solidFill>
+                    <a:schemeClr val="accent3">
+                      <a:lumMod val="75000"/>
+                    </a:schemeClr>
+                  </a:solidFill>
+                </a:rPr>
+                <a:t>WorkoutCard</a:t>
+              </a:r>
+              <a:endParaRPr lang="en-SG" sz="1050" b="1" dirty="0">
+                <a:solidFill>
+                  <a:schemeClr val="accent3">
+                    <a:lumMod val="75000"/>
+                  </a:schemeClr>
+                </a:solidFill>
+              </a:endParaRPr>
+            </a:p>
+          </p:txBody>
+        </p:sp>
+        <p:cxnSp>
+          <p:nvCxnSpPr>
+            <p:cNvPr id="114" name="Straight Connector 113">
+              <a:extLst>
+                <a:ext uri="{FF2B5EF4-FFF2-40B4-BE49-F238E27FC236}">
+                  <a16:creationId xmlns:a16="http://schemas.microsoft.com/office/drawing/2014/main" id="{622338DB-3B6A-460F-9E6F-131C66221F44}"/>
+                </a:ext>
+              </a:extLst>
+            </p:cNvPr>
+            <p:cNvCxnSpPr>
+              <a:cxnSpLocks/>
+              <a:stCxn id="98" idx="3"/>
+            </p:cNvCxnSpPr>
+            <p:nvPr/>
+          </p:nvCxnSpPr>
+          <p:spPr>
+            <a:xfrm flipV="1">
+              <a:off x="3775161" y="5031430"/>
+              <a:ext cx="1754808" cy="6184"/>
+            </a:xfrm>
+            <a:prstGeom prst="line">
+              <a:avLst/>
+            </a:prstGeom>
+            <a:ln w="6350">
+              <a:solidFill>
+                <a:schemeClr val="accent3"/>
+              </a:solidFill>
+            </a:ln>
+          </p:spPr>
+          <p:style>
+            <a:lnRef idx="1">
+              <a:schemeClr val="accent1"/>
+            </a:lnRef>
+            <a:fillRef idx="0">
+              <a:schemeClr val="accent1"/>
+            </a:fillRef>
+            <a:effectRef idx="0">
+              <a:schemeClr val="accent1"/>
+            </a:effectRef>
+            <a:fontRef idx="minor">
+              <a:schemeClr val="tx1"/>
+            </a:fontRef>
+          </p:style>
+        </p:cxnSp>
+        <p:cxnSp>
+          <p:nvCxnSpPr>
+            <p:cNvPr id="136" name="Straight Connector 135">
+              <a:extLst>
+                <a:ext uri="{FF2B5EF4-FFF2-40B4-BE49-F238E27FC236}">
+                  <a16:creationId xmlns:a16="http://schemas.microsoft.com/office/drawing/2014/main" id="{6B63E57C-4073-4EFE-9371-1F24F4A634F6}"/>
+                </a:ext>
+              </a:extLst>
+            </p:cNvPr>
+            <p:cNvCxnSpPr/>
+            <p:nvPr/>
+          </p:nvCxnSpPr>
+          <p:spPr>
+            <a:xfrm flipV="1">
+              <a:off x="3773004" y="4648339"/>
+              <a:ext cx="1754808" cy="6184"/>
+            </a:xfrm>
+            <a:prstGeom prst="line">
+              <a:avLst/>
+            </a:prstGeom>
+            <a:ln w="6350">
+              <a:solidFill>
+                <a:schemeClr val="accent3"/>
+              </a:solidFill>
+            </a:ln>
+          </p:spPr>
+          <p:style>
+            <a:lnRef idx="1">
+              <a:schemeClr val="accent1"/>
+            </a:lnRef>
+            <a:fillRef idx="0">
+              <a:schemeClr val="accent1"/>
+            </a:fillRef>
+            <a:effectRef idx="0">
+              <a:schemeClr val="accent1"/>
+            </a:effectRef>
+            <a:fontRef idx="minor">
+              <a:schemeClr val="tx1"/>
+            </a:fontRef>
+          </p:style>
+        </p:cxnSp>
+        <p:cxnSp>
+          <p:nvCxnSpPr>
+            <p:cNvPr id="138" name="Straight Connector 137">
+              <a:extLst>
+                <a:ext uri="{FF2B5EF4-FFF2-40B4-BE49-F238E27FC236}">
+                  <a16:creationId xmlns:a16="http://schemas.microsoft.com/office/drawing/2014/main" id="{E9D799F4-ACC1-4AA6-9844-08C273E42041}"/>
+                </a:ext>
+              </a:extLst>
+            </p:cNvPr>
+            <p:cNvCxnSpPr/>
+            <p:nvPr/>
+          </p:nvCxnSpPr>
+          <p:spPr>
+            <a:xfrm flipV="1">
+              <a:off x="3773004" y="4242813"/>
+              <a:ext cx="1754808" cy="6184"/>
+            </a:xfrm>
+            <a:prstGeom prst="line">
+              <a:avLst/>
+            </a:prstGeom>
+            <a:ln w="6350">
+              <a:solidFill>
+                <a:schemeClr val="accent3"/>
+              </a:solidFill>
+            </a:ln>
+          </p:spPr>
+          <p:style>
+            <a:lnRef idx="1">
+              <a:schemeClr val="accent1"/>
+            </a:lnRef>
+            <a:fillRef idx="0">
+              <a:schemeClr val="accent1"/>
+            </a:fillRef>
+            <a:effectRef idx="0">
+              <a:schemeClr val="accent1"/>
+            </a:effectRef>
+            <a:fontRef idx="minor">
+              <a:schemeClr val="tx1"/>
+            </a:fontRef>
+          </p:style>
+        </p:cxnSp>
+        <p:cxnSp>
+          <p:nvCxnSpPr>
+            <p:cNvPr id="139" name="Straight Connector 138">
+              <a:extLst>
+                <a:ext uri="{FF2B5EF4-FFF2-40B4-BE49-F238E27FC236}">
+                  <a16:creationId xmlns:a16="http://schemas.microsoft.com/office/drawing/2014/main" id="{CD1AD75D-85BB-4FEB-A704-8E5407386804}"/>
+                </a:ext>
+              </a:extLst>
+            </p:cNvPr>
+            <p:cNvCxnSpPr/>
+            <p:nvPr/>
+          </p:nvCxnSpPr>
+          <p:spPr>
+            <a:xfrm flipV="1">
+              <a:off x="3766618" y="3847283"/>
+              <a:ext cx="1754808" cy="6184"/>
+            </a:xfrm>
+            <a:prstGeom prst="line">
+              <a:avLst/>
+            </a:prstGeom>
+            <a:ln w="6350">
+              <a:solidFill>
+                <a:schemeClr val="accent3"/>
+              </a:solidFill>
+            </a:ln>
+          </p:spPr>
+          <p:style>
+            <a:lnRef idx="1">
+              <a:schemeClr val="accent1"/>
+            </a:lnRef>
+            <a:fillRef idx="0">
+              <a:schemeClr val="accent1"/>
+            </a:fillRef>
+            <a:effectRef idx="0">
+              <a:schemeClr val="accent1"/>
+            </a:effectRef>
+            <a:fontRef idx="minor">
+              <a:schemeClr val="tx1"/>
+            </a:fontRef>
+          </p:style>
+        </p:cxnSp>
+        <p:sp>
+          <p:nvSpPr>
+            <p:cNvPr id="142" name="Freeform 117">
+              <a:extLst>
+                <a:ext uri="{FF2B5EF4-FFF2-40B4-BE49-F238E27FC236}">
+                  <a16:creationId xmlns:a16="http://schemas.microsoft.com/office/drawing/2014/main" id="{ED439E5B-22B3-4D4B-97CD-6F7AC569FB1D}"/>
+                </a:ext>
+              </a:extLst>
+            </p:cNvPr>
+            <p:cNvSpPr/>
+            <p:nvPr/>
+          </p:nvSpPr>
+          <p:spPr>
+            <a:xfrm flipV="1">
+              <a:off x="4093320" y="5373372"/>
+              <a:ext cx="2642195" cy="45719"/>
+            </a:xfrm>
+            <a:custGeom>
+              <a:avLst/>
+              <a:gdLst>
+                <a:gd name="connsiteX0" fmla="*/ 0 w 3048000"/>
+                <a:gd name="connsiteY0" fmla="*/ 203200 h 203200"/>
+                <a:gd name="connsiteX1" fmla="*/ 221673 w 3048000"/>
+                <a:gd name="connsiteY1" fmla="*/ 0 h 203200"/>
+                <a:gd name="connsiteX2" fmla="*/ 3048000 w 3048000"/>
+                <a:gd name="connsiteY2" fmla="*/ 0 h 203200"/>
+              </a:gdLst>
+              <a:ahLst/>
+              <a:cxnLst>
+                <a:cxn ang="0">
+                  <a:pos x="connsiteX0" y="connsiteY0"/>
+                </a:cxn>
+                <a:cxn ang="0">
+                  <a:pos x="connsiteX1" y="connsiteY1"/>
+                </a:cxn>
+                <a:cxn ang="0">
+                  <a:pos x="connsiteX2" y="connsiteY2"/>
+                </a:cxn>
+              </a:cxnLst>
+              <a:rect l="l" t="t" r="r" b="b"/>
+              <a:pathLst>
+                <a:path w="3048000" h="203200">
+                  <a:moveTo>
+                    <a:pt x="0" y="203200"/>
+                  </a:moveTo>
+                  <a:lnTo>
+                    <a:pt x="221673" y="0"/>
+                  </a:lnTo>
+                  <a:lnTo>
+                    <a:pt x="3048000" y="0"/>
+                  </a:lnTo>
+                </a:path>
+              </a:pathLst>
+            </a:custGeom>
             <a:noFill/>
-          </a:ln>
-          <a:effectLst/>
-        </p:spPr>
-        <p:style>
-          <a:lnRef idx="1">
-            <a:schemeClr val="accent2"/>
-          </a:lnRef>
-          <a:fillRef idx="2">
-            <a:schemeClr val="accent2"/>
-          </a:fillRef>
-          <a:effectRef idx="1">
-            <a:schemeClr val="accent2"/>
-          </a:effectRef>
-          <a:fontRef idx="minor">
-            <a:schemeClr val="dk1"/>
-          </a:fontRef>
-        </p:style>
-        <p:txBody>
-          <a:bodyPr rtlCol="0" anchor="ctr"/>
-          <a:lstStyle/>
-          <a:p>
-            <a:pPr algn="ctr"/>
-            <a:r>
-              <a:rPr lang="en-US" sz="1100" b="1" dirty="0">
-                <a:solidFill>
-                  <a:schemeClr val="bg1"/>
-                </a:solidFill>
-              </a:rPr>
-              <a:t>Model</a:t>
-            </a:r>
-            <a:endParaRPr lang="en-SG" sz="1100" b="1" dirty="0">
+            <a:ln w="19050">
               <a:solidFill>
-                <a:schemeClr val="bg1"/>
+                <a:schemeClr val="accent3"/>
               </a:solidFill>
-            </a:endParaRPr>
-          </a:p>
-        </p:txBody>
-      </p:sp>
-      <p:sp>
-        <p:nvSpPr>
-          <p:cNvPr id="119" name="Rectangle 62"/>
-          <p:cNvSpPr/>
-          <p:nvPr/>
-        </p:nvSpPr>
-        <p:spPr>
-          <a:xfrm rot="16200000">
-            <a:off x="956202" y="2861202"/>
-            <a:ext cx="1093635" cy="346760"/>
-          </a:xfrm>
-          <a:prstGeom prst="rect">
-            <a:avLst/>
-          </a:prstGeom>
-          <a:solidFill>
-            <a:srgbClr val="00B050"/>
-          </a:solidFill>
-          <a:ln w="19050">
-            <a:solidFill>
-              <a:srgbClr val="00B050"/>
-            </a:solidFill>
-          </a:ln>
-          <a:effectLst/>
-        </p:spPr>
-        <p:style>
-          <a:lnRef idx="1">
-            <a:schemeClr val="accent2"/>
-          </a:lnRef>
-          <a:fillRef idx="2">
-            <a:schemeClr val="accent2"/>
-          </a:fillRef>
-          <a:effectRef idx="1">
-            <a:schemeClr val="accent2"/>
-          </a:effectRef>
-          <a:fontRef idx="minor">
-            <a:schemeClr val="dk1"/>
-          </a:fontRef>
-        </p:style>
-        <p:txBody>
-          <a:bodyPr rtlCol="0" anchor="ctr"/>
-          <a:lstStyle/>
-          <a:p>
-            <a:pPr algn="ctr"/>
-            <a:r>
-              <a:rPr lang="en-US" sz="1050" dirty="0">
-                <a:solidFill>
-                  <a:schemeClr val="bg1"/>
-                </a:solidFill>
-              </a:rPr>
-              <a:t>&lt;&lt;interface&gt;&gt;</a:t>
-            </a:r>
-          </a:p>
-          <a:p>
-            <a:pPr algn="ctr"/>
-            <a:r>
-              <a:rPr lang="en-US" sz="1050" dirty="0" err="1">
-                <a:solidFill>
-                  <a:schemeClr val="bg1"/>
-                </a:solidFill>
-              </a:rPr>
-              <a:t>Ui</a:t>
-            </a:r>
-            <a:endParaRPr lang="en-SG" sz="1050" dirty="0">
+              <a:prstDash val="sysDot"/>
+              <a:headEnd type="none" w="med" len="med"/>
+              <a:tailEnd type="arrow" w="med" len="med"/>
+            </a:ln>
+            <a:effectLst/>
+          </p:spPr>
+          <p:style>
+            <a:lnRef idx="1">
+              <a:schemeClr val="accent2"/>
+            </a:lnRef>
+            <a:fillRef idx="2">
+              <a:schemeClr val="accent2"/>
+            </a:fillRef>
+            <a:effectRef idx="1">
+              <a:schemeClr val="accent2"/>
+            </a:effectRef>
+            <a:fontRef idx="minor">
+              <a:schemeClr val="dk1"/>
+            </a:fontRef>
+          </p:style>
+          <p:txBody>
+            <a:bodyPr rtlCol="0" anchor="ctr"/>
+            <a:lstStyle/>
+            <a:p>
+              <a:pPr algn="ctr"/>
+              <a:endParaRPr lang="en-SG"/>
+            </a:p>
+          </p:txBody>
+        </p:sp>
+        <p:sp>
+          <p:nvSpPr>
+            <p:cNvPr id="145" name="Freeform 117">
+              <a:extLst>
+                <a:ext uri="{FF2B5EF4-FFF2-40B4-BE49-F238E27FC236}">
+                  <a16:creationId xmlns:a16="http://schemas.microsoft.com/office/drawing/2014/main" id="{1385306A-B525-49E6-9F48-1AFD6D12E4FA}"/>
+                </a:ext>
+              </a:extLst>
+            </p:cNvPr>
+            <p:cNvSpPr/>
+            <p:nvPr/>
+          </p:nvSpPr>
+          <p:spPr>
+            <a:xfrm flipV="1">
+              <a:off x="4100950" y="4956313"/>
+              <a:ext cx="2642195" cy="45719"/>
+            </a:xfrm>
+            <a:custGeom>
+              <a:avLst/>
+              <a:gdLst>
+                <a:gd name="connsiteX0" fmla="*/ 0 w 3048000"/>
+                <a:gd name="connsiteY0" fmla="*/ 203200 h 203200"/>
+                <a:gd name="connsiteX1" fmla="*/ 221673 w 3048000"/>
+                <a:gd name="connsiteY1" fmla="*/ 0 h 203200"/>
+                <a:gd name="connsiteX2" fmla="*/ 3048000 w 3048000"/>
+                <a:gd name="connsiteY2" fmla="*/ 0 h 203200"/>
+              </a:gdLst>
+              <a:ahLst/>
+              <a:cxnLst>
+                <a:cxn ang="0">
+                  <a:pos x="connsiteX0" y="connsiteY0"/>
+                </a:cxn>
+                <a:cxn ang="0">
+                  <a:pos x="connsiteX1" y="connsiteY1"/>
+                </a:cxn>
+                <a:cxn ang="0">
+                  <a:pos x="connsiteX2" y="connsiteY2"/>
+                </a:cxn>
+              </a:cxnLst>
+              <a:rect l="l" t="t" r="r" b="b"/>
+              <a:pathLst>
+                <a:path w="3048000" h="203200">
+                  <a:moveTo>
+                    <a:pt x="0" y="203200"/>
+                  </a:moveTo>
+                  <a:lnTo>
+                    <a:pt x="221673" y="0"/>
+                  </a:lnTo>
+                  <a:lnTo>
+                    <a:pt x="3048000" y="0"/>
+                  </a:lnTo>
+                </a:path>
+              </a:pathLst>
+            </a:custGeom>
+            <a:noFill/>
+            <a:ln w="19050">
               <a:solidFill>
-                <a:schemeClr val="bg1"/>
+                <a:schemeClr val="accent3"/>
               </a:solidFill>
-            </a:endParaRPr>
-          </a:p>
-        </p:txBody>
-      </p:sp>
-      <p:sp>
-        <p:nvSpPr>
-          <p:cNvPr id="120" name="Isosceles Triangle 102"/>
-          <p:cNvSpPr/>
-          <p:nvPr/>
-        </p:nvSpPr>
-        <p:spPr>
-          <a:xfrm flipV="1">
-            <a:off x="1367767" y="2286001"/>
-            <a:ext cx="270504" cy="175523"/>
-          </a:xfrm>
-          <a:prstGeom prst="triangle">
-            <a:avLst/>
-          </a:prstGeom>
-          <a:ln w="19050">
-            <a:solidFill>
-              <a:srgbClr val="00B050"/>
-            </a:solidFill>
-          </a:ln>
-          <a:effectLst/>
-        </p:spPr>
-        <p:style>
-          <a:lnRef idx="1">
-            <a:schemeClr val="accent3"/>
-          </a:lnRef>
-          <a:fillRef idx="2">
-            <a:schemeClr val="accent3"/>
-          </a:fillRef>
-          <a:effectRef idx="1">
-            <a:schemeClr val="accent3"/>
-          </a:effectRef>
-          <a:fontRef idx="minor">
-            <a:schemeClr val="dk1"/>
-          </a:fontRef>
-        </p:style>
-        <p:txBody>
-          <a:bodyPr rtlCol="0" anchor="ctr"/>
-          <a:lstStyle/>
-          <a:p>
-            <a:pPr algn="ctr"/>
-            <a:endParaRPr lang="en-SG" sz="1050" b="1">
+              <a:prstDash val="sysDot"/>
+              <a:headEnd type="none" w="med" len="med"/>
+              <a:tailEnd type="arrow" w="med" len="med"/>
+            </a:ln>
+            <a:effectLst/>
+          </p:spPr>
+          <p:style>
+            <a:lnRef idx="1">
+              <a:schemeClr val="accent2"/>
+            </a:lnRef>
+            <a:fillRef idx="2">
+              <a:schemeClr val="accent2"/>
+            </a:fillRef>
+            <a:effectRef idx="1">
+              <a:schemeClr val="accent2"/>
+            </a:effectRef>
+            <a:fontRef idx="minor">
+              <a:schemeClr val="dk1"/>
+            </a:fontRef>
+          </p:style>
+          <p:txBody>
+            <a:bodyPr rtlCol="0" anchor="ctr"/>
+            <a:lstStyle/>
+            <a:p>
+              <a:pPr algn="ctr"/>
+              <a:endParaRPr lang="en-SG"/>
+            </a:p>
+          </p:txBody>
+        </p:sp>
+        <p:sp>
+          <p:nvSpPr>
+            <p:cNvPr id="146" name="Freeform 117">
+              <a:extLst>
+                <a:ext uri="{FF2B5EF4-FFF2-40B4-BE49-F238E27FC236}">
+                  <a16:creationId xmlns:a16="http://schemas.microsoft.com/office/drawing/2014/main" id="{A25DCEDB-21BA-4A1F-B82D-6DAD2FA5A237}"/>
+                </a:ext>
+              </a:extLst>
+            </p:cNvPr>
+            <p:cNvSpPr/>
+            <p:nvPr/>
+          </p:nvSpPr>
+          <p:spPr>
+            <a:xfrm flipV="1">
+              <a:off x="4093320" y="4560769"/>
+              <a:ext cx="2642195" cy="45719"/>
+            </a:xfrm>
+            <a:custGeom>
+              <a:avLst/>
+              <a:gdLst>
+                <a:gd name="connsiteX0" fmla="*/ 0 w 3048000"/>
+                <a:gd name="connsiteY0" fmla="*/ 203200 h 203200"/>
+                <a:gd name="connsiteX1" fmla="*/ 221673 w 3048000"/>
+                <a:gd name="connsiteY1" fmla="*/ 0 h 203200"/>
+                <a:gd name="connsiteX2" fmla="*/ 3048000 w 3048000"/>
+                <a:gd name="connsiteY2" fmla="*/ 0 h 203200"/>
+              </a:gdLst>
+              <a:ahLst/>
+              <a:cxnLst>
+                <a:cxn ang="0">
+                  <a:pos x="connsiteX0" y="connsiteY0"/>
+                </a:cxn>
+                <a:cxn ang="0">
+                  <a:pos x="connsiteX1" y="connsiteY1"/>
+                </a:cxn>
+                <a:cxn ang="0">
+                  <a:pos x="connsiteX2" y="connsiteY2"/>
+                </a:cxn>
+              </a:cxnLst>
+              <a:rect l="l" t="t" r="r" b="b"/>
+              <a:pathLst>
+                <a:path w="3048000" h="203200">
+                  <a:moveTo>
+                    <a:pt x="0" y="203200"/>
+                  </a:moveTo>
+                  <a:lnTo>
+                    <a:pt x="221673" y="0"/>
+                  </a:lnTo>
+                  <a:lnTo>
+                    <a:pt x="3048000" y="0"/>
+                  </a:lnTo>
+                </a:path>
+              </a:pathLst>
+            </a:custGeom>
+            <a:noFill/>
+            <a:ln w="19050">
               <a:solidFill>
-                <a:srgbClr val="92D050"/>
+                <a:schemeClr val="accent3"/>
               </a:solidFill>
-            </a:endParaRPr>
-          </a:p>
-        </p:txBody>
-      </p:sp>
-      <p:cxnSp>
-        <p:nvCxnSpPr>
-          <p:cNvPr id="121" name="Elbow Connector 63"/>
-          <p:cNvCxnSpPr>
-            <a:stCxn id="9" idx="1"/>
-            <a:endCxn id="120" idx="3"/>
-          </p:cNvCxnSpPr>
-          <p:nvPr/>
-        </p:nvCxnSpPr>
-        <p:spPr>
-          <a:xfrm rot="10800000" flipV="1">
-            <a:off x="1503020" y="1944303"/>
-            <a:ext cx="589823" cy="341697"/>
-          </a:xfrm>
-          <a:prstGeom prst="bentConnector2">
-            <a:avLst/>
-          </a:prstGeom>
-          <a:ln w="19050">
-            <a:solidFill>
-              <a:srgbClr val="00B050"/>
-            </a:solidFill>
-            <a:prstDash val="sysDot"/>
-            <a:headEnd type="none" w="med" len="med"/>
-            <a:tailEnd type="none" w="med" len="med"/>
-          </a:ln>
-          <a:effectLst/>
-        </p:spPr>
-        <p:style>
-          <a:lnRef idx="1">
-            <a:schemeClr val="accent2"/>
-          </a:lnRef>
-          <a:fillRef idx="2">
-            <a:schemeClr val="accent2"/>
-          </a:fillRef>
-          <a:effectRef idx="1">
-            <a:schemeClr val="accent2"/>
-          </a:effectRef>
-          <a:fontRef idx="minor">
-            <a:schemeClr val="dk1"/>
-          </a:fontRef>
-        </p:style>
-      </p:cxnSp>
-      <p:cxnSp>
-        <p:nvCxnSpPr>
-          <p:cNvPr id="131" name="Elbow Connector 130"/>
-          <p:cNvCxnSpPr>
-            <a:stCxn id="39" idx="2"/>
-            <a:endCxn id="43" idx="1"/>
-          </p:cNvCxnSpPr>
-          <p:nvPr/>
-        </p:nvCxnSpPr>
-        <p:spPr>
-          <a:xfrm rot="16200000" flipH="1">
-            <a:off x="2226110" y="3058040"/>
-            <a:ext cx="554704" cy="174673"/>
-          </a:xfrm>
-          <a:prstGeom prst="bentConnector2">
-            <a:avLst/>
-          </a:prstGeom>
-          <a:ln w="19050">
-            <a:solidFill>
-              <a:schemeClr val="accent3"/>
-            </a:solidFill>
-            <a:headEnd type="none" w="med" len="med"/>
-            <a:tailEnd type="arrow" w="med" len="med"/>
-          </a:ln>
-          <a:effectLst/>
-        </p:spPr>
-        <p:style>
-          <a:lnRef idx="1">
-            <a:schemeClr val="accent2"/>
-          </a:lnRef>
-          <a:fillRef idx="2">
-            <a:schemeClr val="accent2"/>
-          </a:fillRef>
-          <a:effectRef idx="1">
-            <a:schemeClr val="accent2"/>
-          </a:effectRef>
-          <a:fontRef idx="minor">
-            <a:schemeClr val="dk1"/>
-          </a:fontRef>
-        </p:style>
-      </p:cxnSp>
-      <p:cxnSp>
-        <p:nvCxnSpPr>
-          <p:cNvPr id="132" name="Elbow Connector 63"/>
-          <p:cNvCxnSpPr>
-            <a:stCxn id="16" idx="3"/>
-            <a:endCxn id="3" idx="3"/>
-          </p:cNvCxnSpPr>
-          <p:nvPr/>
-        </p:nvCxnSpPr>
-        <p:spPr>
-          <a:xfrm rot="5400000">
-            <a:off x="4205956" y="1766207"/>
-            <a:ext cx="804221" cy="1843806"/>
-          </a:xfrm>
-          <a:prstGeom prst="bentConnector2">
-            <a:avLst/>
-          </a:prstGeom>
-          <a:ln w="6350">
-            <a:solidFill>
-              <a:schemeClr val="accent3"/>
-            </a:solidFill>
-            <a:headEnd type="none" w="med" len="med"/>
-            <a:tailEnd type="none" w="med" len="med"/>
-          </a:ln>
-          <a:effectLst/>
-        </p:spPr>
-        <p:style>
-          <a:lnRef idx="1">
-            <a:schemeClr val="accent2"/>
-          </a:lnRef>
-          <a:fillRef idx="2">
-            <a:schemeClr val="accent2"/>
-          </a:fillRef>
-          <a:effectRef idx="1">
-            <a:schemeClr val="accent2"/>
-          </a:effectRef>
-          <a:fontRef idx="minor">
-            <a:schemeClr val="dk1"/>
-          </a:fontRef>
-        </p:style>
-      </p:cxnSp>
-      <p:cxnSp>
-        <p:nvCxnSpPr>
-          <p:cNvPr id="137" name="Elbow Connector 136"/>
-          <p:cNvCxnSpPr>
-            <a:stCxn id="36" idx="2"/>
-            <a:endCxn id="37" idx="1"/>
-          </p:cNvCxnSpPr>
-          <p:nvPr/>
-        </p:nvCxnSpPr>
-        <p:spPr>
-          <a:xfrm rot="16200000" flipH="1">
-            <a:off x="3430123" y="3938021"/>
-            <a:ext cx="118421" cy="699979"/>
-          </a:xfrm>
-          <a:prstGeom prst="bentConnector2">
-            <a:avLst/>
-          </a:prstGeom>
-          <a:ln w="19050">
-            <a:solidFill>
-              <a:schemeClr val="accent3"/>
-            </a:solidFill>
-            <a:headEnd type="none" w="med" len="med"/>
-            <a:tailEnd type="arrow" w="med" len="med"/>
-          </a:ln>
-          <a:effectLst/>
-        </p:spPr>
-        <p:style>
-          <a:lnRef idx="1">
-            <a:schemeClr val="accent2"/>
-          </a:lnRef>
-          <a:fillRef idx="2">
-            <a:schemeClr val="accent2"/>
-          </a:fillRef>
-          <a:effectRef idx="1">
-            <a:schemeClr val="accent2"/>
-          </a:effectRef>
-          <a:fontRef idx="minor">
-            <a:schemeClr val="dk1"/>
-          </a:fontRef>
-        </p:style>
-      </p:cxnSp>
-      <p:cxnSp>
-        <p:nvCxnSpPr>
-          <p:cNvPr id="140" name="Elbow Connector 63"/>
-          <p:cNvCxnSpPr>
-            <a:stCxn id="16" idx="3"/>
-            <a:endCxn id="36" idx="3"/>
-          </p:cNvCxnSpPr>
-          <p:nvPr/>
-        </p:nvCxnSpPr>
-        <p:spPr>
-          <a:xfrm rot="5400000">
-            <a:off x="3695875" y="2276286"/>
-            <a:ext cx="1824381" cy="1843808"/>
-          </a:xfrm>
-          <a:prstGeom prst="bentConnector2">
-            <a:avLst/>
-          </a:prstGeom>
-          <a:ln w="6350">
-            <a:solidFill>
-              <a:schemeClr val="accent3"/>
-            </a:solidFill>
-            <a:headEnd type="none" w="med" len="med"/>
-            <a:tailEnd type="none" w="med" len="med"/>
-          </a:ln>
-          <a:effectLst/>
-        </p:spPr>
-        <p:style>
-          <a:lnRef idx="1">
-            <a:schemeClr val="accent2"/>
-          </a:lnRef>
-          <a:fillRef idx="2">
-            <a:schemeClr val="accent2"/>
-          </a:fillRef>
-          <a:effectRef idx="1">
-            <a:schemeClr val="accent2"/>
-          </a:effectRef>
-          <a:fontRef idx="minor">
-            <a:schemeClr val="dk1"/>
-          </a:fontRef>
-        </p:style>
-      </p:cxnSp>
-      <p:sp>
-        <p:nvSpPr>
-          <p:cNvPr id="143" name="Rectangle 142"/>
-          <p:cNvSpPr/>
-          <p:nvPr/>
-        </p:nvSpPr>
-        <p:spPr>
-          <a:xfrm>
-            <a:off x="5422048" y="2339335"/>
-            <a:ext cx="229325" cy="166560"/>
-          </a:xfrm>
-          <a:prstGeom prst="rect">
-            <a:avLst/>
-          </a:prstGeom>
-          <a:solidFill>
-            <a:schemeClr val="accent3">
-              <a:lumMod val="20000"/>
-              <a:lumOff val="80000"/>
-              <a:alpha val="80000"/>
-            </a:schemeClr>
-          </a:solidFill>
-          <a:ln>
+              <a:prstDash val="sysDot"/>
+              <a:headEnd type="none" w="med" len="med"/>
+              <a:tailEnd type="arrow" w="med" len="med"/>
+            </a:ln>
+            <a:effectLst/>
+          </p:spPr>
+          <p:style>
+            <a:lnRef idx="1">
+              <a:schemeClr val="accent2"/>
+            </a:lnRef>
+            <a:fillRef idx="2">
+              <a:schemeClr val="accent2"/>
+            </a:fillRef>
+            <a:effectRef idx="1">
+              <a:schemeClr val="accent2"/>
+            </a:effectRef>
+            <a:fontRef idx="minor">
+              <a:schemeClr val="dk1"/>
+            </a:fontRef>
+          </p:style>
+          <p:txBody>
+            <a:bodyPr rtlCol="0" anchor="ctr"/>
+            <a:lstStyle/>
+            <a:p>
+              <a:pPr algn="ctr"/>
+              <a:endParaRPr lang="en-SG"/>
+            </a:p>
+          </p:txBody>
+        </p:sp>
+        <p:sp>
+          <p:nvSpPr>
+            <p:cNvPr id="147" name="Freeform 117">
+              <a:extLst>
+                <a:ext uri="{FF2B5EF4-FFF2-40B4-BE49-F238E27FC236}">
+                  <a16:creationId xmlns:a16="http://schemas.microsoft.com/office/drawing/2014/main" id="{F98A9E52-65DC-4CF5-85ED-7F1588EF28CD}"/>
+                </a:ext>
+              </a:extLst>
+            </p:cNvPr>
+            <p:cNvSpPr/>
+            <p:nvPr/>
+          </p:nvSpPr>
+          <p:spPr>
+            <a:xfrm flipV="1">
+              <a:off x="4093320" y="4161580"/>
+              <a:ext cx="2642195" cy="45719"/>
+            </a:xfrm>
+            <a:custGeom>
+              <a:avLst/>
+              <a:gdLst>
+                <a:gd name="connsiteX0" fmla="*/ 0 w 3048000"/>
+                <a:gd name="connsiteY0" fmla="*/ 203200 h 203200"/>
+                <a:gd name="connsiteX1" fmla="*/ 221673 w 3048000"/>
+                <a:gd name="connsiteY1" fmla="*/ 0 h 203200"/>
+                <a:gd name="connsiteX2" fmla="*/ 3048000 w 3048000"/>
+                <a:gd name="connsiteY2" fmla="*/ 0 h 203200"/>
+              </a:gdLst>
+              <a:ahLst/>
+              <a:cxnLst>
+                <a:cxn ang="0">
+                  <a:pos x="connsiteX0" y="connsiteY0"/>
+                </a:cxn>
+                <a:cxn ang="0">
+                  <a:pos x="connsiteX1" y="connsiteY1"/>
+                </a:cxn>
+                <a:cxn ang="0">
+                  <a:pos x="connsiteX2" y="connsiteY2"/>
+                </a:cxn>
+              </a:cxnLst>
+              <a:rect l="l" t="t" r="r" b="b"/>
+              <a:pathLst>
+                <a:path w="3048000" h="203200">
+                  <a:moveTo>
+                    <a:pt x="0" y="203200"/>
+                  </a:moveTo>
+                  <a:lnTo>
+                    <a:pt x="221673" y="0"/>
+                  </a:lnTo>
+                  <a:lnTo>
+                    <a:pt x="3048000" y="0"/>
+                  </a:lnTo>
+                </a:path>
+              </a:pathLst>
+            </a:custGeom>
             <a:noFill/>
-          </a:ln>
-          <a:effectLst>
-            <a:softEdge rad="31750"/>
-          </a:effectLst>
-        </p:spPr>
-        <p:style>
-          <a:lnRef idx="2">
-            <a:schemeClr val="accent1">
-              <a:shade val="50000"/>
-            </a:schemeClr>
-          </a:lnRef>
-          <a:fillRef idx="1">
-            <a:schemeClr val="accent1"/>
-          </a:fillRef>
-          <a:effectRef idx="0">
-            <a:schemeClr val="accent1"/>
-          </a:effectRef>
-          <a:fontRef idx="minor">
-            <a:schemeClr val="lt1"/>
-          </a:fontRef>
-        </p:style>
-        <p:txBody>
-          <a:bodyPr rtlCol="0" anchor="ctr"/>
-          <a:lstStyle/>
-          <a:p>
-            <a:pPr algn="ctr"/>
-            <a:endParaRPr lang="en-SG"/>
-          </a:p>
-        </p:txBody>
-      </p:sp>
-      <p:sp>
-        <p:nvSpPr>
-          <p:cNvPr id="116" name="Freeform 115"/>
-          <p:cNvSpPr/>
-          <p:nvPr/>
-        </p:nvSpPr>
-        <p:spPr>
-          <a:xfrm>
-            <a:off x="3186477" y="2405681"/>
-            <a:ext cx="3537529" cy="45719"/>
-          </a:xfrm>
-          <a:custGeom>
-            <a:avLst/>
-            <a:gdLst>
-              <a:gd name="connsiteX0" fmla="*/ 0 w 3048000"/>
-              <a:gd name="connsiteY0" fmla="*/ 203200 h 203200"/>
-              <a:gd name="connsiteX1" fmla="*/ 221673 w 3048000"/>
-              <a:gd name="connsiteY1" fmla="*/ 0 h 203200"/>
-              <a:gd name="connsiteX2" fmla="*/ 3048000 w 3048000"/>
-              <a:gd name="connsiteY2" fmla="*/ 0 h 203200"/>
-            </a:gdLst>
-            <a:ahLst/>
-            <a:cxnLst>
-              <a:cxn ang="0">
-                <a:pos x="connsiteX0" y="connsiteY0"/>
-              </a:cxn>
-              <a:cxn ang="0">
-                <a:pos x="connsiteX1" y="connsiteY1"/>
-              </a:cxn>
-              <a:cxn ang="0">
-                <a:pos x="connsiteX2" y="connsiteY2"/>
-              </a:cxn>
-            </a:cxnLst>
-            <a:rect l="l" t="t" r="r" b="b"/>
-            <a:pathLst>
-              <a:path w="3048000" h="203200">
-                <a:moveTo>
-                  <a:pt x="0" y="203200"/>
-                </a:moveTo>
-                <a:lnTo>
-                  <a:pt x="221673" y="0"/>
-                </a:lnTo>
-                <a:lnTo>
-                  <a:pt x="3048000" y="0"/>
-                </a:lnTo>
-              </a:path>
-            </a:pathLst>
-          </a:custGeom>
-          <a:noFill/>
-          <a:ln w="19050">
-            <a:solidFill>
-              <a:schemeClr val="accent3"/>
-            </a:solidFill>
-            <a:prstDash val="solid"/>
-            <a:headEnd type="none" w="med" len="med"/>
-            <a:tailEnd type="arrow" w="med" len="med"/>
-          </a:ln>
-          <a:effectLst/>
-        </p:spPr>
-        <p:style>
-          <a:lnRef idx="1">
-            <a:schemeClr val="accent2"/>
-          </a:lnRef>
-          <a:fillRef idx="2">
-            <a:schemeClr val="accent2"/>
-          </a:fillRef>
-          <a:effectRef idx="1">
-            <a:schemeClr val="accent2"/>
-          </a:effectRef>
-          <a:fontRef idx="minor">
-            <a:schemeClr val="dk1"/>
-          </a:fontRef>
-        </p:style>
-        <p:txBody>
-          <a:bodyPr rtlCol="0" anchor="ctr"/>
-          <a:lstStyle/>
-          <a:p>
-            <a:pPr algn="ctr"/>
-            <a:endParaRPr lang="en-SG"/>
-          </a:p>
-        </p:txBody>
-      </p:sp>
-      <p:sp>
-        <p:nvSpPr>
-          <p:cNvPr id="144" name="Rectangle 143"/>
-          <p:cNvSpPr/>
-          <p:nvPr/>
-        </p:nvSpPr>
-        <p:spPr>
-          <a:xfrm>
-            <a:off x="5431573" y="4488138"/>
-            <a:ext cx="229325" cy="160062"/>
-          </a:xfrm>
-          <a:prstGeom prst="rect">
-            <a:avLst/>
-          </a:prstGeom>
-          <a:solidFill>
-            <a:schemeClr val="accent3">
-              <a:lumMod val="20000"/>
-              <a:lumOff val="80000"/>
-              <a:alpha val="80000"/>
-            </a:schemeClr>
-          </a:solidFill>
-          <a:ln>
-            <a:noFill/>
-          </a:ln>
-          <a:effectLst>
-            <a:softEdge rad="31750"/>
-          </a:effectLst>
-        </p:spPr>
-        <p:style>
-          <a:lnRef idx="2">
-            <a:schemeClr val="accent1">
-              <a:shade val="50000"/>
-            </a:schemeClr>
-          </a:lnRef>
-          <a:fillRef idx="1">
-            <a:schemeClr val="accent1"/>
-          </a:fillRef>
-          <a:effectRef idx="0">
-            <a:schemeClr val="accent1"/>
-          </a:effectRef>
-          <a:fontRef idx="minor">
-            <a:schemeClr val="lt1"/>
-          </a:fontRef>
-        </p:style>
-        <p:txBody>
-          <a:bodyPr rtlCol="0" anchor="ctr"/>
-          <a:lstStyle/>
-          <a:p>
-            <a:pPr algn="ctr"/>
-            <a:endParaRPr lang="en-SG"/>
-          </a:p>
-        </p:txBody>
-      </p:sp>
-      <p:sp>
-        <p:nvSpPr>
-          <p:cNvPr id="118" name="Freeform 117"/>
-          <p:cNvSpPr/>
-          <p:nvPr/>
-        </p:nvSpPr>
-        <p:spPr>
-          <a:xfrm flipV="1">
-            <a:off x="4114799" y="4472708"/>
-            <a:ext cx="2642195" cy="101600"/>
-          </a:xfrm>
-          <a:custGeom>
-            <a:avLst/>
-            <a:gdLst>
-              <a:gd name="connsiteX0" fmla="*/ 0 w 3048000"/>
-              <a:gd name="connsiteY0" fmla="*/ 203200 h 203200"/>
-              <a:gd name="connsiteX1" fmla="*/ 221673 w 3048000"/>
-              <a:gd name="connsiteY1" fmla="*/ 0 h 203200"/>
-              <a:gd name="connsiteX2" fmla="*/ 3048000 w 3048000"/>
-              <a:gd name="connsiteY2" fmla="*/ 0 h 203200"/>
-            </a:gdLst>
-            <a:ahLst/>
-            <a:cxnLst>
-              <a:cxn ang="0">
-                <a:pos x="connsiteX0" y="connsiteY0"/>
-              </a:cxn>
-              <a:cxn ang="0">
-                <a:pos x="connsiteX1" y="connsiteY1"/>
-              </a:cxn>
-              <a:cxn ang="0">
-                <a:pos x="connsiteX2" y="connsiteY2"/>
-              </a:cxn>
-            </a:cxnLst>
-            <a:rect l="l" t="t" r="r" b="b"/>
-            <a:pathLst>
-              <a:path w="3048000" h="203200">
-                <a:moveTo>
-                  <a:pt x="0" y="203200"/>
-                </a:moveTo>
-                <a:lnTo>
-                  <a:pt x="221673" y="0"/>
-                </a:lnTo>
-                <a:lnTo>
-                  <a:pt x="3048000" y="0"/>
-                </a:lnTo>
-              </a:path>
-            </a:pathLst>
-          </a:custGeom>
-          <a:noFill/>
-          <a:ln w="19050">
-            <a:solidFill>
-              <a:schemeClr val="accent3"/>
-            </a:solidFill>
-            <a:prstDash val="sysDot"/>
-            <a:headEnd type="none" w="med" len="med"/>
-            <a:tailEnd type="arrow" w="med" len="med"/>
-          </a:ln>
-          <a:effectLst/>
-        </p:spPr>
-        <p:style>
-          <a:lnRef idx="1">
-            <a:schemeClr val="accent2"/>
-          </a:lnRef>
-          <a:fillRef idx="2">
-            <a:schemeClr val="accent2"/>
-          </a:fillRef>
-          <a:effectRef idx="1">
-            <a:schemeClr val="accent2"/>
-          </a:effectRef>
-          <a:fontRef idx="minor">
-            <a:schemeClr val="dk1"/>
-          </a:fontRef>
-        </p:style>
-        <p:txBody>
-          <a:bodyPr rtlCol="0" anchor="ctr"/>
-          <a:lstStyle/>
-          <a:p>
-            <a:pPr algn="ctr"/>
-            <a:endParaRPr lang="en-SG"/>
-          </a:p>
-        </p:txBody>
-      </p:sp>
+            <a:ln w="19050">
+              <a:solidFill>
+                <a:schemeClr val="accent3"/>
+              </a:solidFill>
+              <a:prstDash val="sysDot"/>
+              <a:headEnd type="none" w="med" len="med"/>
+              <a:tailEnd type="arrow" w="med" len="med"/>
+            </a:ln>
+            <a:effectLst/>
+          </p:spPr>
+          <p:style>
+            <a:lnRef idx="1">
+              <a:schemeClr val="accent2"/>
+            </a:lnRef>
+            <a:fillRef idx="2">
+              <a:schemeClr val="accent2"/>
+            </a:fillRef>
+            <a:effectRef idx="1">
+              <a:schemeClr val="accent2"/>
+            </a:effectRef>
+            <a:fontRef idx="minor">
+              <a:schemeClr val="dk1"/>
+            </a:fontRef>
+          </p:style>
+          <p:txBody>
+            <a:bodyPr rtlCol="0" anchor="ctr"/>
+            <a:lstStyle/>
+            <a:p>
+              <a:pPr algn="ctr"/>
+              <a:endParaRPr lang="en-SG"/>
+            </a:p>
+          </p:txBody>
+        </p:sp>
+        <p:cxnSp>
+          <p:nvCxnSpPr>
+            <p:cNvPr id="148" name="Elbow Connector 136">
+              <a:extLst>
+                <a:ext uri="{FF2B5EF4-FFF2-40B4-BE49-F238E27FC236}">
+                  <a16:creationId xmlns:a16="http://schemas.microsoft.com/office/drawing/2014/main" id="{BB90B980-C0C7-4F3C-A05D-F464D3CB4973}"/>
+                </a:ext>
+              </a:extLst>
+            </p:cNvPr>
+            <p:cNvCxnSpPr>
+              <a:cxnSpLocks/>
+            </p:cNvCxnSpPr>
+            <p:nvPr/>
+          </p:nvCxnSpPr>
+          <p:spPr>
+            <a:xfrm rot="16200000" flipH="1">
+              <a:off x="3524580" y="4806671"/>
+              <a:ext cx="83123" cy="781845"/>
+            </a:xfrm>
+            <a:prstGeom prst="bentConnector2">
+              <a:avLst/>
+            </a:prstGeom>
+            <a:ln w="19050">
+              <a:solidFill>
+                <a:schemeClr val="accent3"/>
+              </a:solidFill>
+              <a:headEnd type="none" w="med" len="med"/>
+              <a:tailEnd type="arrow" w="med" len="med"/>
+            </a:ln>
+            <a:effectLst/>
+          </p:spPr>
+          <p:style>
+            <a:lnRef idx="1">
+              <a:schemeClr val="accent2"/>
+            </a:lnRef>
+            <a:fillRef idx="2">
+              <a:schemeClr val="accent2"/>
+            </a:fillRef>
+            <a:effectRef idx="1">
+              <a:schemeClr val="accent2"/>
+            </a:effectRef>
+            <a:fontRef idx="minor">
+              <a:schemeClr val="dk1"/>
+            </a:fontRef>
+          </p:style>
+        </p:cxnSp>
+        <p:cxnSp>
+          <p:nvCxnSpPr>
+            <p:cNvPr id="149" name="Elbow Connector 136">
+              <a:extLst>
+                <a:ext uri="{FF2B5EF4-FFF2-40B4-BE49-F238E27FC236}">
+                  <a16:creationId xmlns:a16="http://schemas.microsoft.com/office/drawing/2014/main" id="{1C80A0B3-53FE-4BB5-8C44-59A0F8AA134E}"/>
+                </a:ext>
+              </a:extLst>
+            </p:cNvPr>
+            <p:cNvCxnSpPr>
+              <a:cxnSpLocks/>
+            </p:cNvCxnSpPr>
+            <p:nvPr/>
+          </p:nvCxnSpPr>
+          <p:spPr>
+            <a:xfrm rot="16200000" flipH="1">
+              <a:off x="3527148" y="4411424"/>
+              <a:ext cx="83123" cy="781845"/>
+            </a:xfrm>
+            <a:prstGeom prst="bentConnector2">
+              <a:avLst/>
+            </a:prstGeom>
+            <a:ln w="19050">
+              <a:solidFill>
+                <a:schemeClr val="accent3"/>
+              </a:solidFill>
+              <a:headEnd type="none" w="med" len="med"/>
+              <a:tailEnd type="arrow" w="med" len="med"/>
+            </a:ln>
+            <a:effectLst/>
+          </p:spPr>
+          <p:style>
+            <a:lnRef idx="1">
+              <a:schemeClr val="accent2"/>
+            </a:lnRef>
+            <a:fillRef idx="2">
+              <a:schemeClr val="accent2"/>
+            </a:fillRef>
+            <a:effectRef idx="1">
+              <a:schemeClr val="accent2"/>
+            </a:effectRef>
+            <a:fontRef idx="minor">
+              <a:schemeClr val="dk1"/>
+            </a:fontRef>
+          </p:style>
+        </p:cxnSp>
+        <p:cxnSp>
+          <p:nvCxnSpPr>
+            <p:cNvPr id="150" name="Elbow Connector 136">
+              <a:extLst>
+                <a:ext uri="{FF2B5EF4-FFF2-40B4-BE49-F238E27FC236}">
+                  <a16:creationId xmlns:a16="http://schemas.microsoft.com/office/drawing/2014/main" id="{623BC09C-2507-4E17-8CB8-7547AB492641}"/>
+                </a:ext>
+              </a:extLst>
+            </p:cNvPr>
+            <p:cNvCxnSpPr>
+              <a:cxnSpLocks/>
+            </p:cNvCxnSpPr>
+            <p:nvPr/>
+          </p:nvCxnSpPr>
+          <p:spPr>
+            <a:xfrm rot="16200000" flipH="1">
+              <a:off x="3523578" y="4012454"/>
+              <a:ext cx="83123" cy="781845"/>
+            </a:xfrm>
+            <a:prstGeom prst="bentConnector2">
+              <a:avLst/>
+            </a:prstGeom>
+            <a:ln w="19050">
+              <a:solidFill>
+                <a:schemeClr val="accent3"/>
+              </a:solidFill>
+              <a:headEnd type="none" w="med" len="med"/>
+              <a:tailEnd type="arrow" w="med" len="med"/>
+            </a:ln>
+            <a:effectLst/>
+          </p:spPr>
+          <p:style>
+            <a:lnRef idx="1">
+              <a:schemeClr val="accent2"/>
+            </a:lnRef>
+            <a:fillRef idx="2">
+              <a:schemeClr val="accent2"/>
+            </a:fillRef>
+            <a:effectRef idx="1">
+              <a:schemeClr val="accent2"/>
+            </a:effectRef>
+            <a:fontRef idx="minor">
+              <a:schemeClr val="dk1"/>
+            </a:fontRef>
+          </p:style>
+        </p:cxnSp>
+        <p:cxnSp>
+          <p:nvCxnSpPr>
+            <p:cNvPr id="151" name="Elbow Connector 136">
+              <a:extLst>
+                <a:ext uri="{FF2B5EF4-FFF2-40B4-BE49-F238E27FC236}">
+                  <a16:creationId xmlns:a16="http://schemas.microsoft.com/office/drawing/2014/main" id="{AB959DBF-2A8D-43F2-8222-D202F36050D8}"/>
+                </a:ext>
+              </a:extLst>
+            </p:cNvPr>
+            <p:cNvCxnSpPr>
+              <a:cxnSpLocks/>
+            </p:cNvCxnSpPr>
+            <p:nvPr/>
+          </p:nvCxnSpPr>
+          <p:spPr>
+            <a:xfrm rot="16200000" flipH="1">
+              <a:off x="3529916" y="3613039"/>
+              <a:ext cx="83123" cy="781845"/>
+            </a:xfrm>
+            <a:prstGeom prst="bentConnector2">
+              <a:avLst/>
+            </a:prstGeom>
+            <a:ln w="19050">
+              <a:solidFill>
+                <a:schemeClr val="accent3"/>
+              </a:solidFill>
+              <a:headEnd type="none" w="med" len="med"/>
+              <a:tailEnd type="arrow" w="med" len="med"/>
+            </a:ln>
+            <a:effectLst/>
+          </p:spPr>
+          <p:style>
+            <a:lnRef idx="1">
+              <a:schemeClr val="accent2"/>
+            </a:lnRef>
+            <a:fillRef idx="2">
+              <a:schemeClr val="accent2"/>
+            </a:fillRef>
+            <a:effectRef idx="1">
+              <a:schemeClr val="accent2"/>
+            </a:effectRef>
+            <a:fontRef idx="minor">
+              <a:schemeClr val="dk1"/>
+            </a:fontRef>
+          </p:style>
+        </p:cxnSp>
+      </p:grpSp>
     </p:spTree>
     <p:extLst>
       <p:ext uri="{BB962C8B-B14F-4D97-AF65-F5344CB8AC3E}">
